--- a/Lectures/Lesson 01 - Gitlab + Intellij IDEA.pptx
+++ b/Lectures/Lesson 01 - Gitlab + Intellij IDEA.pptx
@@ -5,7 +5,7 @@
     <p:sldMasterId id="2147483648" r:id="rId1"/>
   </p:sldMasterIdLst>
   <p:notesMasterIdLst>
-    <p:notesMasterId r:id="rId24"/>
+    <p:notesMasterId r:id="rId27"/>
   </p:notesMasterIdLst>
   <p:sldIdLst>
     <p:sldId id="289" r:id="rId2"/>
@@ -15,21 +15,24 @@
     <p:sldId id="307" r:id="rId6"/>
     <p:sldId id="308" r:id="rId7"/>
     <p:sldId id="312" r:id="rId8"/>
-    <p:sldId id="313" r:id="rId9"/>
-    <p:sldId id="314" r:id="rId10"/>
-    <p:sldId id="315" r:id="rId11"/>
-    <p:sldId id="316" r:id="rId12"/>
-    <p:sldId id="317" r:id="rId13"/>
-    <p:sldId id="318" r:id="rId14"/>
-    <p:sldId id="319" r:id="rId15"/>
-    <p:sldId id="320" r:id="rId16"/>
-    <p:sldId id="321" r:id="rId17"/>
-    <p:sldId id="322" r:id="rId18"/>
-    <p:sldId id="325" r:id="rId19"/>
-    <p:sldId id="326" r:id="rId20"/>
-    <p:sldId id="323" r:id="rId21"/>
-    <p:sldId id="324" r:id="rId22"/>
-    <p:sldId id="305" r:id="rId23"/>
+    <p:sldId id="327" r:id="rId9"/>
+    <p:sldId id="328" r:id="rId10"/>
+    <p:sldId id="313" r:id="rId11"/>
+    <p:sldId id="314" r:id="rId12"/>
+    <p:sldId id="315" r:id="rId13"/>
+    <p:sldId id="329" r:id="rId14"/>
+    <p:sldId id="316" r:id="rId15"/>
+    <p:sldId id="317" r:id="rId16"/>
+    <p:sldId id="318" r:id="rId17"/>
+    <p:sldId id="319" r:id="rId18"/>
+    <p:sldId id="320" r:id="rId19"/>
+    <p:sldId id="321" r:id="rId20"/>
+    <p:sldId id="322" r:id="rId21"/>
+    <p:sldId id="325" r:id="rId22"/>
+    <p:sldId id="326" r:id="rId23"/>
+    <p:sldId id="323" r:id="rId24"/>
+    <p:sldId id="324" r:id="rId25"/>
+    <p:sldId id="305" r:id="rId26"/>
   </p:sldIdLst>
   <p:sldSz cx="12192000" cy="6858000"/>
   <p:notesSz cx="6858000" cy="9144000"/>
@@ -140,9 +143,12 @@
             <p14:sldId id="307"/>
             <p14:sldId id="308"/>
             <p14:sldId id="312"/>
+            <p14:sldId id="327"/>
+            <p14:sldId id="328"/>
             <p14:sldId id="313"/>
             <p14:sldId id="314"/>
             <p14:sldId id="315"/>
+            <p14:sldId id="329"/>
             <p14:sldId id="316"/>
             <p14:sldId id="317"/>
             <p14:sldId id="318"/>
@@ -173,7 +179,7 @@
 <file path=ppt/revisionInfo.xml><?xml version="1.0" encoding="utf-8"?>
 <p1510:revInfo xmlns:a="http://schemas.openxmlformats.org/drawingml/2006/main" xmlns:r="http://schemas.openxmlformats.org/officeDocument/2006/relationships" xmlns:p1510="http://schemas.microsoft.com/office/powerpoint/2015/10/main">
   <p1510:revLst>
-    <p1510:client id="{DF3EC54F-2D41-4030-9062-07D2023849A3}" v="27" dt="2018-08-19T07:55:36.523"/>
+    <p1510:client id="{E9AB81EF-86A5-4C9D-AD6E-6AAD45F13D50}" v="16" dt="2018-10-15T11:01:38.728"/>
   </p1510:revLst>
 </p1510:revInfo>
 </file>
@@ -181,90 +187,60 @@
 <file path=ppt/changesInfos/changesInfo1.xml><?xml version="1.0" encoding="utf-8"?>
 <pc:chgInfo xmlns:a="http://schemas.openxmlformats.org/drawingml/2006/main" xmlns:r="http://schemas.openxmlformats.org/officeDocument/2006/relationships" xmlns:ac="http://schemas.microsoft.com/office/drawing/2013/main/command" xmlns:pc="http://schemas.microsoft.com/office/powerpoint/2013/main/command">
   <pc:docChgLst>
+    <pc:chgData name="Oleksandr Kucher" userId="fab28e3256927851" providerId="LiveId" clId="{DF3EC54F-2D41-4030-9062-07D2023849A3}"/>
+    <pc:docChg chg="custSel modSld">
+      <pc:chgData name="Oleksandr Kucher" userId="fab28e3256927851" providerId="LiveId" clId="{DF3EC54F-2D41-4030-9062-07D2023849A3}" dt="2018-08-19T07:55:36.523" v="18" actId="2085"/>
+      <pc:docMkLst>
+        <pc:docMk/>
+      </pc:docMkLst>
+      <pc:sldChg chg="modSp">
+        <pc:chgData name="Oleksandr Kucher" userId="fab28e3256927851" providerId="LiveId" clId="{DF3EC54F-2D41-4030-9062-07D2023849A3}" dt="2018-08-18T21:49:02.081" v="11" actId="20577"/>
+        <pc:sldMkLst>
+          <pc:docMk/>
+          <pc:sldMk cId="978136418" sldId="305"/>
+        </pc:sldMkLst>
+        <pc:spChg chg="mod">
+          <ac:chgData name="Oleksandr Kucher" userId="fab28e3256927851" providerId="LiveId" clId="{DF3EC54F-2D41-4030-9062-07D2023849A3}" dt="2018-08-18T21:49:02.081" v="11" actId="20577"/>
+          <ac:spMkLst>
+            <pc:docMk/>
+            <pc:sldMk cId="978136418" sldId="305"/>
+            <ac:spMk id="81" creationId="{00000000-0000-0000-0000-000000000000}"/>
+          </ac:spMkLst>
+        </pc:spChg>
+      </pc:sldChg>
+    </pc:docChg>
+  </pc:docChgLst>
+  <pc:docChgLst>
+    <pc:chgData name="Oleksandr Kucher" userId="fab28e3256927851" providerId="LiveId" clId="{D87030D0-89D4-4310-BBD4-73DCF589AC2D}"/>
+    <pc:docChg chg="modSld">
+      <pc:chgData name="Oleksandr Kucher" userId="fab28e3256927851" providerId="LiveId" clId="{D87030D0-89D4-4310-BBD4-73DCF589AC2D}" dt="2018-08-06T09:19:21.574" v="15" actId="20577"/>
+      <pc:docMkLst>
+        <pc:docMk/>
+      </pc:docMkLst>
+      <pc:sldChg chg="modSp">
+        <pc:chgData name="Oleksandr Kucher" userId="fab28e3256927851" providerId="LiveId" clId="{D87030D0-89D4-4310-BBD4-73DCF589AC2D}" dt="2018-08-06T09:19:21.574" v="15" actId="20577"/>
+        <pc:sldMkLst>
+          <pc:docMk/>
+          <pc:sldMk cId="0" sldId="289"/>
+        </pc:sldMkLst>
+        <pc:spChg chg="mod">
+          <ac:chgData name="Oleksandr Kucher" userId="fab28e3256927851" providerId="LiveId" clId="{D87030D0-89D4-4310-BBD4-73DCF589AC2D}" dt="2018-08-06T09:19:21.574" v="15" actId="20577"/>
+          <ac:spMkLst>
+            <pc:docMk/>
+            <pc:sldMk cId="0" sldId="289"/>
+            <ac:spMk id="57" creationId="{00000000-0000-0000-0000-000000000000}"/>
+          </ac:spMkLst>
+        </pc:spChg>
+      </pc:sldChg>
+    </pc:docChg>
+  </pc:docChgLst>
+  <pc:docChgLst>
     <pc:chgData name="Oleksandr Kucher" userId="fab28e3256927851" providerId="LiveId" clId="{859E095C-11D4-474B-AD94-88F67A5B7615}"/>
     <pc:docChg chg="undo custSel mod addSld delSld modSld sldOrd modSection">
       <pc:chgData name="Oleksandr Kucher" userId="fab28e3256927851" providerId="LiveId" clId="{859E095C-11D4-474B-AD94-88F67A5B7615}" dt="2018-08-16T22:21:37.260" v="697" actId="478"/>
       <pc:docMkLst>
         <pc:docMk/>
       </pc:docMkLst>
-      <pc:sldChg chg="addSp delSp modSp add ord">
-        <pc:chgData name="Oleksandr Kucher" userId="fab28e3256927851" providerId="LiveId" clId="{859E095C-11D4-474B-AD94-88F67A5B7615}" dt="2018-08-16T22:21:37.260" v="697" actId="478"/>
-        <pc:sldMkLst>
-          <pc:docMk/>
-          <pc:sldMk cId="0" sldId="257"/>
-        </pc:sldMkLst>
-        <pc:spChg chg="mod">
-          <ac:chgData name="Oleksandr Kucher" userId="fab28e3256927851" providerId="LiveId" clId="{859E095C-11D4-474B-AD94-88F67A5B7615}" dt="2018-08-16T22:14:43.525" v="644" actId="3064"/>
-          <ac:spMkLst>
-            <pc:docMk/>
-            <pc:sldMk cId="0" sldId="257"/>
-            <ac:spMk id="63" creationId="{00000000-0000-0000-0000-000000000000}"/>
-          </ac:spMkLst>
-        </pc:spChg>
-        <pc:picChg chg="add">
-          <ac:chgData name="Oleksandr Kucher" userId="fab28e3256927851" providerId="LiveId" clId="{859E095C-11D4-474B-AD94-88F67A5B7615}" dt="2018-08-16T22:21:35.790" v="696" actId="478"/>
-          <ac:picMkLst>
-            <pc:docMk/>
-            <pc:sldMk cId="0" sldId="257"/>
-            <ac:picMk id="5" creationId="{91A13463-0B0C-4C65-9CE8-7DFF08923BFF}"/>
-          </ac:picMkLst>
-        </pc:picChg>
-        <pc:picChg chg="del">
-          <ac:chgData name="Oleksandr Kucher" userId="fab28e3256927851" providerId="LiveId" clId="{859E095C-11D4-474B-AD94-88F67A5B7615}" dt="2018-08-16T22:21:37.260" v="697" actId="478"/>
-          <ac:picMkLst>
-            <pc:docMk/>
-            <pc:sldMk cId="0" sldId="257"/>
-            <ac:picMk id="65" creationId="{00000000-0000-0000-0000-000000000000}"/>
-          </ac:picMkLst>
-        </pc:picChg>
-      </pc:sldChg>
-      <pc:sldChg chg="addSp delSp modSp add">
-        <pc:chgData name="Oleksandr Kucher" userId="fab28e3256927851" providerId="LiveId" clId="{859E095C-11D4-474B-AD94-88F67A5B7615}" dt="2018-08-16T22:19:15.833" v="666" actId="1076"/>
-        <pc:sldMkLst>
-          <pc:docMk/>
-          <pc:sldMk cId="0" sldId="260"/>
-        </pc:sldMkLst>
-        <pc:spChg chg="add">
-          <ac:chgData name="Oleksandr Kucher" userId="fab28e3256927851" providerId="LiveId" clId="{859E095C-11D4-474B-AD94-88F67A5B7615}" dt="2018-08-05T16:15:40.835" v="406" actId="1076"/>
-          <ac:spMkLst>
-            <pc:docMk/>
-            <pc:sldMk cId="0" sldId="260"/>
-            <ac:spMk id="4" creationId="{BC9C5C09-389D-4DFC-A285-B638640BC1FC}"/>
-          </ac:spMkLst>
-        </pc:spChg>
-        <pc:spChg chg="del mod">
-          <ac:chgData name="Oleksandr Kucher" userId="fab28e3256927851" providerId="LiveId" clId="{859E095C-11D4-474B-AD94-88F67A5B7615}" dt="2018-08-05T16:16:44.487" v="422" actId="478"/>
-          <ac:spMkLst>
-            <pc:docMk/>
-            <pc:sldMk cId="0" sldId="260"/>
-            <ac:spMk id="81" creationId="{00000000-0000-0000-0000-000000000000}"/>
-          </ac:spMkLst>
-        </pc:spChg>
-        <pc:picChg chg="add mod">
-          <ac:chgData name="Oleksandr Kucher" userId="fab28e3256927851" providerId="LiveId" clId="{859E095C-11D4-474B-AD94-88F67A5B7615}" dt="2018-08-16T22:19:15.833" v="666" actId="1076"/>
-          <ac:picMkLst>
-            <pc:docMk/>
-            <pc:sldMk cId="0" sldId="260"/>
-            <ac:picMk id="2" creationId="{F96A8036-683B-4A77-9B6C-BFF4F121C308}"/>
-          </ac:picMkLst>
-        </pc:picChg>
-        <pc:picChg chg="add">
-          <ac:chgData name="Oleksandr Kucher" userId="fab28e3256927851" providerId="LiveId" clId="{859E095C-11D4-474B-AD94-88F67A5B7615}" dt="2018-08-16T22:19:12.451" v="665" actId="1076"/>
-          <ac:picMkLst>
-            <pc:docMk/>
-            <pc:sldMk cId="0" sldId="260"/>
-            <ac:picMk id="5" creationId="{F325D266-16D9-4673-8C9B-530337E71FBE}"/>
-          </ac:picMkLst>
-        </pc:picChg>
-        <pc:picChg chg="del">
-          <ac:chgData name="Oleksandr Kucher" userId="fab28e3256927851" providerId="LiveId" clId="{859E095C-11D4-474B-AD94-88F67A5B7615}" dt="2018-08-16T22:19:10.794" v="664" actId="478"/>
-          <ac:picMkLst>
-            <pc:docMk/>
-            <pc:sldMk cId="0" sldId="260"/>
-            <ac:picMk id="80" creationId="{00000000-0000-0000-0000-000000000000}"/>
-          </ac:picMkLst>
-        </pc:picChg>
-      </pc:sldChg>
       <pc:sldChg chg="addSp delSp modSp add del">
         <pc:chgData name="Oleksandr Kucher" userId="fab28e3256927851" providerId="LiveId" clId="{859E095C-11D4-474B-AD94-88F67A5B7615}" dt="2018-08-16T22:18:04.329" v="647" actId="1076"/>
         <pc:sldMkLst>
@@ -319,799 +295,6 @@
           </ac:spMkLst>
         </pc:spChg>
       </pc:sldChg>
-      <pc:sldChg chg="addSp delSp modSp add">
-        <pc:chgData name="Oleksandr Kucher" userId="fab28e3256927851" providerId="LiveId" clId="{859E095C-11D4-474B-AD94-88F67A5B7615}" dt="2018-08-16T22:18:12.855" v="649" actId="478"/>
-        <pc:sldMkLst>
-          <pc:docMk/>
-          <pc:sldMk cId="0" sldId="290"/>
-        </pc:sldMkLst>
-        <pc:spChg chg="add">
-          <ac:chgData name="Oleksandr Kucher" userId="fab28e3256927851" providerId="LiveId" clId="{859E095C-11D4-474B-AD94-88F67A5B7615}" dt="2018-08-05T16:07:01.860" v="352" actId="478"/>
-          <ac:spMkLst>
-            <pc:docMk/>
-            <pc:sldMk cId="0" sldId="290"/>
-            <ac:spMk id="4" creationId="{ACD9CFE3-ADF2-49FD-A339-EF976B2E8CA6}"/>
-          </ac:spMkLst>
-        </pc:spChg>
-        <pc:spChg chg="mod">
-          <ac:chgData name="Oleksandr Kucher" userId="fab28e3256927851" providerId="LiveId" clId="{859E095C-11D4-474B-AD94-88F67A5B7615}" dt="2018-08-05T16:06:53.252" v="351" actId="478"/>
-          <ac:spMkLst>
-            <pc:docMk/>
-            <pc:sldMk cId="0" sldId="290"/>
-            <ac:spMk id="81" creationId="{00000000-0000-0000-0000-000000000000}"/>
-          </ac:spMkLst>
-        </pc:spChg>
-        <pc:picChg chg="add">
-          <ac:chgData name="Oleksandr Kucher" userId="fab28e3256927851" providerId="LiveId" clId="{859E095C-11D4-474B-AD94-88F67A5B7615}" dt="2018-08-16T22:18:10.851" v="648" actId="478"/>
-          <ac:picMkLst>
-            <pc:docMk/>
-            <pc:sldMk cId="0" sldId="290"/>
-            <ac:picMk id="5" creationId="{60065161-B77C-41BF-A222-16E4F1D4C9DD}"/>
-          </ac:picMkLst>
-        </pc:picChg>
-        <pc:picChg chg="del">
-          <ac:chgData name="Oleksandr Kucher" userId="fab28e3256927851" providerId="LiveId" clId="{859E095C-11D4-474B-AD94-88F67A5B7615}" dt="2018-08-16T22:18:12.855" v="649" actId="478"/>
-          <ac:picMkLst>
-            <pc:docMk/>
-            <pc:sldMk cId="0" sldId="290"/>
-            <ac:picMk id="80" creationId="{00000000-0000-0000-0000-000000000000}"/>
-          </ac:picMkLst>
-        </pc:picChg>
-      </pc:sldChg>
-      <pc:sldChg chg="addSp delSp modSp add mod setBg">
-        <pc:chgData name="Oleksandr Kucher" userId="fab28e3256927851" providerId="LiveId" clId="{859E095C-11D4-474B-AD94-88F67A5B7615}" dt="2018-08-16T22:18:30.725" v="653" actId="26606"/>
-        <pc:sldMkLst>
-          <pc:docMk/>
-          <pc:sldMk cId="0" sldId="291"/>
-        </pc:sldMkLst>
-        <pc:spChg chg="add mod">
-          <ac:chgData name="Oleksandr Kucher" userId="fab28e3256927851" providerId="LiveId" clId="{859E095C-11D4-474B-AD94-88F67A5B7615}" dt="2018-08-16T22:18:30.725" v="653" actId="26606"/>
-          <ac:spMkLst>
-            <pc:docMk/>
-            <pc:sldMk cId="0" sldId="291"/>
-            <ac:spMk id="4" creationId="{43BE3B5D-8BCF-4AF5-9894-3E96D9C92EAD}"/>
-          </ac:spMkLst>
-        </pc:spChg>
-        <pc:spChg chg="mod ord">
-          <ac:chgData name="Oleksandr Kucher" userId="fab28e3256927851" providerId="LiveId" clId="{859E095C-11D4-474B-AD94-88F67A5B7615}" dt="2018-08-16T22:18:30.725" v="653" actId="26606"/>
-          <ac:spMkLst>
-            <pc:docMk/>
-            <pc:sldMk cId="0" sldId="291"/>
-            <ac:spMk id="81" creationId="{00000000-0000-0000-0000-000000000000}"/>
-          </ac:spMkLst>
-        </pc:spChg>
-        <pc:spChg chg="add del">
-          <ac:chgData name="Oleksandr Kucher" userId="fab28e3256927851" providerId="LiveId" clId="{859E095C-11D4-474B-AD94-88F67A5B7615}" dt="2018-08-16T22:18:30.725" v="653" actId="26606"/>
-          <ac:spMkLst>
-            <pc:docMk/>
-            <pc:sldMk cId="0" sldId="291"/>
-            <ac:spMk id="86" creationId="{3B854194-185D-494D-905C-7C7CB2E30F6E}"/>
-          </ac:spMkLst>
-        </pc:spChg>
-        <pc:spChg chg="add del">
-          <ac:chgData name="Oleksandr Kucher" userId="fab28e3256927851" providerId="LiveId" clId="{859E095C-11D4-474B-AD94-88F67A5B7615}" dt="2018-08-16T22:18:30.725" v="653" actId="26606"/>
-          <ac:spMkLst>
-            <pc:docMk/>
-            <pc:sldMk cId="0" sldId="291"/>
-            <ac:spMk id="88" creationId="{B4F5FA0D-0104-4987-8241-EFF7C85B88DE}"/>
-          </ac:spMkLst>
-        </pc:spChg>
-        <pc:picChg chg="add">
-          <ac:chgData name="Oleksandr Kucher" userId="fab28e3256927851" providerId="LiveId" clId="{859E095C-11D4-474B-AD94-88F67A5B7615}" dt="2018-08-16T22:18:18.611" v="650" actId="26606"/>
-          <ac:picMkLst>
-            <pc:docMk/>
-            <pc:sldMk cId="0" sldId="291"/>
-            <ac:picMk id="5" creationId="{1495BF63-6ABE-4FD1-A00F-7E216C0D2A1D}"/>
-          </ac:picMkLst>
-        </pc:picChg>
-        <pc:picChg chg="del">
-          <ac:chgData name="Oleksandr Kucher" userId="fab28e3256927851" providerId="LiveId" clId="{859E095C-11D4-474B-AD94-88F67A5B7615}" dt="2018-08-16T22:18:20.254" v="651" actId="478"/>
-          <ac:picMkLst>
-            <pc:docMk/>
-            <pc:sldMk cId="0" sldId="291"/>
-            <ac:picMk id="80" creationId="{00000000-0000-0000-0000-000000000000}"/>
-          </ac:picMkLst>
-        </pc:picChg>
-        <pc:picChg chg="add del">
-          <ac:chgData name="Oleksandr Kucher" userId="fab28e3256927851" providerId="LiveId" clId="{859E095C-11D4-474B-AD94-88F67A5B7615}" dt="2018-08-16T22:18:30.725" v="653" actId="26606"/>
-          <ac:picMkLst>
-            <pc:docMk/>
-            <pc:sldMk cId="0" sldId="291"/>
-            <ac:picMk id="90" creationId="{2897127E-6CEF-446C-BE87-93B7C46E49D1}"/>
-          </ac:picMkLst>
-        </pc:picChg>
-      </pc:sldChg>
-      <pc:sldChg chg="addSp delSp modSp add">
-        <pc:chgData name="Oleksandr Kucher" userId="fab28e3256927851" providerId="LiveId" clId="{859E095C-11D4-474B-AD94-88F67A5B7615}" dt="2018-08-16T22:18:40.623" v="656" actId="1076"/>
-        <pc:sldMkLst>
-          <pc:docMk/>
-          <pc:sldMk cId="0" sldId="292"/>
-        </pc:sldMkLst>
-        <pc:spChg chg="add">
-          <ac:chgData name="Oleksandr Kucher" userId="fab28e3256927851" providerId="LiveId" clId="{859E095C-11D4-474B-AD94-88F67A5B7615}" dt="2018-08-05T16:11:51.780" v="368" actId="1076"/>
-          <ac:spMkLst>
-            <pc:docMk/>
-            <pc:sldMk cId="0" sldId="292"/>
-            <ac:spMk id="4" creationId="{24B290EC-64A5-4C15-B0FA-337A4A8C8742}"/>
-          </ac:spMkLst>
-        </pc:spChg>
-        <pc:spChg chg="del mod">
-          <ac:chgData name="Oleksandr Kucher" userId="fab28e3256927851" providerId="LiveId" clId="{859E095C-11D4-474B-AD94-88F67A5B7615}" dt="2018-08-05T16:16:53.874" v="424" actId="478"/>
-          <ac:spMkLst>
-            <pc:docMk/>
-            <pc:sldMk cId="0" sldId="292"/>
-            <ac:spMk id="81" creationId="{00000000-0000-0000-0000-000000000000}"/>
-          </ac:spMkLst>
-        </pc:spChg>
-        <pc:picChg chg="add mod">
-          <ac:chgData name="Oleksandr Kucher" userId="fab28e3256927851" providerId="LiveId" clId="{859E095C-11D4-474B-AD94-88F67A5B7615}" dt="2018-08-16T22:18:40.623" v="656" actId="1076"/>
-          <ac:picMkLst>
-            <pc:docMk/>
-            <pc:sldMk cId="0" sldId="292"/>
-            <ac:picMk id="2" creationId="{4B26EFE7-5781-4535-B895-582625E3A3A9}"/>
-          </ac:picMkLst>
-        </pc:picChg>
-        <pc:picChg chg="add del">
-          <ac:chgData name="Oleksandr Kucher" userId="fab28e3256927851" providerId="LiveId" clId="{859E095C-11D4-474B-AD94-88F67A5B7615}" dt="2018-08-05T16:12:22.762" v="372" actId="1076"/>
-          <ac:picMkLst>
-            <pc:docMk/>
-            <pc:sldMk cId="0" sldId="292"/>
-            <ac:picMk id="5" creationId="{0F69A732-D1D6-46C4-BB9B-658C9E8FCCDD}"/>
-          </ac:picMkLst>
-        </pc:picChg>
-        <pc:picChg chg="add">
-          <ac:chgData name="Oleksandr Kucher" userId="fab28e3256927851" providerId="LiveId" clId="{859E095C-11D4-474B-AD94-88F67A5B7615}" dt="2018-08-16T22:18:37.038" v="655" actId="1076"/>
-          <ac:picMkLst>
-            <pc:docMk/>
-            <pc:sldMk cId="0" sldId="292"/>
-            <ac:picMk id="5" creationId="{CCC21B73-C6DB-4299-B22B-88B06D5255BE}"/>
-          </ac:picMkLst>
-        </pc:picChg>
-        <pc:picChg chg="del">
-          <ac:chgData name="Oleksandr Kucher" userId="fab28e3256927851" providerId="LiveId" clId="{859E095C-11D4-474B-AD94-88F67A5B7615}" dt="2018-08-16T22:18:34.500" v="654" actId="478"/>
-          <ac:picMkLst>
-            <pc:docMk/>
-            <pc:sldMk cId="0" sldId="292"/>
-            <ac:picMk id="80" creationId="{00000000-0000-0000-0000-000000000000}"/>
-          </ac:picMkLst>
-        </pc:picChg>
-      </pc:sldChg>
-      <pc:sldChg chg="addSp delSp modSp add">
-        <pc:chgData name="Oleksandr Kucher" userId="fab28e3256927851" providerId="LiveId" clId="{859E095C-11D4-474B-AD94-88F67A5B7615}" dt="2018-08-16T22:18:52.709" v="659" actId="1076"/>
-        <pc:sldMkLst>
-          <pc:docMk/>
-          <pc:sldMk cId="0" sldId="293"/>
-        </pc:sldMkLst>
-        <pc:spChg chg="add">
-          <ac:chgData name="Oleksandr Kucher" userId="fab28e3256927851" providerId="LiveId" clId="{859E095C-11D4-474B-AD94-88F67A5B7615}" dt="2018-08-05T16:13:29.197" v="382" actId="1076"/>
-          <ac:spMkLst>
-            <pc:docMk/>
-            <pc:sldMk cId="0" sldId="293"/>
-            <ac:spMk id="4" creationId="{F7A179C4-B00D-4DD3-8CF7-A73D0FB8480D}"/>
-          </ac:spMkLst>
-        </pc:spChg>
-        <pc:spChg chg="del mod">
-          <ac:chgData name="Oleksandr Kucher" userId="fab28e3256927851" providerId="LiveId" clId="{859E095C-11D4-474B-AD94-88F67A5B7615}" dt="2018-08-05T16:13:41.798" v="386" actId="478"/>
-          <ac:spMkLst>
-            <pc:docMk/>
-            <pc:sldMk cId="0" sldId="293"/>
-            <ac:spMk id="81" creationId="{00000000-0000-0000-0000-000000000000}"/>
-          </ac:spMkLst>
-        </pc:spChg>
-        <pc:picChg chg="add mod">
-          <ac:chgData name="Oleksandr Kucher" userId="fab28e3256927851" providerId="LiveId" clId="{859E095C-11D4-474B-AD94-88F67A5B7615}" dt="2018-08-16T22:18:52.709" v="659" actId="1076"/>
-          <ac:picMkLst>
-            <pc:docMk/>
-            <pc:sldMk cId="0" sldId="293"/>
-            <ac:picMk id="2" creationId="{C4F6076F-1F83-4BEA-839A-65C5740C73F6}"/>
-          </ac:picMkLst>
-        </pc:picChg>
-        <pc:picChg chg="add">
-          <ac:chgData name="Oleksandr Kucher" userId="fab28e3256927851" providerId="LiveId" clId="{859E095C-11D4-474B-AD94-88F67A5B7615}" dt="2018-08-16T22:18:48.999" v="658" actId="1076"/>
-          <ac:picMkLst>
-            <pc:docMk/>
-            <pc:sldMk cId="0" sldId="293"/>
-            <ac:picMk id="5" creationId="{E83C9893-2F88-487B-8855-678E35EC6886}"/>
-          </ac:picMkLst>
-        </pc:picChg>
-        <pc:picChg chg="del">
-          <ac:chgData name="Oleksandr Kucher" userId="fab28e3256927851" providerId="LiveId" clId="{859E095C-11D4-474B-AD94-88F67A5B7615}" dt="2018-08-16T22:18:45.859" v="657" actId="478"/>
-          <ac:picMkLst>
-            <pc:docMk/>
-            <pc:sldMk cId="0" sldId="293"/>
-            <ac:picMk id="80" creationId="{00000000-0000-0000-0000-000000000000}"/>
-          </ac:picMkLst>
-        </pc:picChg>
-      </pc:sldChg>
-      <pc:sldChg chg="addSp delSp modSp add">
-        <pc:chgData name="Oleksandr Kucher" userId="fab28e3256927851" providerId="LiveId" clId="{859E095C-11D4-474B-AD94-88F67A5B7615}" dt="2018-08-16T22:19:06.874" v="663" actId="478"/>
-        <pc:sldMkLst>
-          <pc:docMk/>
-          <pc:sldMk cId="0" sldId="294"/>
-        </pc:sldMkLst>
-        <pc:spChg chg="add">
-          <ac:chgData name="Oleksandr Kucher" userId="fab28e3256927851" providerId="LiveId" clId="{859E095C-11D4-474B-AD94-88F67A5B7615}" dt="2018-08-05T16:14:19.249" v="391" actId="478"/>
-          <ac:spMkLst>
-            <pc:docMk/>
-            <pc:sldMk cId="0" sldId="294"/>
-            <ac:spMk id="4" creationId="{90A73FCB-B699-48E7-B08E-AFF2310B07B0}"/>
-          </ac:spMkLst>
-        </pc:spChg>
-        <pc:spChg chg="del mod">
-          <ac:chgData name="Oleksandr Kucher" userId="fab28e3256927851" providerId="LiveId" clId="{859E095C-11D4-474B-AD94-88F67A5B7615}" dt="2018-08-05T16:16:46.735" v="423" actId="478"/>
-          <ac:spMkLst>
-            <pc:docMk/>
-            <pc:sldMk cId="0" sldId="294"/>
-            <ac:spMk id="81" creationId="{00000000-0000-0000-0000-000000000000}"/>
-          </ac:spMkLst>
-        </pc:spChg>
-        <pc:picChg chg="add">
-          <ac:chgData name="Oleksandr Kucher" userId="fab28e3256927851" providerId="LiveId" clId="{859E095C-11D4-474B-AD94-88F67A5B7615}" dt="2018-08-05T16:14:27.224" v="394" actId="478"/>
-          <ac:picMkLst>
-            <pc:docMk/>
-            <pc:sldMk cId="0" sldId="294"/>
-            <ac:picMk id="2" creationId="{E7AC6E6A-244A-4681-8B41-4A6B84C9C5B2}"/>
-          </ac:picMkLst>
-        </pc:picChg>
-        <pc:picChg chg="add">
-          <ac:chgData name="Oleksandr Kucher" userId="fab28e3256927851" providerId="LiveId" clId="{859E095C-11D4-474B-AD94-88F67A5B7615}" dt="2018-08-16T22:19:06.874" v="663" actId="478"/>
-          <ac:picMkLst>
-            <pc:docMk/>
-            <pc:sldMk cId="0" sldId="294"/>
-            <ac:picMk id="5" creationId="{2FB17574-2684-40A1-8B33-95400828C6B5}"/>
-          </ac:picMkLst>
-        </pc:picChg>
-        <pc:picChg chg="del">
-          <ac:chgData name="Oleksandr Kucher" userId="fab28e3256927851" providerId="LiveId" clId="{859E095C-11D4-474B-AD94-88F67A5B7615}" dt="2018-08-16T22:19:04.818" v="662" actId="478"/>
-          <ac:picMkLst>
-            <pc:docMk/>
-            <pc:sldMk cId="0" sldId="294"/>
-            <ac:picMk id="80" creationId="{00000000-0000-0000-0000-000000000000}"/>
-          </ac:picMkLst>
-        </pc:picChg>
-      </pc:sldChg>
-      <pc:sldChg chg="addSp delSp modSp add">
-        <pc:chgData name="Oleksandr Kucher" userId="fab28e3256927851" providerId="LiveId" clId="{859E095C-11D4-474B-AD94-88F67A5B7615}" dt="2018-08-16T22:19:01.619" v="661" actId="478"/>
-        <pc:sldMkLst>
-          <pc:docMk/>
-          <pc:sldMk cId="0" sldId="295"/>
-        </pc:sldMkLst>
-        <pc:spChg chg="add">
-          <ac:chgData name="Oleksandr Kucher" userId="fab28e3256927851" providerId="LiveId" clId="{859E095C-11D4-474B-AD94-88F67A5B7615}" dt="2018-08-05T16:15:01.169" v="400" actId="478"/>
-          <ac:spMkLst>
-            <pc:docMk/>
-            <pc:sldMk cId="0" sldId="295"/>
-            <ac:spMk id="4" creationId="{AAACD840-24FB-49AB-9184-F740518ACEFB}"/>
-          </ac:spMkLst>
-        </pc:spChg>
-        <pc:spChg chg="mod">
-          <ac:chgData name="Oleksandr Kucher" userId="fab28e3256927851" providerId="LiveId" clId="{859E095C-11D4-474B-AD94-88F67A5B7615}" dt="2018-08-05T16:14:52.111" v="398" actId="478"/>
-          <ac:spMkLst>
-            <pc:docMk/>
-            <pc:sldMk cId="0" sldId="295"/>
-            <ac:spMk id="81" creationId="{00000000-0000-0000-0000-000000000000}"/>
-          </ac:spMkLst>
-        </pc:spChg>
-        <pc:picChg chg="add">
-          <ac:chgData name="Oleksandr Kucher" userId="fab28e3256927851" providerId="LiveId" clId="{859E095C-11D4-474B-AD94-88F67A5B7615}" dt="2018-08-16T22:19:01.619" v="661" actId="478"/>
-          <ac:picMkLst>
-            <pc:docMk/>
-            <pc:sldMk cId="0" sldId="295"/>
-            <ac:picMk id="5" creationId="{5FCFF9CF-8FC5-4031-81E8-71140EB09B9E}"/>
-          </ac:picMkLst>
-        </pc:picChg>
-        <pc:picChg chg="del">
-          <ac:chgData name="Oleksandr Kucher" userId="fab28e3256927851" providerId="LiveId" clId="{859E095C-11D4-474B-AD94-88F67A5B7615}" dt="2018-08-16T22:18:57.470" v="660" actId="478"/>
-          <ac:picMkLst>
-            <pc:docMk/>
-            <pc:sldMk cId="0" sldId="295"/>
-            <ac:picMk id="80" creationId="{00000000-0000-0000-0000-000000000000}"/>
-          </ac:picMkLst>
-        </pc:picChg>
-      </pc:sldChg>
-      <pc:sldChg chg="addSp delSp add ord">
-        <pc:chgData name="Oleksandr Kucher" userId="fab28e3256927851" providerId="LiveId" clId="{859E095C-11D4-474B-AD94-88F67A5B7615}" dt="2018-08-16T22:19:33.515" v="671" actId="478"/>
-        <pc:sldMkLst>
-          <pc:docMk/>
-          <pc:sldMk cId="331031881" sldId="296"/>
-        </pc:sldMkLst>
-        <pc:spChg chg="add">
-          <ac:chgData name="Oleksandr Kucher" userId="fab28e3256927851" providerId="LiveId" clId="{859E095C-11D4-474B-AD94-88F67A5B7615}" dt="2018-08-05T16:18:23.060" v="444" actId="478"/>
-          <ac:spMkLst>
-            <pc:docMk/>
-            <pc:sldMk cId="331031881" sldId="296"/>
-            <ac:spMk id="4" creationId="{FDDD8CE6-6C15-4D0B-967C-CC739066560E}"/>
-          </ac:spMkLst>
-        </pc:spChg>
-        <pc:spChg chg="del">
-          <ac:chgData name="Oleksandr Kucher" userId="fab28e3256927851" providerId="LiveId" clId="{859E095C-11D4-474B-AD94-88F67A5B7615}" dt="2018-08-05T16:18:34.039" v="447" actId="478"/>
-          <ac:spMkLst>
-            <pc:docMk/>
-            <pc:sldMk cId="331031881" sldId="296"/>
-            <ac:spMk id="81" creationId="{00000000-0000-0000-0000-000000000000}"/>
-          </ac:spMkLst>
-        </pc:spChg>
-        <pc:picChg chg="add">
-          <ac:chgData name="Oleksandr Kucher" userId="fab28e3256927851" providerId="LiveId" clId="{859E095C-11D4-474B-AD94-88F67A5B7615}" dt="2018-08-05T16:18:30.867" v="446" actId="478"/>
-          <ac:picMkLst>
-            <pc:docMk/>
-            <pc:sldMk cId="331031881" sldId="296"/>
-            <ac:picMk id="2" creationId="{0408E476-DF51-4BCE-91CD-1D7E80959B8F}"/>
-          </ac:picMkLst>
-        </pc:picChg>
-        <pc:picChg chg="add">
-          <ac:chgData name="Oleksandr Kucher" userId="fab28e3256927851" providerId="LiveId" clId="{859E095C-11D4-474B-AD94-88F67A5B7615}" dt="2018-08-16T22:19:33.515" v="671" actId="478"/>
-          <ac:picMkLst>
-            <pc:docMk/>
-            <pc:sldMk cId="331031881" sldId="296"/>
-            <ac:picMk id="5" creationId="{4B18D2CB-DF48-4B62-8185-3851556AFCCA}"/>
-          </ac:picMkLst>
-        </pc:picChg>
-        <pc:picChg chg="del">
-          <ac:chgData name="Oleksandr Kucher" userId="fab28e3256927851" providerId="LiveId" clId="{859E095C-11D4-474B-AD94-88F67A5B7615}" dt="2018-08-16T22:19:31.628" v="670" actId="478"/>
-          <ac:picMkLst>
-            <pc:docMk/>
-            <pc:sldMk cId="331031881" sldId="296"/>
-            <ac:picMk id="80" creationId="{00000000-0000-0000-0000-000000000000}"/>
-          </ac:picMkLst>
-        </pc:picChg>
-      </pc:sldChg>
-      <pc:sldChg chg="addSp delSp modSp add ord">
-        <pc:chgData name="Oleksandr Kucher" userId="fab28e3256927851" providerId="LiveId" clId="{859E095C-11D4-474B-AD94-88F67A5B7615}" dt="2018-08-16T22:19:26.919" v="669" actId="1076"/>
-        <pc:sldMkLst>
-          <pc:docMk/>
-          <pc:sldMk cId="1349911850" sldId="297"/>
-        </pc:sldMkLst>
-        <pc:spChg chg="add">
-          <ac:chgData name="Oleksandr Kucher" userId="fab28e3256927851" providerId="LiveId" clId="{859E095C-11D4-474B-AD94-88F67A5B7615}" dt="2018-08-05T16:16:19.756" v="415" actId="1076"/>
-          <ac:spMkLst>
-            <pc:docMk/>
-            <pc:sldMk cId="1349911850" sldId="297"/>
-            <ac:spMk id="4" creationId="{DC074F35-A621-4DA1-B04B-A4741FD0659D}"/>
-          </ac:spMkLst>
-        </pc:spChg>
-        <pc:spChg chg="del">
-          <ac:chgData name="Oleksandr Kucher" userId="fab28e3256927851" providerId="LiveId" clId="{859E095C-11D4-474B-AD94-88F67A5B7615}" dt="2018-08-05T16:16:40.659" v="421" actId="478"/>
-          <ac:spMkLst>
-            <pc:docMk/>
-            <pc:sldMk cId="1349911850" sldId="297"/>
-            <ac:spMk id="81" creationId="{00000000-0000-0000-0000-000000000000}"/>
-          </ac:spMkLst>
-        </pc:spChg>
-        <pc:picChg chg="add mod">
-          <ac:chgData name="Oleksandr Kucher" userId="fab28e3256927851" providerId="LiveId" clId="{859E095C-11D4-474B-AD94-88F67A5B7615}" dt="2018-08-16T22:19:26.919" v="669" actId="1076"/>
-          <ac:picMkLst>
-            <pc:docMk/>
-            <pc:sldMk cId="1349911850" sldId="297"/>
-            <ac:picMk id="5" creationId="{A22CF7CC-8CEC-4107-BCA2-887AA6C709BD}"/>
-          </ac:picMkLst>
-        </pc:picChg>
-        <pc:picChg chg="add">
-          <ac:chgData name="Oleksandr Kucher" userId="fab28e3256927851" providerId="LiveId" clId="{859E095C-11D4-474B-AD94-88F67A5B7615}" dt="2018-08-16T22:19:21.537" v="668" actId="1076"/>
-          <ac:picMkLst>
-            <pc:docMk/>
-            <pc:sldMk cId="1349911850" sldId="297"/>
-            <ac:picMk id="6" creationId="{1A879FB2-60BB-4BB0-B7C2-7517B4C7AE9A}"/>
-          </ac:picMkLst>
-        </pc:picChg>
-        <pc:picChg chg="del">
-          <ac:chgData name="Oleksandr Kucher" userId="fab28e3256927851" providerId="LiveId" clId="{859E095C-11D4-474B-AD94-88F67A5B7615}" dt="2018-08-16T22:19:19.241" v="667" actId="478"/>
-          <ac:picMkLst>
-            <pc:docMk/>
-            <pc:sldMk cId="1349911850" sldId="297"/>
-            <ac:picMk id="80" creationId="{00000000-0000-0000-0000-000000000000}"/>
-          </ac:picMkLst>
-        </pc:picChg>
-      </pc:sldChg>
-      <pc:sldChg chg="addSp delSp modSp add ord">
-        <pc:chgData name="Oleksandr Kucher" userId="fab28e3256927851" providerId="LiveId" clId="{859E095C-11D4-474B-AD94-88F67A5B7615}" dt="2018-08-16T22:19:41.219" v="674" actId="1076"/>
-        <pc:sldMkLst>
-          <pc:docMk/>
-          <pc:sldMk cId="3193391090" sldId="298"/>
-        </pc:sldMkLst>
-        <pc:spChg chg="add">
-          <ac:chgData name="Oleksandr Kucher" userId="fab28e3256927851" providerId="LiveId" clId="{859E095C-11D4-474B-AD94-88F67A5B7615}" dt="2018-08-05T16:18:48.574" v="450" actId="1076"/>
-          <ac:spMkLst>
-            <pc:docMk/>
-            <pc:sldMk cId="3193391090" sldId="298"/>
-            <ac:spMk id="4" creationId="{0B87E647-B528-486F-B1DC-BFA78DE4721D}"/>
-          </ac:spMkLst>
-        </pc:spChg>
-        <pc:spChg chg="del">
-          <ac:chgData name="Oleksandr Kucher" userId="fab28e3256927851" providerId="LiveId" clId="{859E095C-11D4-474B-AD94-88F67A5B7615}" dt="2018-08-05T16:18:57.154" v="453" actId="478"/>
-          <ac:spMkLst>
-            <pc:docMk/>
-            <pc:sldMk cId="3193391090" sldId="298"/>
-            <ac:spMk id="81" creationId="{00000000-0000-0000-0000-000000000000}"/>
-          </ac:spMkLst>
-        </pc:spChg>
-        <pc:picChg chg="add mod">
-          <ac:chgData name="Oleksandr Kucher" userId="fab28e3256927851" providerId="LiveId" clId="{859E095C-11D4-474B-AD94-88F67A5B7615}" dt="2018-08-16T22:19:41.219" v="674" actId="1076"/>
-          <ac:picMkLst>
-            <pc:docMk/>
-            <pc:sldMk cId="3193391090" sldId="298"/>
-            <ac:picMk id="2" creationId="{D1243E72-3B91-49DB-ABFC-A68B2ACE73E4}"/>
-          </ac:picMkLst>
-        </pc:picChg>
-        <pc:picChg chg="add">
-          <ac:chgData name="Oleksandr Kucher" userId="fab28e3256927851" providerId="LiveId" clId="{859E095C-11D4-474B-AD94-88F67A5B7615}" dt="2018-08-16T22:19:38.920" v="673" actId="1076"/>
-          <ac:picMkLst>
-            <pc:docMk/>
-            <pc:sldMk cId="3193391090" sldId="298"/>
-            <ac:picMk id="5" creationId="{159DCA82-0382-4E36-A1A8-F8F4A7A5B5E5}"/>
-          </ac:picMkLst>
-        </pc:picChg>
-        <pc:picChg chg="del">
-          <ac:chgData name="Oleksandr Kucher" userId="fab28e3256927851" providerId="LiveId" clId="{859E095C-11D4-474B-AD94-88F67A5B7615}" dt="2018-08-16T22:19:36.817" v="672" actId="478"/>
-          <ac:picMkLst>
-            <pc:docMk/>
-            <pc:sldMk cId="3193391090" sldId="298"/>
-            <ac:picMk id="80" creationId="{00000000-0000-0000-0000-000000000000}"/>
-          </ac:picMkLst>
-        </pc:picChg>
-      </pc:sldChg>
-      <pc:sldChg chg="addSp delSp modSp add ord">
-        <pc:chgData name="Oleksandr Kucher" userId="fab28e3256927851" providerId="LiveId" clId="{859E095C-11D4-474B-AD94-88F67A5B7615}" dt="2018-08-16T22:19:51.262" v="677" actId="1076"/>
-        <pc:sldMkLst>
-          <pc:docMk/>
-          <pc:sldMk cId="3347948122" sldId="299"/>
-        </pc:sldMkLst>
-        <pc:spChg chg="add">
-          <ac:chgData name="Oleksandr Kucher" userId="fab28e3256927851" providerId="LiveId" clId="{859E095C-11D4-474B-AD94-88F67A5B7615}" dt="2018-08-05T16:19:10.229" v="456" actId="1076"/>
-          <ac:spMkLst>
-            <pc:docMk/>
-            <pc:sldMk cId="3347948122" sldId="299"/>
-            <ac:spMk id="4" creationId="{3B3A3CCA-1F2D-491F-92D7-0787F3ACC665}"/>
-          </ac:spMkLst>
-        </pc:spChg>
-        <pc:spChg chg="del">
-          <ac:chgData name="Oleksandr Kucher" userId="fab28e3256927851" providerId="LiveId" clId="{859E095C-11D4-474B-AD94-88F67A5B7615}" dt="2018-08-05T16:19:15.152" v="458" actId="478"/>
-          <ac:spMkLst>
-            <pc:docMk/>
-            <pc:sldMk cId="3347948122" sldId="299"/>
-            <ac:spMk id="81" creationId="{00000000-0000-0000-0000-000000000000}"/>
-          </ac:spMkLst>
-        </pc:spChg>
-        <pc:picChg chg="add mod">
-          <ac:chgData name="Oleksandr Kucher" userId="fab28e3256927851" providerId="LiveId" clId="{859E095C-11D4-474B-AD94-88F67A5B7615}" dt="2018-08-16T22:19:51.262" v="677" actId="1076"/>
-          <ac:picMkLst>
-            <pc:docMk/>
-            <pc:sldMk cId="3347948122" sldId="299"/>
-            <ac:picMk id="2" creationId="{912603AE-6995-4F15-9DCB-9C5C5CE4D97A}"/>
-          </ac:picMkLst>
-        </pc:picChg>
-        <pc:picChg chg="add">
-          <ac:chgData name="Oleksandr Kucher" userId="fab28e3256927851" providerId="LiveId" clId="{859E095C-11D4-474B-AD94-88F67A5B7615}" dt="2018-08-16T22:19:45.633" v="676" actId="1076"/>
-          <ac:picMkLst>
-            <pc:docMk/>
-            <pc:sldMk cId="3347948122" sldId="299"/>
-            <ac:picMk id="5" creationId="{A01224A3-7056-4270-AC84-50A88C6922F5}"/>
-          </ac:picMkLst>
-        </pc:picChg>
-        <pc:picChg chg="del">
-          <ac:chgData name="Oleksandr Kucher" userId="fab28e3256927851" providerId="LiveId" clId="{859E095C-11D4-474B-AD94-88F67A5B7615}" dt="2018-08-16T22:19:43.783" v="675" actId="478"/>
-          <ac:picMkLst>
-            <pc:docMk/>
-            <pc:sldMk cId="3347948122" sldId="299"/>
-            <ac:picMk id="80" creationId="{00000000-0000-0000-0000-000000000000}"/>
-          </ac:picMkLst>
-        </pc:picChg>
-      </pc:sldChg>
-      <pc:sldChg chg="addSp delSp modSp add ord">
-        <pc:chgData name="Oleksandr Kucher" userId="fab28e3256927851" providerId="LiveId" clId="{859E095C-11D4-474B-AD94-88F67A5B7615}" dt="2018-08-16T22:20:00.551" v="680" actId="478"/>
-        <pc:sldMkLst>
-          <pc:docMk/>
-          <pc:sldMk cId="3838526725" sldId="300"/>
-        </pc:sldMkLst>
-        <pc:spChg chg="add del mod">
-          <ac:chgData name="Oleksandr Kucher" userId="fab28e3256927851" providerId="LiveId" clId="{859E095C-11D4-474B-AD94-88F67A5B7615}" dt="2018-08-05T16:30:31.277" v="570" actId="478"/>
-          <ac:spMkLst>
-            <pc:docMk/>
-            <pc:sldMk cId="3838526725" sldId="300"/>
-            <ac:spMk id="4" creationId="{8950806D-F085-422B-8B18-1F23221A94AF}"/>
-          </ac:spMkLst>
-        </pc:spChg>
-        <pc:spChg chg="add del">
-          <ac:chgData name="Oleksandr Kucher" userId="fab28e3256927851" providerId="LiveId" clId="{859E095C-11D4-474B-AD94-88F67A5B7615}" dt="2018-08-05T16:20:25.107" v="473" actId="478"/>
-          <ac:spMkLst>
-            <pc:docMk/>
-            <pc:sldMk cId="3838526725" sldId="300"/>
-            <ac:spMk id="5" creationId="{0336B2F5-AF17-4EA2-935C-21DA81387EF4}"/>
-          </ac:spMkLst>
-        </pc:spChg>
-        <pc:spChg chg="add del">
-          <ac:chgData name="Oleksandr Kucher" userId="fab28e3256927851" providerId="LiveId" clId="{859E095C-11D4-474B-AD94-88F67A5B7615}" dt="2018-08-05T16:30:31.277" v="570" actId="478"/>
-          <ac:spMkLst>
-            <pc:docMk/>
-            <pc:sldMk cId="3838526725" sldId="300"/>
-            <ac:spMk id="6" creationId="{E3D10369-3095-43E6-8F1D-D08BBD9928AE}"/>
-          </ac:spMkLst>
-        </pc:spChg>
-        <pc:spChg chg="add mod">
-          <ac:chgData name="Oleksandr Kucher" userId="fab28e3256927851" providerId="LiveId" clId="{859E095C-11D4-474B-AD94-88F67A5B7615}" dt="2018-08-05T16:32:35.023" v="574" actId="113"/>
-          <ac:spMkLst>
-            <pc:docMk/>
-            <pc:sldMk cId="3838526725" sldId="300"/>
-            <ac:spMk id="7" creationId="{E1F960F2-B708-4173-B797-82C59C8E1404}"/>
-          </ac:spMkLst>
-        </pc:spChg>
-        <pc:spChg chg="add del">
-          <ac:chgData name="Oleksandr Kucher" userId="fab28e3256927851" providerId="LiveId" clId="{859E095C-11D4-474B-AD94-88F67A5B7615}" dt="2018-08-05T16:30:32.265" v="572" actId="478"/>
-          <ac:spMkLst>
-            <pc:docMk/>
-            <pc:sldMk cId="3838526725" sldId="300"/>
-            <ac:spMk id="9" creationId="{5F0D440D-C3A5-479A-A1CA-4DF96B51E1B9}"/>
-          </ac:spMkLst>
-        </pc:spChg>
-        <pc:picChg chg="add del mod">
-          <ac:chgData name="Oleksandr Kucher" userId="fab28e3256927851" providerId="LiveId" clId="{859E095C-11D4-474B-AD94-88F67A5B7615}" dt="2018-08-05T16:20:27.719" v="476" actId="478"/>
-          <ac:picMkLst>
-            <pc:docMk/>
-            <pc:sldMk cId="3838526725" sldId="300"/>
-            <ac:picMk id="2" creationId="{4B387C94-3DD7-44CB-89A7-FB69264557FB}"/>
-          </ac:picMkLst>
-        </pc:picChg>
-        <pc:picChg chg="add mod">
-          <ac:chgData name="Oleksandr Kucher" userId="fab28e3256927851" providerId="LiveId" clId="{859E095C-11D4-474B-AD94-88F67A5B7615}" dt="2018-08-16T22:19:58.617" v="679" actId="1076"/>
-          <ac:picMkLst>
-            <pc:docMk/>
-            <pc:sldMk cId="3838526725" sldId="300"/>
-            <ac:picMk id="8" creationId="{9FE18CB3-5223-403C-A472-3C0B12072538}"/>
-          </ac:picMkLst>
-        </pc:picChg>
-        <pc:picChg chg="add">
-          <ac:chgData name="Oleksandr Kucher" userId="fab28e3256927851" providerId="LiveId" clId="{859E095C-11D4-474B-AD94-88F67A5B7615}" dt="2018-08-16T22:20:00.551" v="680" actId="478"/>
-          <ac:picMkLst>
-            <pc:docMk/>
-            <pc:sldMk cId="3838526725" sldId="300"/>
-            <ac:picMk id="9" creationId="{04AC93D2-CA93-4BAD-8C24-ADBE322D45E2}"/>
-          </ac:picMkLst>
-        </pc:picChg>
-        <pc:picChg chg="del">
-          <ac:chgData name="Oleksandr Kucher" userId="fab28e3256927851" providerId="LiveId" clId="{859E095C-11D4-474B-AD94-88F67A5B7615}" dt="2018-08-16T22:19:54.587" v="678" actId="478"/>
-          <ac:picMkLst>
-            <pc:docMk/>
-            <pc:sldMk cId="3838526725" sldId="300"/>
-            <ac:picMk id="80" creationId="{00000000-0000-0000-0000-000000000000}"/>
-          </ac:picMkLst>
-        </pc:picChg>
-      </pc:sldChg>
-      <pc:sldChg chg="addSp delSp modSp add ord">
-        <pc:chgData name="Oleksandr Kucher" userId="fab28e3256927851" providerId="LiveId" clId="{859E095C-11D4-474B-AD94-88F67A5B7615}" dt="2018-08-16T22:20:10.177" v="683" actId="1076"/>
-        <pc:sldMkLst>
-          <pc:docMk/>
-          <pc:sldMk cId="2658595067" sldId="301"/>
-        </pc:sldMkLst>
-        <pc:spChg chg="add">
-          <ac:chgData name="Oleksandr Kucher" userId="fab28e3256927851" providerId="LiveId" clId="{859E095C-11D4-474B-AD94-88F67A5B7615}" dt="2018-08-05T16:19:35.163" v="462" actId="1076"/>
-          <ac:spMkLst>
-            <pc:docMk/>
-            <pc:sldMk cId="2658595067" sldId="301"/>
-            <ac:spMk id="4" creationId="{C617A357-CCD0-4E58-89BC-F7AFF7859321}"/>
-          </ac:spMkLst>
-        </pc:spChg>
-        <pc:spChg chg="del">
-          <ac:chgData name="Oleksandr Kucher" userId="fab28e3256927851" providerId="LiveId" clId="{859E095C-11D4-474B-AD94-88F67A5B7615}" dt="2018-08-05T16:19:40.126" v="464" actId="478"/>
-          <ac:spMkLst>
-            <pc:docMk/>
-            <pc:sldMk cId="2658595067" sldId="301"/>
-            <ac:spMk id="81" creationId="{00000000-0000-0000-0000-000000000000}"/>
-          </ac:spMkLst>
-        </pc:spChg>
-        <pc:picChg chg="add mod">
-          <ac:chgData name="Oleksandr Kucher" userId="fab28e3256927851" providerId="LiveId" clId="{859E095C-11D4-474B-AD94-88F67A5B7615}" dt="2018-08-16T22:20:10.177" v="683" actId="1076"/>
-          <ac:picMkLst>
-            <pc:docMk/>
-            <pc:sldMk cId="2658595067" sldId="301"/>
-            <ac:picMk id="2" creationId="{40132569-91F4-4416-9886-8A7471C41E80}"/>
-          </ac:picMkLst>
-        </pc:picChg>
-        <pc:picChg chg="add">
-          <ac:chgData name="Oleksandr Kucher" userId="fab28e3256927851" providerId="LiveId" clId="{859E095C-11D4-474B-AD94-88F67A5B7615}" dt="2018-08-16T22:20:06.360" v="682" actId="1076"/>
-          <ac:picMkLst>
-            <pc:docMk/>
-            <pc:sldMk cId="2658595067" sldId="301"/>
-            <ac:picMk id="5" creationId="{29ECDC3C-1A96-46BC-92B0-0358420B79BF}"/>
-          </ac:picMkLst>
-        </pc:picChg>
-        <pc:picChg chg="del">
-          <ac:chgData name="Oleksandr Kucher" userId="fab28e3256927851" providerId="LiveId" clId="{859E095C-11D4-474B-AD94-88F67A5B7615}" dt="2018-08-16T22:20:04.813" v="681" actId="478"/>
-          <ac:picMkLst>
-            <pc:docMk/>
-            <pc:sldMk cId="2658595067" sldId="301"/>
-            <ac:picMk id="80" creationId="{00000000-0000-0000-0000-000000000000}"/>
-          </ac:picMkLst>
-        </pc:picChg>
-      </pc:sldChg>
-      <pc:sldChg chg="addSp delSp modSp add ord">
-        <pc:chgData name="Oleksandr Kucher" userId="fab28e3256927851" providerId="LiveId" clId="{859E095C-11D4-474B-AD94-88F67A5B7615}" dt="2018-08-16T22:20:26.444" v="687" actId="1076"/>
-        <pc:sldMkLst>
-          <pc:docMk/>
-          <pc:sldMk cId="2000278653" sldId="302"/>
-        </pc:sldMkLst>
-        <pc:spChg chg="add del mod">
-          <ac:chgData name="Oleksandr Kucher" userId="fab28e3256927851" providerId="LiveId" clId="{859E095C-11D4-474B-AD94-88F67A5B7615}" dt="2018-08-05T16:29:42.223" v="559" actId="478"/>
-          <ac:spMkLst>
-            <pc:docMk/>
-            <pc:sldMk cId="2000278653" sldId="302"/>
-            <ac:spMk id="3" creationId="{2B6CD7D7-2C76-4D32-929D-52B76226FBD9}"/>
-          </ac:spMkLst>
-        </pc:spChg>
-        <pc:spChg chg="add del mod">
-          <ac:chgData name="Oleksandr Kucher" userId="fab28e3256927851" providerId="LiveId" clId="{859E095C-11D4-474B-AD94-88F67A5B7615}" dt="2018-08-05T16:29:36.977" v="556" actId="478"/>
-          <ac:spMkLst>
-            <pc:docMk/>
-            <pc:sldMk cId="2000278653" sldId="302"/>
-            <ac:spMk id="4" creationId="{51B747B5-6905-49A2-AAFF-02B75A4A82CD}"/>
-          </ac:spMkLst>
-        </pc:spChg>
-        <pc:spChg chg="add mod">
-          <ac:chgData name="Oleksandr Kucher" userId="fab28e3256927851" providerId="LiveId" clId="{859E095C-11D4-474B-AD94-88F67A5B7615}" dt="2018-08-05T16:32:46.783" v="575" actId="2710"/>
-          <ac:spMkLst>
-            <pc:docMk/>
-            <pc:sldMk cId="2000278653" sldId="302"/>
-            <ac:spMk id="5" creationId="{F7CF47A7-084B-462D-833C-CD9810754FE4}"/>
-          </ac:spMkLst>
-        </pc:spChg>
-        <pc:spChg chg="add">
-          <ac:chgData name="Oleksandr Kucher" userId="fab28e3256927851" providerId="LiveId" clId="{859E095C-11D4-474B-AD94-88F67A5B7615}" dt="2018-08-05T16:29:38.433" v="558" actId="1076"/>
-          <ac:spMkLst>
-            <pc:docMk/>
-            <pc:sldMk cId="2000278653" sldId="302"/>
-            <ac:spMk id="9" creationId="{19C47917-7FDB-4901-9639-EACC6AE77B58}"/>
-          </ac:spMkLst>
-        </pc:spChg>
-        <pc:spChg chg="del">
-          <ac:chgData name="Oleksandr Kucher" userId="fab28e3256927851" providerId="LiveId" clId="{859E095C-11D4-474B-AD94-88F67A5B7615}" dt="2018-08-05T16:23:32.201" v="504" actId="478"/>
-          <ac:spMkLst>
-            <pc:docMk/>
-            <pc:sldMk cId="2000278653" sldId="302"/>
-            <ac:spMk id="81" creationId="{00000000-0000-0000-0000-000000000000}"/>
-          </ac:spMkLst>
-        </pc:spChg>
-        <pc:picChg chg="add mod">
-          <ac:chgData name="Oleksandr Kucher" userId="fab28e3256927851" providerId="LiveId" clId="{859E095C-11D4-474B-AD94-88F67A5B7615}" dt="2018-08-16T22:20:26.444" v="687" actId="1076"/>
-          <ac:picMkLst>
-            <pc:docMk/>
-            <pc:sldMk cId="2000278653" sldId="302"/>
-            <ac:picMk id="6" creationId="{94B0DDE3-7F28-4434-8852-47F0D6B66BDC}"/>
-          </ac:picMkLst>
-        </pc:picChg>
-        <pc:picChg chg="add">
-          <ac:chgData name="Oleksandr Kucher" userId="fab28e3256927851" providerId="LiveId" clId="{859E095C-11D4-474B-AD94-88F67A5B7615}" dt="2018-08-16T22:20:22.476" v="686" actId="1076"/>
-          <ac:picMkLst>
-            <pc:docMk/>
-            <pc:sldMk cId="2000278653" sldId="302"/>
-            <ac:picMk id="7" creationId="{CA1EDBAF-CD8C-4D24-9A63-3396B82036BE}"/>
-          </ac:picMkLst>
-        </pc:picChg>
-        <pc:picChg chg="del">
-          <ac:chgData name="Oleksandr Kucher" userId="fab28e3256927851" providerId="LiveId" clId="{859E095C-11D4-474B-AD94-88F67A5B7615}" dt="2018-08-16T22:20:13.713" v="684" actId="478"/>
-          <ac:picMkLst>
-            <pc:docMk/>
-            <pc:sldMk cId="2000278653" sldId="302"/>
-            <ac:picMk id="80" creationId="{00000000-0000-0000-0000-000000000000}"/>
-          </ac:picMkLst>
-        </pc:picChg>
-      </pc:sldChg>
-      <pc:sldChg chg="addSp delSp modSp add ord">
-        <pc:chgData name="Oleksandr Kucher" userId="fab28e3256927851" providerId="LiveId" clId="{859E095C-11D4-474B-AD94-88F67A5B7615}" dt="2018-08-16T22:20:41.793" v="690" actId="1076"/>
-        <pc:sldMkLst>
-          <pc:docMk/>
-          <pc:sldMk cId="2529890081" sldId="303"/>
-        </pc:sldMkLst>
-        <pc:spChg chg="add">
-          <ac:chgData name="Oleksandr Kucher" userId="fab28e3256927851" providerId="LiveId" clId="{859E095C-11D4-474B-AD94-88F67A5B7615}" dt="2018-08-05T16:25:49.448" v="530" actId="1076"/>
-          <ac:spMkLst>
-            <pc:docMk/>
-            <pc:sldMk cId="2529890081" sldId="303"/>
-            <ac:spMk id="4" creationId="{3D0B2454-29C6-40CC-8B0B-E7730A5C27AC}"/>
-          </ac:spMkLst>
-        </pc:spChg>
-        <pc:spChg chg="del">
-          <ac:chgData name="Oleksandr Kucher" userId="fab28e3256927851" providerId="LiveId" clId="{859E095C-11D4-474B-AD94-88F67A5B7615}" dt="2018-08-05T16:23:41.266" v="505" actId="478"/>
-          <ac:spMkLst>
-            <pc:docMk/>
-            <pc:sldMk cId="2529890081" sldId="303"/>
-            <ac:spMk id="81" creationId="{00000000-0000-0000-0000-000000000000}"/>
-          </ac:spMkLst>
-        </pc:spChg>
-        <pc:picChg chg="add mod">
-          <ac:chgData name="Oleksandr Kucher" userId="fab28e3256927851" providerId="LiveId" clId="{859E095C-11D4-474B-AD94-88F67A5B7615}" dt="2018-08-16T22:20:41.793" v="690" actId="1076"/>
-          <ac:picMkLst>
-            <pc:docMk/>
-            <pc:sldMk cId="2529890081" sldId="303"/>
-            <ac:picMk id="2" creationId="{2005AFEA-F902-4D59-9E9B-0AC4EDCA982D}"/>
-          </ac:picMkLst>
-        </pc:picChg>
-        <pc:picChg chg="add">
-          <ac:chgData name="Oleksandr Kucher" userId="fab28e3256927851" providerId="LiveId" clId="{859E095C-11D4-474B-AD94-88F67A5B7615}" dt="2018-08-16T22:20:38.681" v="689" actId="1076"/>
-          <ac:picMkLst>
-            <pc:docMk/>
-            <pc:sldMk cId="2529890081" sldId="303"/>
-            <ac:picMk id="5" creationId="{E5EFE719-CA26-48DD-9CE5-3C8BC373635E}"/>
-          </ac:picMkLst>
-        </pc:picChg>
-        <pc:picChg chg="del">
-          <ac:chgData name="Oleksandr Kucher" userId="fab28e3256927851" providerId="LiveId" clId="{859E095C-11D4-474B-AD94-88F67A5B7615}" dt="2018-08-16T22:20:37.060" v="688" actId="478"/>
-          <ac:picMkLst>
-            <pc:docMk/>
-            <pc:sldMk cId="2529890081" sldId="303"/>
-            <ac:picMk id="80" creationId="{00000000-0000-0000-0000-000000000000}"/>
-          </ac:picMkLst>
-        </pc:picChg>
-      </pc:sldChg>
-      <pc:sldChg chg="addSp delSp modSp add ord">
-        <pc:chgData name="Oleksandr Kucher" userId="fab28e3256927851" providerId="LiveId" clId="{859E095C-11D4-474B-AD94-88F67A5B7615}" dt="2018-08-16T22:20:52.682" v="693" actId="478"/>
-        <pc:sldMkLst>
-          <pc:docMk/>
-          <pc:sldMk cId="2520039067" sldId="304"/>
-        </pc:sldMkLst>
-        <pc:spChg chg="add del mod">
-          <ac:chgData name="Oleksandr Kucher" userId="fab28e3256927851" providerId="LiveId" clId="{859E095C-11D4-474B-AD94-88F67A5B7615}" dt="2018-08-05T16:29:55.627" v="563" actId="478"/>
-          <ac:spMkLst>
-            <pc:docMk/>
-            <pc:sldMk cId="2520039067" sldId="304"/>
-            <ac:spMk id="3" creationId="{2B78E30C-B31E-456B-99EC-D33EB4806A29}"/>
-          </ac:spMkLst>
-        </pc:spChg>
-        <pc:spChg chg="add del mod">
-          <ac:chgData name="Oleksandr Kucher" userId="fab28e3256927851" providerId="LiveId" clId="{859E095C-11D4-474B-AD94-88F67A5B7615}" dt="2018-08-05T16:29:51.668" v="560" actId="478"/>
-          <ac:spMkLst>
-            <pc:docMk/>
-            <pc:sldMk cId="2520039067" sldId="304"/>
-            <ac:spMk id="4" creationId="{86279F24-C64E-41DA-9FCC-13B2E041A51E}"/>
-          </ac:spMkLst>
-        </pc:spChg>
-        <pc:spChg chg="add mod">
-          <ac:chgData name="Oleksandr Kucher" userId="fab28e3256927851" providerId="LiveId" clId="{859E095C-11D4-474B-AD94-88F67A5B7615}" dt="2018-08-05T16:25:30.190" v="526" actId="27636"/>
-          <ac:spMkLst>
-            <pc:docMk/>
-            <pc:sldMk cId="2520039067" sldId="304"/>
-            <ac:spMk id="5" creationId="{02FF33D5-6671-48F1-817B-E260491AE088}"/>
-          </ac:spMkLst>
-        </pc:spChg>
-        <pc:spChg chg="add">
-          <ac:chgData name="Oleksandr Kucher" userId="fab28e3256927851" providerId="LiveId" clId="{859E095C-11D4-474B-AD94-88F67A5B7615}" dt="2018-08-05T16:29:52.186" v="562" actId="478"/>
-          <ac:spMkLst>
-            <pc:docMk/>
-            <pc:sldMk cId="2520039067" sldId="304"/>
-            <ac:spMk id="9" creationId="{8F7A4910-3AD2-4C82-9807-62A3E1B851F8}"/>
-          </ac:spMkLst>
-        </pc:spChg>
-        <pc:spChg chg="del">
-          <ac:chgData name="Oleksandr Kucher" userId="fab28e3256927851" providerId="LiveId" clId="{859E095C-11D4-474B-AD94-88F67A5B7615}" dt="2018-08-05T16:24:05.019" v="509" actId="478"/>
-          <ac:spMkLst>
-            <pc:docMk/>
-            <pc:sldMk cId="2520039067" sldId="304"/>
-            <ac:spMk id="81" creationId="{00000000-0000-0000-0000-000000000000}"/>
-          </ac:spMkLst>
-        </pc:spChg>
-        <pc:picChg chg="add mod">
-          <ac:chgData name="Oleksandr Kucher" userId="fab28e3256927851" providerId="LiveId" clId="{859E095C-11D4-474B-AD94-88F67A5B7615}" dt="2018-08-16T22:20:50.793" v="692" actId="1076"/>
-          <ac:picMkLst>
-            <pc:docMk/>
-            <pc:sldMk cId="2520039067" sldId="304"/>
-            <ac:picMk id="6" creationId="{B4F7F425-8B20-4325-B13A-7D3678ABB833}"/>
-          </ac:picMkLst>
-        </pc:picChg>
-        <pc:picChg chg="add">
-          <ac:chgData name="Oleksandr Kucher" userId="fab28e3256927851" providerId="LiveId" clId="{859E095C-11D4-474B-AD94-88F67A5B7615}" dt="2018-08-16T22:20:52.682" v="693" actId="478"/>
-          <ac:picMkLst>
-            <pc:docMk/>
-            <pc:sldMk cId="2520039067" sldId="304"/>
-            <ac:picMk id="7" creationId="{CC3A50F2-C852-45FA-AD7C-13862FFB5558}"/>
-          </ac:picMkLst>
-        </pc:picChg>
-        <pc:picChg chg="del">
-          <ac:chgData name="Oleksandr Kucher" userId="fab28e3256927851" providerId="LiveId" clId="{859E095C-11D4-474B-AD94-88F67A5B7615}" dt="2018-08-16T22:20:45.138" v="691" actId="478"/>
-          <ac:picMkLst>
-            <pc:docMk/>
-            <pc:sldMk cId="2520039067" sldId="304"/>
-            <ac:picMk id="80" creationId="{00000000-0000-0000-0000-000000000000}"/>
-          </ac:picMkLst>
-        </pc:picChg>
-      </pc:sldChg>
       <pc:sldChg chg="addSp delSp modSp add ord">
         <pc:chgData name="Oleksandr Kucher" userId="fab28e3256927851" providerId="LiveId" clId="{859E095C-11D4-474B-AD94-88F67A5B7615}" dt="2018-08-16T22:21:02.657" v="695" actId="478"/>
         <pc:sldMkLst>
@@ -1154,73 +337,167 @@
     </pc:docChg>
   </pc:docChgLst>
   <pc:docChgLst>
-    <pc:chgData name="Oleksandr Kucher" userId="fab28e3256927851" providerId="LiveId" clId="{DF3EC54F-2D41-4030-9062-07D2023849A3}"/>
-    <pc:docChg chg="custSel modSld">
-      <pc:chgData name="Oleksandr Kucher" userId="fab28e3256927851" providerId="LiveId" clId="{DF3EC54F-2D41-4030-9062-07D2023849A3}" dt="2018-08-19T07:55:36.523" v="18" actId="2085"/>
+    <pc:chgData name="Oleksandr Kucher" userId="fab28e3256927851" providerId="LiveId" clId="{E9AB81EF-86A5-4C9D-AD6E-6AAD45F13D50}"/>
+    <pc:docChg chg="custSel addSld modSld sldOrd">
+      <pc:chgData name="Oleksandr Kucher" userId="fab28e3256927851" providerId="LiveId" clId="{E9AB81EF-86A5-4C9D-AD6E-6AAD45F13D50}" dt="2018-10-15T11:01:38.728" v="664"/>
       <pc:docMkLst>
         <pc:docMk/>
       </pc:docMkLst>
       <pc:sldChg chg="addSp delSp modSp">
-        <pc:chgData name="Oleksandr Kucher" userId="fab28e3256927851" providerId="LiveId" clId="{DF3EC54F-2D41-4030-9062-07D2023849A3}" dt="2018-08-19T07:55:36.523" v="18" actId="2085"/>
+        <pc:chgData name="Oleksandr Kucher" userId="fab28e3256927851" providerId="LiveId" clId="{E9AB81EF-86A5-4C9D-AD6E-6AAD45F13D50}" dt="2018-10-15T10:49:40.574" v="33" actId="27636"/>
         <pc:sldMkLst>
           <pc:docMk/>
-          <pc:sldMk cId="0" sldId="257"/>
+          <pc:sldMk cId="1846360351" sldId="314"/>
         </pc:sldMkLst>
-        <pc:spChg chg="del">
-          <ac:chgData name="Oleksandr Kucher" userId="fab28e3256927851" providerId="LiveId" clId="{DF3EC54F-2D41-4030-9062-07D2023849A3}" dt="2018-08-19T07:53:06.968" v="12" actId="478"/>
+        <pc:spChg chg="mod">
+          <ac:chgData name="Oleksandr Kucher" userId="fab28e3256927851" providerId="LiveId" clId="{E9AB81EF-86A5-4C9D-AD6E-6AAD45F13D50}" dt="2018-10-15T10:49:40.574" v="33" actId="27636"/>
           <ac:spMkLst>
             <pc:docMk/>
-            <pc:sldMk cId="0" sldId="257"/>
-            <ac:spMk id="64" creationId="{00000000-0000-0000-0000-000000000000}"/>
+            <pc:sldMk cId="1846360351" sldId="314"/>
+            <ac:spMk id="4" creationId="{2F877C5C-4D55-4E89-B834-928A615AA5A3}"/>
+          </ac:spMkLst>
+        </pc:spChg>
+        <pc:spChg chg="add del mod">
+          <ac:chgData name="Oleksandr Kucher" userId="fab28e3256927851" providerId="LiveId" clId="{E9AB81EF-86A5-4C9D-AD6E-6AAD45F13D50}" dt="2018-10-15T10:48:58.324" v="1"/>
+          <ac:spMkLst>
+            <pc:docMk/>
+            <pc:sldMk cId="1846360351" sldId="314"/>
+            <ac:spMk id="7" creationId="{EB7C18A0-C74C-4FA2-B6AD-82318943AC90}"/>
+          </ac:spMkLst>
+        </pc:spChg>
+        <pc:picChg chg="del">
+          <ac:chgData name="Oleksandr Kucher" userId="fab28e3256927851" providerId="LiveId" clId="{E9AB81EF-86A5-4C9D-AD6E-6AAD45F13D50}" dt="2018-10-15T10:48:53.653" v="0" actId="478"/>
+          <ac:picMkLst>
+            <pc:docMk/>
+            <pc:sldMk cId="1846360351" sldId="314"/>
+            <ac:picMk id="3" creationId="{8491C36F-F685-4D3A-9D7D-CFB120CC8439}"/>
+          </ac:picMkLst>
+        </pc:picChg>
+        <pc:picChg chg="add mod">
+          <ac:chgData name="Oleksandr Kucher" userId="fab28e3256927851" providerId="LiveId" clId="{E9AB81EF-86A5-4C9D-AD6E-6AAD45F13D50}" dt="2018-10-15T10:48:58.324" v="1"/>
+          <ac:picMkLst>
+            <pc:docMk/>
+            <pc:sldMk cId="1846360351" sldId="314"/>
+            <ac:picMk id="9" creationId="{EA67696A-B92D-40C8-8D81-690203258881}"/>
+          </ac:picMkLst>
+        </pc:picChg>
+      </pc:sldChg>
+      <pc:sldChg chg="addSp delSp modSp add ord">
+        <pc:chgData name="Oleksandr Kucher" userId="fab28e3256927851" providerId="LiveId" clId="{E9AB81EF-86A5-4C9D-AD6E-6AAD45F13D50}" dt="2018-10-15T10:55:25.726" v="243"/>
+        <pc:sldMkLst>
+          <pc:docMk/>
+          <pc:sldMk cId="3782669588" sldId="327"/>
+        </pc:sldMkLst>
+        <pc:spChg chg="mod">
+          <ac:chgData name="Oleksandr Kucher" userId="fab28e3256927851" providerId="LiveId" clId="{E9AB81EF-86A5-4C9D-AD6E-6AAD45F13D50}" dt="2018-10-15T10:55:12.067" v="239" actId="20577"/>
+          <ac:spMkLst>
+            <pc:docMk/>
+            <pc:sldMk cId="3782669588" sldId="327"/>
+            <ac:spMk id="4" creationId="{2F877C5C-4D55-4E89-B834-928A615AA5A3}"/>
+          </ac:spMkLst>
+        </pc:spChg>
+        <pc:spChg chg="add del mod">
+          <ac:chgData name="Oleksandr Kucher" userId="fab28e3256927851" providerId="LiveId" clId="{E9AB81EF-86A5-4C9D-AD6E-6AAD45F13D50}" dt="2018-10-15T10:52:02.591" v="36"/>
+          <ac:spMkLst>
+            <pc:docMk/>
+            <pc:sldMk cId="3782669588" sldId="327"/>
+            <ac:spMk id="6" creationId="{66C9F6B6-61DC-4A38-8D7F-B7D8445F83C3}"/>
           </ac:spMkLst>
         </pc:spChg>
         <pc:picChg chg="add mod">
-          <ac:chgData name="Oleksandr Kucher" userId="fab28e3256927851" providerId="LiveId" clId="{DF3EC54F-2D41-4030-9062-07D2023849A3}" dt="2018-08-19T07:55:36.523" v="18" actId="2085"/>
+          <ac:chgData name="Oleksandr Kucher" userId="fab28e3256927851" providerId="LiveId" clId="{E9AB81EF-86A5-4C9D-AD6E-6AAD45F13D50}" dt="2018-10-15T10:52:02.591" v="36"/>
           <ac:picMkLst>
             <pc:docMk/>
-            <pc:sldMk cId="0" sldId="257"/>
-            <ac:picMk id="4" creationId="{16B0E261-E882-496C-BBD9-F896B76CD23E}"/>
+            <pc:sldMk cId="3782669588" sldId="327"/>
+            <ac:picMk id="7" creationId="{8F45D068-77E5-4DB0-8F79-3F7E081D54B6}"/>
+          </ac:picMkLst>
+        </pc:picChg>
+        <pc:picChg chg="del">
+          <ac:chgData name="Oleksandr Kucher" userId="fab28e3256927851" providerId="LiveId" clId="{E9AB81EF-86A5-4C9D-AD6E-6AAD45F13D50}" dt="2018-10-15T10:52:00.953" v="35" actId="478"/>
+          <ac:picMkLst>
+            <pc:docMk/>
+            <pc:sldMk cId="3782669588" sldId="327"/>
+            <ac:picMk id="9" creationId="{EA67696A-B92D-40C8-8D81-690203258881}"/>
           </ac:picMkLst>
         </pc:picChg>
       </pc:sldChg>
-      <pc:sldChg chg="modSp">
-        <pc:chgData name="Oleksandr Kucher" userId="fab28e3256927851" providerId="LiveId" clId="{DF3EC54F-2D41-4030-9062-07D2023849A3}" dt="2018-08-18T21:49:02.081" v="11" actId="20577"/>
+      <pc:sldChg chg="addSp delSp modSp add">
+        <pc:chgData name="Oleksandr Kucher" userId="fab28e3256927851" providerId="LiveId" clId="{E9AB81EF-86A5-4C9D-AD6E-6AAD45F13D50}" dt="2018-10-15T10:57:18.232" v="313"/>
         <pc:sldMkLst>
           <pc:docMk/>
-          <pc:sldMk cId="978136418" sldId="305"/>
+          <pc:sldMk cId="2506972140" sldId="328"/>
         </pc:sldMkLst>
         <pc:spChg chg="mod">
-          <ac:chgData name="Oleksandr Kucher" userId="fab28e3256927851" providerId="LiveId" clId="{DF3EC54F-2D41-4030-9062-07D2023849A3}" dt="2018-08-18T21:49:02.081" v="11" actId="20577"/>
+          <ac:chgData name="Oleksandr Kucher" userId="fab28e3256927851" providerId="LiveId" clId="{E9AB81EF-86A5-4C9D-AD6E-6AAD45F13D50}" dt="2018-10-15T10:56:51.311" v="311" actId="27636"/>
           <ac:spMkLst>
             <pc:docMk/>
-            <pc:sldMk cId="978136418" sldId="305"/>
-            <ac:spMk id="81" creationId="{00000000-0000-0000-0000-000000000000}"/>
+            <pc:sldMk cId="2506972140" sldId="328"/>
+            <ac:spMk id="4" creationId="{2F877C5C-4D55-4E89-B834-928A615AA5A3}"/>
           </ac:spMkLst>
         </pc:spChg>
+        <pc:spChg chg="add del mod">
+          <ac:chgData name="Oleksandr Kucher" userId="fab28e3256927851" providerId="LiveId" clId="{E9AB81EF-86A5-4C9D-AD6E-6AAD45F13D50}" dt="2018-10-15T10:57:18.232" v="313"/>
+          <ac:spMkLst>
+            <pc:docMk/>
+            <pc:sldMk cId="2506972140" sldId="328"/>
+            <ac:spMk id="6" creationId="{66B2E46D-2735-4842-A4FF-73EAD473BFE5}"/>
+          </ac:spMkLst>
+        </pc:spChg>
+        <pc:picChg chg="del">
+          <ac:chgData name="Oleksandr Kucher" userId="fab28e3256927851" providerId="LiveId" clId="{E9AB81EF-86A5-4C9D-AD6E-6AAD45F13D50}" dt="2018-10-15T10:57:16.801" v="312" actId="478"/>
+          <ac:picMkLst>
+            <pc:docMk/>
+            <pc:sldMk cId="2506972140" sldId="328"/>
+            <ac:picMk id="7" creationId="{8F45D068-77E5-4DB0-8F79-3F7E081D54B6}"/>
+          </ac:picMkLst>
+        </pc:picChg>
+        <pc:picChg chg="add mod">
+          <ac:chgData name="Oleksandr Kucher" userId="fab28e3256927851" providerId="LiveId" clId="{E9AB81EF-86A5-4C9D-AD6E-6AAD45F13D50}" dt="2018-10-15T10:57:18.232" v="313"/>
+          <ac:picMkLst>
+            <pc:docMk/>
+            <pc:sldMk cId="2506972140" sldId="328"/>
+            <ac:picMk id="9" creationId="{649DC19C-F139-4D16-9B21-F6E356192185}"/>
+          </ac:picMkLst>
+        </pc:picChg>
       </pc:sldChg>
-    </pc:docChg>
-  </pc:docChgLst>
-  <pc:docChgLst>
-    <pc:chgData name="Oleksandr Kucher" userId="fab28e3256927851" providerId="LiveId" clId="{D87030D0-89D4-4310-BBD4-73DCF589AC2D}"/>
-    <pc:docChg chg="modSld">
-      <pc:chgData name="Oleksandr Kucher" userId="fab28e3256927851" providerId="LiveId" clId="{D87030D0-89D4-4310-BBD4-73DCF589AC2D}" dt="2018-08-06T09:19:21.574" v="15" actId="20577"/>
-      <pc:docMkLst>
-        <pc:docMk/>
-      </pc:docMkLst>
-      <pc:sldChg chg="modSp">
-        <pc:chgData name="Oleksandr Kucher" userId="fab28e3256927851" providerId="LiveId" clId="{D87030D0-89D4-4310-BBD4-73DCF589AC2D}" dt="2018-08-06T09:19:21.574" v="15" actId="20577"/>
+      <pc:sldChg chg="addSp delSp modSp add">
+        <pc:chgData name="Oleksandr Kucher" userId="fab28e3256927851" providerId="LiveId" clId="{E9AB81EF-86A5-4C9D-AD6E-6AAD45F13D50}" dt="2018-10-15T11:01:38.728" v="664"/>
         <pc:sldMkLst>
           <pc:docMk/>
-          <pc:sldMk cId="0" sldId="289"/>
+          <pc:sldMk cId="2240505985" sldId="329"/>
         </pc:sldMkLst>
         <pc:spChg chg="mod">
-          <ac:chgData name="Oleksandr Kucher" userId="fab28e3256927851" providerId="LiveId" clId="{D87030D0-89D4-4310-BBD4-73DCF589AC2D}" dt="2018-08-06T09:19:21.574" v="15" actId="20577"/>
+          <ac:chgData name="Oleksandr Kucher" userId="fab28e3256927851" providerId="LiveId" clId="{E9AB81EF-86A5-4C9D-AD6E-6AAD45F13D50}" dt="2018-10-15T11:00:22.280" v="662" actId="20577"/>
           <ac:spMkLst>
             <pc:docMk/>
-            <pc:sldMk cId="0" sldId="289"/>
-            <ac:spMk id="57" creationId="{00000000-0000-0000-0000-000000000000}"/>
+            <pc:sldMk cId="2240505985" sldId="329"/>
+            <ac:spMk id="4" creationId="{2F877C5C-4D55-4E89-B834-928A615AA5A3}"/>
           </ac:spMkLst>
         </pc:spChg>
+        <pc:spChg chg="add del mod">
+          <ac:chgData name="Oleksandr Kucher" userId="fab28e3256927851" providerId="LiveId" clId="{E9AB81EF-86A5-4C9D-AD6E-6AAD45F13D50}" dt="2018-10-15T11:01:38.728" v="664"/>
+          <ac:spMkLst>
+            <pc:docMk/>
+            <pc:sldMk cId="2240505985" sldId="329"/>
+            <ac:spMk id="7" creationId="{0A968AD9-6640-420A-BB8B-31013616F20E}"/>
+          </ac:spMkLst>
+        </pc:spChg>
+        <pc:picChg chg="del">
+          <ac:chgData name="Oleksandr Kucher" userId="fab28e3256927851" providerId="LiveId" clId="{E9AB81EF-86A5-4C9D-AD6E-6AAD45F13D50}" dt="2018-10-15T11:00:24.934" v="663" actId="478"/>
+          <ac:picMkLst>
+            <pc:docMk/>
+            <pc:sldMk cId="2240505985" sldId="329"/>
+            <ac:picMk id="3" creationId="{4CC23E16-0AE8-4192-A11F-850CF5746FC9}"/>
+          </ac:picMkLst>
+        </pc:picChg>
+        <pc:picChg chg="add mod">
+          <ac:chgData name="Oleksandr Kucher" userId="fab28e3256927851" providerId="LiveId" clId="{E9AB81EF-86A5-4C9D-AD6E-6AAD45F13D50}" dt="2018-10-15T11:01:38.728" v="664"/>
+          <ac:picMkLst>
+            <pc:docMk/>
+            <pc:sldMk cId="2240505985" sldId="329"/>
+            <ac:picMk id="9" creationId="{B00E35EB-7838-40FC-9F31-C683BC2E2AD3}"/>
+          </ac:picMkLst>
+        </pc:picChg>
       </pc:sldChg>
     </pc:docChg>
   </pc:docChgLst>
@@ -1309,7 +586,7 @@
           <a:p>
             <a:fld id="{E15541E6-0256-43E9-BC00-FD6AEADE0B20}" type="datetimeFigureOut">
               <a:rPr lang="en-US" smtClean="0"/>
-              <a:t>10/7/2018</a:t>
+              <a:t>10/15/2018</a:t>
             </a:fld>
             <a:endParaRPr lang="en-US"/>
           </a:p>
@@ -2043,7 +1320,7 @@
           <a:p>
             <a:fld id="{071282AC-476B-419B-8C91-455BCF996D8E}" type="datetime1">
               <a:rPr lang="en-US" smtClean="0"/>
-              <a:t>10/7/2018</a:t>
+              <a:t>10/15/2018</a:t>
             </a:fld>
             <a:endParaRPr lang="en-US"/>
           </a:p>
@@ -2243,7 +1520,7 @@
           <a:p>
             <a:fld id="{8288BA1F-D3DE-4DDD-A536-2DE917A90E60}" type="datetime1">
               <a:rPr lang="en-US" smtClean="0"/>
-              <a:t>10/7/2018</a:t>
+              <a:t>10/15/2018</a:t>
             </a:fld>
             <a:endParaRPr lang="en-US"/>
           </a:p>
@@ -2453,7 +1730,7 @@
           <a:p>
             <a:fld id="{973EE414-2234-4D06-A6D0-8E5DE6B577C7}" type="datetime1">
               <a:rPr lang="en-US" smtClean="0"/>
-              <a:t>10/7/2018</a:t>
+              <a:t>10/15/2018</a:t>
             </a:fld>
             <a:endParaRPr lang="en-US"/>
           </a:p>
@@ -3008,7 +2285,7 @@
           <a:p>
             <a:fld id="{E19ECE8B-ACEA-4E55-837F-2BC25BC15F64}" type="datetime1">
               <a:rPr lang="en-US" smtClean="0"/>
-              <a:t>10/7/2018</a:t>
+              <a:t>10/15/2018</a:t>
             </a:fld>
             <a:endParaRPr lang="en-US"/>
           </a:p>
@@ -3284,7 +2561,7 @@
           <a:p>
             <a:fld id="{3BD54E57-A2B9-47DC-8742-84CBE19387DC}" type="datetime1">
               <a:rPr lang="en-US" smtClean="0"/>
-              <a:t>10/7/2018</a:t>
+              <a:t>10/15/2018</a:t>
             </a:fld>
             <a:endParaRPr lang="en-US"/>
           </a:p>
@@ -3552,7 +2829,7 @@
           <a:p>
             <a:fld id="{7F98E080-A725-4394-AB9D-9842D7D2830A}" type="datetime1">
               <a:rPr lang="en-US" smtClean="0"/>
-              <a:t>10/7/2018</a:t>
+              <a:t>10/15/2018</a:t>
             </a:fld>
             <a:endParaRPr lang="en-US"/>
           </a:p>
@@ -3967,7 +3244,7 @@
           <a:p>
             <a:fld id="{4C998AA6-E652-4502-BADB-EC4EA28EF208}" type="datetime1">
               <a:rPr lang="en-US" smtClean="0"/>
-              <a:t>10/7/2018</a:t>
+              <a:t>10/15/2018</a:t>
             </a:fld>
             <a:endParaRPr lang="en-US"/>
           </a:p>
@@ -4109,7 +3386,7 @@
           <a:p>
             <a:fld id="{AD1457FE-7C07-498E-8B5D-5D9B306E56AA}" type="datetime1">
               <a:rPr lang="en-US" smtClean="0"/>
-              <a:t>10/7/2018</a:t>
+              <a:t>10/15/2018</a:t>
             </a:fld>
             <a:endParaRPr lang="en-US"/>
           </a:p>
@@ -4222,7 +3499,7 @@
           <a:p>
             <a:fld id="{4D98E3BB-56AC-41E6-9057-7DB6E1CDAC06}" type="datetime1">
               <a:rPr lang="en-US" smtClean="0"/>
-              <a:t>10/7/2018</a:t>
+              <a:t>10/15/2018</a:t>
             </a:fld>
             <a:endParaRPr lang="en-US"/>
           </a:p>
@@ -4535,7 +3812,7 @@
           <a:p>
             <a:fld id="{6B0043E0-C320-4BB4-9A81-D1FE6FB52DA7}" type="datetime1">
               <a:rPr lang="en-US" smtClean="0"/>
-              <a:t>10/7/2018</a:t>
+              <a:t>10/15/2018</a:t>
             </a:fld>
             <a:endParaRPr lang="en-US"/>
           </a:p>
@@ -4824,7 +4101,7 @@
           <a:p>
             <a:fld id="{C7BEDBCD-030C-455E-AEEB-5E1B7879F583}" type="datetime1">
               <a:rPr lang="en-US" smtClean="0"/>
-              <a:t>10/7/2018</a:t>
+              <a:t>10/15/2018</a:t>
             </a:fld>
             <a:endParaRPr lang="en-US"/>
           </a:p>
@@ -5067,7 +4344,7 @@
           <a:p>
             <a:fld id="{388E3D46-1213-4F66-A81F-A42BED67E2CD}" type="datetime1">
               <a:rPr lang="en-US" smtClean="0"/>
-              <a:t>10/7/2018</a:t>
+              <a:t>10/15/2018</a:t>
             </a:fld>
             <a:endParaRPr lang="en-US"/>
           </a:p>
@@ -5644,7 +4921,7 @@
         <p:spPr/>
         <p:txBody>
           <a:bodyPr>
-            <a:normAutofit/>
+            <a:normAutofit fontScale="92500" lnSpcReduction="20000"/>
           </a:bodyPr>
           <a:lstStyle/>
           <a:p>
@@ -5661,7 +4938,7 @@
                   <a:prstClr val="black"/>
                 </a:solidFill>
               </a:rPr>
-              <a:t>Click </a:t>
+              <a:t>Expand </a:t>
             </a:r>
             <a:r>
               <a:rPr lang="en-US" sz="2400" b="1" dirty="0">
@@ -5669,7 +4946,7 @@
                   <a:prstClr val="black"/>
                 </a:solidFill>
               </a:rPr>
-              <a:t>“Project”</a:t>
+              <a:t>“Mirroring repositories” </a:t>
             </a:r>
             <a:r>
               <a:rPr lang="en-US" sz="2400" dirty="0">
@@ -5677,24 +4954,13 @@
                   <a:prstClr val="black"/>
                 </a:solidFill>
               </a:rPr>
-              <a:t> -&gt; </a:t>
-            </a:r>
-            <a:r>
-              <a:rPr lang="en-US" sz="2400" b="1" dirty="0">
-                <a:solidFill>
-                  <a:prstClr val="black"/>
-                </a:solidFill>
-              </a:rPr>
-              <a:t>“Details”</a:t>
-            </a:r>
-            <a:r>
-              <a:rPr lang="en-US" sz="2400" dirty="0">
-                <a:solidFill>
-                  <a:prstClr val="black"/>
-                </a:solidFill>
-              </a:rPr>
-              <a:t> in sidebar menu</a:t>
-            </a:r>
+              <a:t>section</a:t>
+            </a:r>
+            <a:endParaRPr lang="en-US" sz="2400" b="1" dirty="0">
+              <a:solidFill>
+                <a:prstClr val="black"/>
+              </a:solidFill>
+            </a:endParaRPr>
           </a:p>
           <a:p>
             <a:pPr marL="228600" lvl="0" indent="-228600">
@@ -5710,7 +4976,85 @@
                   <a:prstClr val="black"/>
                 </a:solidFill>
               </a:rPr>
-              <a:t>Verify that all options in your repository are the same as on the screenshot</a:t>
+              <a:t>Paste or type </a:t>
+            </a:r>
+            <a:r>
+              <a:rPr lang="en-US" b="1" i="1" dirty="0">
+                <a:hlinkClick r:id="rId2">
+                  <a:extLst>
+                    <a:ext uri="{A12FA001-AC4F-418D-AE19-62706E023703}">
+                      <ahyp:hlinkClr xmlns:ahyp="http://schemas.microsoft.com/office/drawing/2018/hyperlinkcolor" val="tx"/>
+                    </a:ext>
+                  </a:extLst>
+                </a:hlinkClick>
+              </a:rPr>
+              <a:t>https://gitlab.com/olexandr.kucher/geekhub8</a:t>
+            </a:r>
+            <a:r>
+              <a:rPr lang="en-US" b="1" i="1" dirty="0"/>
+              <a:t> </a:t>
+            </a:r>
+            <a:r>
+              <a:rPr lang="en-US" sz="2400" dirty="0"/>
+              <a:t>into</a:t>
+            </a:r>
+            <a:r>
+              <a:rPr lang="en-US" dirty="0"/>
+              <a:t> </a:t>
+            </a:r>
+            <a:r>
+              <a:rPr lang="en-US" sz="2400" b="1" dirty="0"/>
+              <a:t>“Git repository URL”</a:t>
+            </a:r>
+            <a:r>
+              <a:rPr lang="en-US" sz="2400" i="1" dirty="0"/>
+              <a:t> </a:t>
+            </a:r>
+            <a:r>
+              <a:rPr lang="en-US" sz="2400" dirty="0"/>
+              <a:t>field</a:t>
+            </a:r>
+            <a:endParaRPr lang="en-US" b="1" dirty="0"/>
+          </a:p>
+          <a:p>
+            <a:pPr marL="228600" lvl="0" indent="-228600">
+              <a:lnSpc>
+                <a:spcPct val="150000"/>
+              </a:lnSpc>
+              <a:buFont typeface="Arial" panose="020B0604020202020204" pitchFamily="34" charset="0"/>
+              <a:buChar char="•"/>
+            </a:pPr>
+            <a:r>
+              <a:rPr lang="en-US" sz="2400" dirty="0">
+                <a:solidFill>
+                  <a:prstClr val="black"/>
+                </a:solidFill>
+              </a:rPr>
+              <a:t>Choose </a:t>
+            </a:r>
+            <a:r>
+              <a:rPr lang="en-US" sz="2400" b="1" dirty="0">
+                <a:solidFill>
+                  <a:prstClr val="black"/>
+                </a:solidFill>
+              </a:rPr>
+              <a:t>“Pull”</a:t>
+            </a:r>
+            <a:r>
+              <a:rPr lang="en-US" sz="2400" dirty="0">
+                <a:solidFill>
+                  <a:prstClr val="black"/>
+                </a:solidFill>
+              </a:rPr>
+              <a:t> as </a:t>
+            </a:r>
+            <a:r>
+              <a:rPr lang="en-US" sz="2400" b="1" dirty="0">
+                <a:solidFill>
+                  <a:prstClr val="black"/>
+                </a:solidFill>
+              </a:rPr>
+              <a:t>“Mirror direction”</a:t>
             </a:r>
           </a:p>
         </p:txBody>
@@ -5739,6 +5083,539 @@
             <a:fld id="{A90B2C51-5890-490E-B5FE-9637AEB78E72}" type="slidenum">
               <a:rPr lang="en-US" smtClean="0"/>
               <a:t>10</a:t>
+            </a:fld>
+            <a:endParaRPr lang="en-US"/>
+          </a:p>
+        </p:txBody>
+      </p:sp>
+      <p:pic>
+        <p:nvPicPr>
+          <p:cNvPr id="8" name="Місце для вмісту 7">
+            <a:extLst>
+              <a:ext uri="{FF2B5EF4-FFF2-40B4-BE49-F238E27FC236}">
+                <a16:creationId xmlns:a16="http://schemas.microsoft.com/office/drawing/2014/main" id="{C0AE3FCD-8CA3-483F-BD4F-6975C0E315E4}"/>
+              </a:ext>
+            </a:extLst>
+          </p:cNvPr>
+          <p:cNvPicPr>
+            <a:picLocks noGrp="1" noChangeAspect="1"/>
+          </p:cNvPicPr>
+          <p:nvPr>
+            <p:ph idx="1"/>
+          </p:nvPr>
+        </p:nvPicPr>
+        <p:blipFill>
+          <a:blip r:embed="rId3"/>
+          <a:stretch>
+            <a:fillRect/>
+          </a:stretch>
+        </p:blipFill>
+        <p:spPr>
+          <a:xfrm>
+            <a:off x="5245664" y="987425"/>
+            <a:ext cx="6047248" cy="4873625"/>
+          </a:xfrm>
+          <a:prstGeom prst="rect">
+            <a:avLst/>
+          </a:prstGeom>
+        </p:spPr>
+      </p:pic>
+      <p:pic>
+        <p:nvPicPr>
+          <p:cNvPr id="10" name="Рисунок 9">
+            <a:extLst>
+              <a:ext uri="{FF2B5EF4-FFF2-40B4-BE49-F238E27FC236}">
+                <a16:creationId xmlns:a16="http://schemas.microsoft.com/office/drawing/2014/main" id="{33271DFD-D29B-4E74-8B8F-7F1D2E18F0B8}"/>
+              </a:ext>
+            </a:extLst>
+          </p:cNvPr>
+          <p:cNvPicPr>
+            <a:picLocks noChangeAspect="1"/>
+          </p:cNvPicPr>
+          <p:nvPr/>
+        </p:nvPicPr>
+        <p:blipFill>
+          <a:blip r:embed="rId4">
+            <a:extLst>
+              <a:ext uri="{28A0092B-C50C-407E-A947-70E740481C1C}">
+                <a14:useLocalDpi xmlns:a14="http://schemas.microsoft.com/office/drawing/2010/main" val="0"/>
+              </a:ext>
+            </a:extLst>
+          </a:blip>
+          <a:stretch>
+            <a:fillRect/>
+          </a:stretch>
+        </p:blipFill>
+        <p:spPr>
+          <a:xfrm>
+            <a:off x="11455532" y="100154"/>
+            <a:ext cx="622038" cy="1157146"/>
+          </a:xfrm>
+          <a:prstGeom prst="rect">
+            <a:avLst/>
+          </a:prstGeom>
+        </p:spPr>
+      </p:pic>
+    </p:spTree>
+    <p:extLst>
+      <p:ext uri="{BB962C8B-B14F-4D97-AF65-F5344CB8AC3E}">
+        <p14:creationId xmlns:p14="http://schemas.microsoft.com/office/powerpoint/2010/main" val="1096784730"/>
+      </p:ext>
+    </p:extLst>
+  </p:cSld>
+  <p:clrMapOvr>
+    <a:masterClrMapping/>
+  </p:clrMapOvr>
+</p:sld>
+</file>
+
+<file path=ppt/slides/slide11.xml><?xml version="1.0" encoding="utf-8"?>
+<p:sld xmlns:a="http://schemas.openxmlformats.org/drawingml/2006/main" xmlns:r="http://schemas.openxmlformats.org/officeDocument/2006/relationships" xmlns:p="http://schemas.openxmlformats.org/presentationml/2006/main">
+  <p:cSld>
+    <p:spTree>
+      <p:nvGrpSpPr>
+        <p:cNvPr id="1" name=""/>
+        <p:cNvGrpSpPr/>
+        <p:nvPr/>
+      </p:nvGrpSpPr>
+      <p:grpSpPr>
+        <a:xfrm>
+          <a:off x="0" y="0"/>
+          <a:ext cx="0" cy="0"/>
+          <a:chOff x="0" y="0"/>
+          <a:chExt cx="0" cy="0"/>
+        </a:xfrm>
+      </p:grpSpPr>
+      <p:sp>
+        <p:nvSpPr>
+          <p:cNvPr id="2" name="Заголовок 1">
+            <a:extLst>
+              <a:ext uri="{FF2B5EF4-FFF2-40B4-BE49-F238E27FC236}">
+                <a16:creationId xmlns:a16="http://schemas.microsoft.com/office/drawing/2014/main" id="{A10B1313-9157-4289-B826-8F6121CF404D}"/>
+              </a:ext>
+            </a:extLst>
+          </p:cNvPr>
+          <p:cNvSpPr>
+            <a:spLocks noGrp="1"/>
+          </p:cNvSpPr>
+          <p:nvPr>
+            <p:ph type="title"/>
+          </p:nvPr>
+        </p:nvSpPr>
+        <p:spPr/>
+        <p:txBody>
+          <a:bodyPr>
+            <a:normAutofit/>
+          </a:bodyPr>
+          <a:lstStyle/>
+          <a:p>
+            <a:r>
+              <a:rPr lang="en-US" sz="4000" b="1" dirty="0"/>
+              <a:t>Fork GeekHub8 repository</a:t>
+            </a:r>
+          </a:p>
+        </p:txBody>
+      </p:sp>
+      <p:sp>
+        <p:nvSpPr>
+          <p:cNvPr id="4" name="Місце для тексту 3">
+            <a:extLst>
+              <a:ext uri="{FF2B5EF4-FFF2-40B4-BE49-F238E27FC236}">
+                <a16:creationId xmlns:a16="http://schemas.microsoft.com/office/drawing/2014/main" id="{2F877C5C-4D55-4E89-B834-928A615AA5A3}"/>
+              </a:ext>
+            </a:extLst>
+          </p:cNvPr>
+          <p:cNvSpPr>
+            <a:spLocks noGrp="1"/>
+          </p:cNvSpPr>
+          <p:nvPr>
+            <p:ph type="body" sz="half" idx="2"/>
+          </p:nvPr>
+        </p:nvSpPr>
+        <p:spPr/>
+        <p:txBody>
+          <a:bodyPr>
+            <a:normAutofit fontScale="92500" lnSpcReduction="10000"/>
+          </a:bodyPr>
+          <a:lstStyle/>
+          <a:p>
+            <a:pPr marL="228600" lvl="0" indent="-228600">
+              <a:lnSpc>
+                <a:spcPct val="150000"/>
+              </a:lnSpc>
+              <a:buFont typeface="Arial" panose="020B0604020202020204" pitchFamily="34" charset="0"/>
+              <a:buChar char="•"/>
+            </a:pPr>
+            <a:r>
+              <a:rPr lang="en-US" sz="2400" dirty="0">
+                <a:solidFill>
+                  <a:prstClr val="black"/>
+                </a:solidFill>
+              </a:rPr>
+              <a:t>Type your password to approve the action</a:t>
+            </a:r>
+          </a:p>
+          <a:p>
+            <a:pPr marL="228600" lvl="0" indent="-228600">
+              <a:lnSpc>
+                <a:spcPct val="150000"/>
+              </a:lnSpc>
+              <a:buFont typeface="Arial" panose="020B0604020202020204" pitchFamily="34" charset="0"/>
+              <a:buChar char="•"/>
+            </a:pPr>
+            <a:r>
+              <a:rPr lang="en-US" sz="2400" dirty="0">
+                <a:solidFill>
+                  <a:prstClr val="black"/>
+                </a:solidFill>
+              </a:rPr>
+              <a:t>Check </a:t>
+            </a:r>
+            <a:r>
+              <a:rPr lang="en-US" sz="2400" b="1" dirty="0">
+                <a:solidFill>
+                  <a:prstClr val="black"/>
+                </a:solidFill>
+              </a:rPr>
+              <a:t>“Overwrite diverged branches”</a:t>
+            </a:r>
+          </a:p>
+          <a:p>
+            <a:pPr marL="228600" lvl="0" indent="-228600">
+              <a:lnSpc>
+                <a:spcPct val="150000"/>
+              </a:lnSpc>
+              <a:buFont typeface="Arial" panose="020B0604020202020204" pitchFamily="34" charset="0"/>
+              <a:buChar char="•"/>
+            </a:pPr>
+            <a:r>
+              <a:rPr lang="en-US" sz="2400" dirty="0">
+                <a:solidFill>
+                  <a:prstClr val="black"/>
+                </a:solidFill>
+              </a:rPr>
+              <a:t>Check </a:t>
+            </a:r>
+            <a:r>
+              <a:rPr lang="en-US" sz="2400" b="1" dirty="0">
+                <a:solidFill>
+                  <a:prstClr val="black"/>
+                </a:solidFill>
+              </a:rPr>
+              <a:t>“Only mirror protected branches”</a:t>
+            </a:r>
+            <a:endParaRPr lang="en-US" sz="2400" dirty="0">
+              <a:solidFill>
+                <a:prstClr val="black"/>
+              </a:solidFill>
+            </a:endParaRPr>
+          </a:p>
+          <a:p>
+            <a:pPr marL="228600" lvl="0" indent="-228600">
+              <a:lnSpc>
+                <a:spcPct val="150000"/>
+              </a:lnSpc>
+              <a:buFont typeface="Arial" panose="020B0604020202020204" pitchFamily="34" charset="0"/>
+              <a:buChar char="•"/>
+            </a:pPr>
+            <a:r>
+              <a:rPr lang="en-US" sz="2400" dirty="0">
+                <a:solidFill>
+                  <a:prstClr val="black"/>
+                </a:solidFill>
+              </a:rPr>
+              <a:t>Click </a:t>
+            </a:r>
+            <a:r>
+              <a:rPr lang="en-US" sz="2400" b="1" dirty="0">
+                <a:solidFill>
+                  <a:prstClr val="black"/>
+                </a:solidFill>
+              </a:rPr>
+              <a:t>“Save changes”</a:t>
+            </a:r>
+            <a:r>
+              <a:rPr lang="en-US" sz="2400" dirty="0">
+                <a:solidFill>
+                  <a:prstClr val="black"/>
+                </a:solidFill>
+              </a:rPr>
+              <a:t> button </a:t>
+            </a:r>
+          </a:p>
+        </p:txBody>
+      </p:sp>
+      <p:sp>
+        <p:nvSpPr>
+          <p:cNvPr id="5" name="Місце для номера слайда 4">
+            <a:extLst>
+              <a:ext uri="{FF2B5EF4-FFF2-40B4-BE49-F238E27FC236}">
+                <a16:creationId xmlns:a16="http://schemas.microsoft.com/office/drawing/2014/main" id="{AB1D61F9-F90F-4ED7-9585-6F791788FCBD}"/>
+              </a:ext>
+            </a:extLst>
+          </p:cNvPr>
+          <p:cNvSpPr>
+            <a:spLocks noGrp="1"/>
+          </p:cNvSpPr>
+          <p:nvPr>
+            <p:ph type="sldNum" sz="quarter" idx="12"/>
+          </p:nvPr>
+        </p:nvSpPr>
+        <p:spPr/>
+        <p:txBody>
+          <a:bodyPr/>
+          <a:lstStyle/>
+          <a:p>
+            <a:fld id="{A90B2C51-5890-490E-B5FE-9637AEB78E72}" type="slidenum">
+              <a:rPr lang="en-US" smtClean="0"/>
+              <a:t>11</a:t>
+            </a:fld>
+            <a:endParaRPr lang="en-US"/>
+          </a:p>
+        </p:txBody>
+      </p:sp>
+      <p:pic>
+        <p:nvPicPr>
+          <p:cNvPr id="8" name="Рисунок 7">
+            <a:extLst>
+              <a:ext uri="{FF2B5EF4-FFF2-40B4-BE49-F238E27FC236}">
+                <a16:creationId xmlns:a16="http://schemas.microsoft.com/office/drawing/2014/main" id="{F6B9AD58-FF4B-4866-959D-A96867D4E7E7}"/>
+              </a:ext>
+            </a:extLst>
+          </p:cNvPr>
+          <p:cNvPicPr>
+            <a:picLocks noChangeAspect="1"/>
+          </p:cNvPicPr>
+          <p:nvPr/>
+        </p:nvPicPr>
+        <p:blipFill>
+          <a:blip r:embed="rId2">
+            <a:extLst>
+              <a:ext uri="{28A0092B-C50C-407E-A947-70E740481C1C}">
+                <a14:useLocalDpi xmlns:a14="http://schemas.microsoft.com/office/drawing/2010/main" val="0"/>
+              </a:ext>
+            </a:extLst>
+          </a:blip>
+          <a:stretch>
+            <a:fillRect/>
+          </a:stretch>
+        </p:blipFill>
+        <p:spPr>
+          <a:xfrm>
+            <a:off x="11455532" y="100154"/>
+            <a:ext cx="622038" cy="1157146"/>
+          </a:xfrm>
+          <a:prstGeom prst="rect">
+            <a:avLst/>
+          </a:prstGeom>
+        </p:spPr>
+      </p:pic>
+      <p:pic>
+        <p:nvPicPr>
+          <p:cNvPr id="9" name="Місце для вмісту 8">
+            <a:extLst>
+              <a:ext uri="{FF2B5EF4-FFF2-40B4-BE49-F238E27FC236}">
+                <a16:creationId xmlns:a16="http://schemas.microsoft.com/office/drawing/2014/main" id="{EA67696A-B92D-40C8-8D81-690203258881}"/>
+              </a:ext>
+            </a:extLst>
+          </p:cNvPr>
+          <p:cNvPicPr>
+            <a:picLocks noGrp="1" noChangeAspect="1"/>
+          </p:cNvPicPr>
+          <p:nvPr>
+            <p:ph idx="1"/>
+          </p:nvPr>
+        </p:nvPicPr>
+        <p:blipFill>
+          <a:blip r:embed="rId3"/>
+          <a:stretch>
+            <a:fillRect/>
+          </a:stretch>
+        </p:blipFill>
+        <p:spPr>
+          <a:xfrm>
+            <a:off x="5183188" y="1143517"/>
+            <a:ext cx="6172200" cy="4561441"/>
+          </a:xfrm>
+          <a:prstGeom prst="rect">
+            <a:avLst/>
+          </a:prstGeom>
+        </p:spPr>
+      </p:pic>
+    </p:spTree>
+    <p:extLst>
+      <p:ext uri="{BB962C8B-B14F-4D97-AF65-F5344CB8AC3E}">
+        <p14:creationId xmlns:p14="http://schemas.microsoft.com/office/powerpoint/2010/main" val="1846360351"/>
+      </p:ext>
+    </p:extLst>
+  </p:cSld>
+  <p:clrMapOvr>
+    <a:masterClrMapping/>
+  </p:clrMapOvr>
+</p:sld>
+</file>
+
+<file path=ppt/slides/slide12.xml><?xml version="1.0" encoding="utf-8"?>
+<p:sld xmlns:a="http://schemas.openxmlformats.org/drawingml/2006/main" xmlns:r="http://schemas.openxmlformats.org/officeDocument/2006/relationships" xmlns:p="http://schemas.openxmlformats.org/presentationml/2006/main">
+  <p:cSld>
+    <p:spTree>
+      <p:nvGrpSpPr>
+        <p:cNvPr id="1" name=""/>
+        <p:cNvGrpSpPr/>
+        <p:nvPr/>
+      </p:nvGrpSpPr>
+      <p:grpSpPr>
+        <a:xfrm>
+          <a:off x="0" y="0"/>
+          <a:ext cx="0" cy="0"/>
+          <a:chOff x="0" y="0"/>
+          <a:chExt cx="0" cy="0"/>
+        </a:xfrm>
+      </p:grpSpPr>
+      <p:sp>
+        <p:nvSpPr>
+          <p:cNvPr id="2" name="Заголовок 1">
+            <a:extLst>
+              <a:ext uri="{FF2B5EF4-FFF2-40B4-BE49-F238E27FC236}">
+                <a16:creationId xmlns:a16="http://schemas.microsoft.com/office/drawing/2014/main" id="{A10B1313-9157-4289-B826-8F6121CF404D}"/>
+              </a:ext>
+            </a:extLst>
+          </p:cNvPr>
+          <p:cNvSpPr>
+            <a:spLocks noGrp="1"/>
+          </p:cNvSpPr>
+          <p:nvPr>
+            <p:ph type="title"/>
+          </p:nvPr>
+        </p:nvSpPr>
+        <p:spPr/>
+        <p:txBody>
+          <a:bodyPr>
+            <a:normAutofit/>
+          </a:bodyPr>
+          <a:lstStyle/>
+          <a:p>
+            <a:r>
+              <a:rPr lang="en-US" sz="4000" b="1" dirty="0"/>
+              <a:t>Fork GeekHub8 repository</a:t>
+            </a:r>
+          </a:p>
+        </p:txBody>
+      </p:sp>
+      <p:sp>
+        <p:nvSpPr>
+          <p:cNvPr id="4" name="Місце для тексту 3">
+            <a:extLst>
+              <a:ext uri="{FF2B5EF4-FFF2-40B4-BE49-F238E27FC236}">
+                <a16:creationId xmlns:a16="http://schemas.microsoft.com/office/drawing/2014/main" id="{2F877C5C-4D55-4E89-B834-928A615AA5A3}"/>
+              </a:ext>
+            </a:extLst>
+          </p:cNvPr>
+          <p:cNvSpPr>
+            <a:spLocks noGrp="1"/>
+          </p:cNvSpPr>
+          <p:nvPr>
+            <p:ph type="body" sz="half" idx="2"/>
+          </p:nvPr>
+        </p:nvSpPr>
+        <p:spPr/>
+        <p:txBody>
+          <a:bodyPr>
+            <a:normAutofit/>
+          </a:bodyPr>
+          <a:lstStyle/>
+          <a:p>
+            <a:pPr marL="228600" lvl="0" indent="-228600">
+              <a:lnSpc>
+                <a:spcPct val="150000"/>
+              </a:lnSpc>
+              <a:buFont typeface="Arial" panose="020B0604020202020204" pitchFamily="34" charset="0"/>
+              <a:buChar char="•"/>
+            </a:pPr>
+            <a:r>
+              <a:rPr lang="en-US" sz="2400" dirty="0">
+                <a:solidFill>
+                  <a:prstClr val="black"/>
+                </a:solidFill>
+              </a:rPr>
+              <a:t>Click </a:t>
+            </a:r>
+            <a:r>
+              <a:rPr lang="en-US" sz="2400" b="1" dirty="0">
+                <a:solidFill>
+                  <a:prstClr val="black"/>
+                </a:solidFill>
+              </a:rPr>
+              <a:t>“Project”</a:t>
+            </a:r>
+            <a:r>
+              <a:rPr lang="en-US" sz="2400" dirty="0">
+                <a:solidFill>
+                  <a:prstClr val="black"/>
+                </a:solidFill>
+              </a:rPr>
+              <a:t> -&gt; </a:t>
+            </a:r>
+            <a:r>
+              <a:rPr lang="en-US" sz="2400" b="1" dirty="0">
+                <a:solidFill>
+                  <a:prstClr val="black"/>
+                </a:solidFill>
+              </a:rPr>
+              <a:t>“Details”</a:t>
+            </a:r>
+            <a:r>
+              <a:rPr lang="en-US" sz="2400" dirty="0">
+                <a:solidFill>
+                  <a:prstClr val="black"/>
+                </a:solidFill>
+              </a:rPr>
+              <a:t> in sidebar menu</a:t>
+            </a:r>
+          </a:p>
+          <a:p>
+            <a:pPr marL="228600" lvl="0" indent="-228600">
+              <a:lnSpc>
+                <a:spcPct val="150000"/>
+              </a:lnSpc>
+              <a:buFont typeface="Arial" panose="020B0604020202020204" pitchFamily="34" charset="0"/>
+              <a:buChar char="•"/>
+            </a:pPr>
+            <a:r>
+              <a:rPr lang="en-US" sz="2400" dirty="0">
+                <a:solidFill>
+                  <a:prstClr val="black"/>
+                </a:solidFill>
+              </a:rPr>
+              <a:t>Verify that all options in your repository are the same as on the screenshot</a:t>
+            </a:r>
+          </a:p>
+        </p:txBody>
+      </p:sp>
+      <p:sp>
+        <p:nvSpPr>
+          <p:cNvPr id="5" name="Місце для номера слайда 4">
+            <a:extLst>
+              <a:ext uri="{FF2B5EF4-FFF2-40B4-BE49-F238E27FC236}">
+                <a16:creationId xmlns:a16="http://schemas.microsoft.com/office/drawing/2014/main" id="{AB1D61F9-F90F-4ED7-9585-6F791788FCBD}"/>
+              </a:ext>
+            </a:extLst>
+          </p:cNvPr>
+          <p:cNvSpPr>
+            <a:spLocks noGrp="1"/>
+          </p:cNvSpPr>
+          <p:nvPr>
+            <p:ph type="sldNum" sz="quarter" idx="12"/>
+          </p:nvPr>
+        </p:nvSpPr>
+        <p:spPr/>
+        <p:txBody>
+          <a:bodyPr/>
+          <a:lstStyle/>
+          <a:p>
+            <a:fld id="{A90B2C51-5890-490E-B5FE-9637AEB78E72}" type="slidenum">
+              <a:rPr lang="en-US" smtClean="0"/>
+              <a:t>12</a:t>
             </a:fld>
             <a:endParaRPr lang="en-US"/>
           </a:p>
@@ -5825,7 +5702,7 @@
 </p:sld>
 </file>
 
-<file path=ppt/slides/slide11.xml><?xml version="1.0" encoding="utf-8"?>
+<file path=ppt/slides/slide13.xml><?xml version="1.0" encoding="utf-8"?>
 <p:sld xmlns:a="http://schemas.openxmlformats.org/drawingml/2006/main" xmlns:r="http://schemas.openxmlformats.org/officeDocument/2006/relationships" xmlns:p="http://schemas.openxmlformats.org/presentationml/2006/main">
   <p:cSld>
     <p:spTree>
@@ -5891,7 +5768,7 @@
         <p:spPr/>
         <p:txBody>
           <a:bodyPr>
-            <a:normAutofit/>
+            <a:normAutofit fontScale="62500" lnSpcReduction="20000"/>
           </a:bodyPr>
           <a:lstStyle/>
           <a:p>
@@ -5903,44 +5780,20 @@
               <a:buChar char="•"/>
             </a:pPr>
             <a:r>
+              <a:rPr lang="en-US" sz="2400" b="1" dirty="0">
+                <a:solidFill>
+                  <a:prstClr val="black"/>
+                </a:solidFill>
+              </a:rPr>
+              <a:t>prod</a:t>
+            </a:r>
+            <a:r>
               <a:rPr lang="en-US" sz="2400" dirty="0">
                 <a:solidFill>
                   <a:prstClr val="black"/>
                 </a:solidFill>
               </a:rPr>
-              <a:t>Click </a:t>
-            </a:r>
-            <a:r>
-              <a:rPr lang="en-US" sz="2400" b="1" dirty="0">
-                <a:solidFill>
-                  <a:prstClr val="black"/>
-                </a:solidFill>
-              </a:rPr>
-              <a:t>“Settings”</a:t>
-            </a:r>
-            <a:r>
-              <a:rPr lang="en-US" sz="2400" dirty="0">
-                <a:solidFill>
-                  <a:prstClr val="black"/>
-                </a:solidFill>
-              </a:rPr>
-              <a:t> -&gt; </a:t>
-            </a:r>
-            <a:r>
-              <a:rPr lang="en-US" sz="2400" b="1" dirty="0">
-                <a:solidFill>
-                  <a:prstClr val="black"/>
-                </a:solidFill>
-              </a:rPr>
-              <a:t>“Members”</a:t>
-            </a:r>
-            <a:r>
-              <a:rPr lang="en-US" sz="2400" dirty="0">
-                <a:solidFill>
-                  <a:prstClr val="black"/>
-                </a:solidFill>
-              </a:rPr>
-              <a:t> in sidebar menu</a:t>
+              <a:t> branch will be mirrored from original repository</a:t>
             </a:r>
           </a:p>
           <a:p>
@@ -5957,63 +5810,7 @@
                   <a:prstClr val="black"/>
                 </a:solidFill>
               </a:rPr>
-              <a:t>Choose </a:t>
-            </a:r>
-            <a:r>
-              <a:rPr lang="en-US" sz="2400" b="1" dirty="0" err="1">
-                <a:solidFill>
-                  <a:prstClr val="black"/>
-                </a:solidFill>
-              </a:rPr>
-              <a:t>olexandr.kucher</a:t>
-            </a:r>
-            <a:r>
-              <a:rPr lang="en-US" sz="2400" b="1" dirty="0">
-                <a:solidFill>
-                  <a:prstClr val="black"/>
-                </a:solidFill>
-              </a:rPr>
-              <a:t> </a:t>
-            </a:r>
-            <a:r>
-              <a:rPr lang="en-US" sz="2400" dirty="0">
-                <a:solidFill>
-                  <a:prstClr val="black"/>
-                </a:solidFill>
-              </a:rPr>
-              <a:t>and </a:t>
-            </a:r>
-            <a:r>
-              <a:rPr lang="en-US" sz="2400" b="1" dirty="0" err="1">
-                <a:solidFill>
-                  <a:prstClr val="black"/>
-                </a:solidFill>
-              </a:rPr>
-              <a:t>y.brahinets</a:t>
-            </a:r>
-            <a:r>
-              <a:rPr lang="en-US" sz="2400" b="1" dirty="0">
-                <a:solidFill>
-                  <a:prstClr val="black"/>
-                </a:solidFill>
-              </a:rPr>
-              <a:t> </a:t>
-            </a:r>
-            <a:r>
-              <a:rPr lang="en-US" sz="2400" dirty="0">
-                <a:solidFill>
-                  <a:prstClr val="black"/>
-                </a:solidFill>
-              </a:rPr>
-              <a:t>as </a:t>
-            </a:r>
-            <a:r>
-              <a:rPr lang="en-US" sz="2400" b="1" dirty="0">
-                <a:solidFill>
-                  <a:prstClr val="black"/>
-                </a:solidFill>
-              </a:rPr>
-              <a:t>Reporter</a:t>
+              <a:t>All changed done in this branch will be removed by mirroring mechanism</a:t>
             </a:r>
           </a:p>
           <a:p>
@@ -6030,7 +5827,7 @@
                   <a:prstClr val="black"/>
                 </a:solidFill>
               </a:rPr>
-              <a:t>Click </a:t>
+              <a:t>You should commit and push into </a:t>
             </a:r>
             <a:r>
               <a:rPr lang="en-US" sz="2400" b="1" dirty="0">
@@ -6038,7 +5835,64 @@
                   <a:prstClr val="black"/>
                 </a:solidFill>
               </a:rPr>
-              <a:t>“Add to project”</a:t>
+              <a:t>master </a:t>
+            </a:r>
+            <a:r>
+              <a:rPr lang="en-US" sz="2400" dirty="0">
+                <a:solidFill>
+                  <a:prstClr val="black"/>
+                </a:solidFill>
+              </a:rPr>
+              <a:t>branch</a:t>
+            </a:r>
+          </a:p>
+          <a:p>
+            <a:pPr marL="228600" lvl="0" indent="-228600">
+              <a:lnSpc>
+                <a:spcPct val="150000"/>
+              </a:lnSpc>
+              <a:buFont typeface="Arial" panose="020B0604020202020204" pitchFamily="34" charset="0"/>
+              <a:buChar char="•"/>
+            </a:pPr>
+            <a:r>
+              <a:rPr lang="en-US" sz="2400" dirty="0">
+                <a:solidFill>
+                  <a:prstClr val="black"/>
+                </a:solidFill>
+              </a:rPr>
+              <a:t>To get updates from original repository in your master branch you should merge </a:t>
+            </a:r>
+            <a:r>
+              <a:rPr lang="en-US" sz="2400" b="1" dirty="0">
+                <a:solidFill>
+                  <a:prstClr val="black"/>
+                </a:solidFill>
+              </a:rPr>
+              <a:t>prod </a:t>
+            </a:r>
+            <a:r>
+              <a:rPr lang="en-US" sz="2400" dirty="0">
+                <a:solidFill>
+                  <a:prstClr val="black"/>
+                </a:solidFill>
+              </a:rPr>
+              <a:t> into </a:t>
+            </a:r>
+            <a:r>
+              <a:rPr lang="en-US" sz="2400" b="1" dirty="0">
+                <a:solidFill>
+                  <a:prstClr val="black"/>
+                </a:solidFill>
+              </a:rPr>
+              <a:t>master</a:t>
+            </a:r>
+            <a:r>
+              <a:rPr lang="en-US" sz="2400" dirty="0">
+                <a:solidFill>
+                  <a:prstClr val="black"/>
+                </a:solidFill>
+              </a:rPr>
+              <a:t> manually using IDEA or git command line</a:t>
             </a:r>
           </a:p>
         </p:txBody>
@@ -6066,7 +5920,335 @@
           <a:p>
             <a:fld id="{A90B2C51-5890-490E-B5FE-9637AEB78E72}" type="slidenum">
               <a:rPr lang="en-US" smtClean="0"/>
-              <a:t>11</a:t>
+              <a:t>13</a:t>
+            </a:fld>
+            <a:endParaRPr lang="en-US"/>
+          </a:p>
+        </p:txBody>
+      </p:sp>
+      <p:pic>
+        <p:nvPicPr>
+          <p:cNvPr id="8" name="Рисунок 7">
+            <a:extLst>
+              <a:ext uri="{FF2B5EF4-FFF2-40B4-BE49-F238E27FC236}">
+                <a16:creationId xmlns:a16="http://schemas.microsoft.com/office/drawing/2014/main" id="{772FE9AF-D715-4EEF-A83A-1D184750816A}"/>
+              </a:ext>
+            </a:extLst>
+          </p:cNvPr>
+          <p:cNvPicPr>
+            <a:picLocks noChangeAspect="1"/>
+          </p:cNvPicPr>
+          <p:nvPr/>
+        </p:nvPicPr>
+        <p:blipFill>
+          <a:blip r:embed="rId2">
+            <a:extLst>
+              <a:ext uri="{28A0092B-C50C-407E-A947-70E740481C1C}">
+                <a14:useLocalDpi xmlns:a14="http://schemas.microsoft.com/office/drawing/2010/main" val="0"/>
+              </a:ext>
+            </a:extLst>
+          </a:blip>
+          <a:stretch>
+            <a:fillRect/>
+          </a:stretch>
+        </p:blipFill>
+        <p:spPr>
+          <a:xfrm>
+            <a:off x="11455532" y="100154"/>
+            <a:ext cx="622038" cy="1157146"/>
+          </a:xfrm>
+          <a:prstGeom prst="rect">
+            <a:avLst/>
+          </a:prstGeom>
+        </p:spPr>
+      </p:pic>
+      <p:pic>
+        <p:nvPicPr>
+          <p:cNvPr id="9" name="Місце для вмісту 8">
+            <a:extLst>
+              <a:ext uri="{FF2B5EF4-FFF2-40B4-BE49-F238E27FC236}">
+                <a16:creationId xmlns:a16="http://schemas.microsoft.com/office/drawing/2014/main" id="{B00E35EB-7838-40FC-9F31-C683BC2E2AD3}"/>
+              </a:ext>
+            </a:extLst>
+          </p:cNvPr>
+          <p:cNvPicPr>
+            <a:picLocks noGrp="1" noChangeAspect="1"/>
+          </p:cNvPicPr>
+          <p:nvPr>
+            <p:ph idx="1"/>
+          </p:nvPr>
+        </p:nvPicPr>
+        <p:blipFill>
+          <a:blip r:embed="rId3"/>
+          <a:stretch>
+            <a:fillRect/>
+          </a:stretch>
+        </p:blipFill>
+        <p:spPr>
+          <a:xfrm>
+            <a:off x="5624331" y="1217724"/>
+            <a:ext cx="5289913" cy="4413026"/>
+          </a:xfrm>
+          <a:prstGeom prst="rect">
+            <a:avLst/>
+          </a:prstGeom>
+        </p:spPr>
+      </p:pic>
+    </p:spTree>
+    <p:extLst>
+      <p:ext uri="{BB962C8B-B14F-4D97-AF65-F5344CB8AC3E}">
+        <p14:creationId xmlns:p14="http://schemas.microsoft.com/office/powerpoint/2010/main" val="2240505985"/>
+      </p:ext>
+    </p:extLst>
+  </p:cSld>
+  <p:clrMapOvr>
+    <a:masterClrMapping/>
+  </p:clrMapOvr>
+</p:sld>
+</file>
+
+<file path=ppt/slides/slide14.xml><?xml version="1.0" encoding="utf-8"?>
+<p:sld xmlns:a="http://schemas.openxmlformats.org/drawingml/2006/main" xmlns:r="http://schemas.openxmlformats.org/officeDocument/2006/relationships" xmlns:p="http://schemas.openxmlformats.org/presentationml/2006/main">
+  <p:cSld>
+    <p:spTree>
+      <p:nvGrpSpPr>
+        <p:cNvPr id="1" name=""/>
+        <p:cNvGrpSpPr/>
+        <p:nvPr/>
+      </p:nvGrpSpPr>
+      <p:grpSpPr>
+        <a:xfrm>
+          <a:off x="0" y="0"/>
+          <a:ext cx="0" cy="0"/>
+          <a:chOff x="0" y="0"/>
+          <a:chExt cx="0" cy="0"/>
+        </a:xfrm>
+      </p:grpSpPr>
+      <p:sp>
+        <p:nvSpPr>
+          <p:cNvPr id="2" name="Заголовок 1">
+            <a:extLst>
+              <a:ext uri="{FF2B5EF4-FFF2-40B4-BE49-F238E27FC236}">
+                <a16:creationId xmlns:a16="http://schemas.microsoft.com/office/drawing/2014/main" id="{A10B1313-9157-4289-B826-8F6121CF404D}"/>
+              </a:ext>
+            </a:extLst>
+          </p:cNvPr>
+          <p:cNvSpPr>
+            <a:spLocks noGrp="1"/>
+          </p:cNvSpPr>
+          <p:nvPr>
+            <p:ph type="title"/>
+          </p:nvPr>
+        </p:nvSpPr>
+        <p:spPr/>
+        <p:txBody>
+          <a:bodyPr>
+            <a:normAutofit/>
+          </a:bodyPr>
+          <a:lstStyle/>
+          <a:p>
+            <a:r>
+              <a:rPr lang="en-US" sz="4000" b="1" dirty="0"/>
+              <a:t>Fork GeekHub8 repository</a:t>
+            </a:r>
+          </a:p>
+        </p:txBody>
+      </p:sp>
+      <p:sp>
+        <p:nvSpPr>
+          <p:cNvPr id="4" name="Місце для тексту 3">
+            <a:extLst>
+              <a:ext uri="{FF2B5EF4-FFF2-40B4-BE49-F238E27FC236}">
+                <a16:creationId xmlns:a16="http://schemas.microsoft.com/office/drawing/2014/main" id="{2F877C5C-4D55-4E89-B834-928A615AA5A3}"/>
+              </a:ext>
+            </a:extLst>
+          </p:cNvPr>
+          <p:cNvSpPr>
+            <a:spLocks noGrp="1"/>
+          </p:cNvSpPr>
+          <p:nvPr>
+            <p:ph type="body" sz="half" idx="2"/>
+          </p:nvPr>
+        </p:nvSpPr>
+        <p:spPr/>
+        <p:txBody>
+          <a:bodyPr>
+            <a:normAutofit/>
+          </a:bodyPr>
+          <a:lstStyle/>
+          <a:p>
+            <a:pPr marL="228600" lvl="0" indent="-228600">
+              <a:lnSpc>
+                <a:spcPct val="150000"/>
+              </a:lnSpc>
+              <a:buFont typeface="Arial" panose="020B0604020202020204" pitchFamily="34" charset="0"/>
+              <a:buChar char="•"/>
+            </a:pPr>
+            <a:r>
+              <a:rPr lang="en-US" sz="2400" dirty="0">
+                <a:solidFill>
+                  <a:prstClr val="black"/>
+                </a:solidFill>
+              </a:rPr>
+              <a:t>Click </a:t>
+            </a:r>
+            <a:r>
+              <a:rPr lang="en-US" sz="2400" b="1" dirty="0">
+                <a:solidFill>
+                  <a:prstClr val="black"/>
+                </a:solidFill>
+              </a:rPr>
+              <a:t>“Settings”</a:t>
+            </a:r>
+            <a:r>
+              <a:rPr lang="en-US" sz="2400" dirty="0">
+                <a:solidFill>
+                  <a:prstClr val="black"/>
+                </a:solidFill>
+              </a:rPr>
+              <a:t> -&gt; </a:t>
+            </a:r>
+            <a:r>
+              <a:rPr lang="en-US" sz="2400" b="1" dirty="0">
+                <a:solidFill>
+                  <a:prstClr val="black"/>
+                </a:solidFill>
+              </a:rPr>
+              <a:t>“Members”</a:t>
+            </a:r>
+            <a:r>
+              <a:rPr lang="en-US" sz="2400" dirty="0">
+                <a:solidFill>
+                  <a:prstClr val="black"/>
+                </a:solidFill>
+              </a:rPr>
+              <a:t> in sidebar menu</a:t>
+            </a:r>
+          </a:p>
+          <a:p>
+            <a:pPr marL="228600" lvl="0" indent="-228600">
+              <a:lnSpc>
+                <a:spcPct val="150000"/>
+              </a:lnSpc>
+              <a:buFont typeface="Arial" panose="020B0604020202020204" pitchFamily="34" charset="0"/>
+              <a:buChar char="•"/>
+            </a:pPr>
+            <a:r>
+              <a:rPr lang="en-US" sz="2400" dirty="0">
+                <a:solidFill>
+                  <a:prstClr val="black"/>
+                </a:solidFill>
+              </a:rPr>
+              <a:t>Choose </a:t>
+            </a:r>
+            <a:r>
+              <a:rPr lang="en-US" sz="2400" b="1" dirty="0" err="1">
+                <a:solidFill>
+                  <a:prstClr val="black"/>
+                </a:solidFill>
+              </a:rPr>
+              <a:t>olexandr.kucher</a:t>
+            </a:r>
+            <a:r>
+              <a:rPr lang="en-US" sz="2400" b="1" dirty="0">
+                <a:solidFill>
+                  <a:prstClr val="black"/>
+                </a:solidFill>
+              </a:rPr>
+              <a:t> </a:t>
+            </a:r>
+            <a:r>
+              <a:rPr lang="en-US" sz="2400" dirty="0">
+                <a:solidFill>
+                  <a:prstClr val="black"/>
+                </a:solidFill>
+              </a:rPr>
+              <a:t>and </a:t>
+            </a:r>
+            <a:r>
+              <a:rPr lang="en-US" sz="2400" b="1" dirty="0" err="1">
+                <a:solidFill>
+                  <a:prstClr val="black"/>
+                </a:solidFill>
+              </a:rPr>
+              <a:t>y.brahinets</a:t>
+            </a:r>
+            <a:r>
+              <a:rPr lang="en-US" sz="2400" b="1" dirty="0">
+                <a:solidFill>
+                  <a:prstClr val="black"/>
+                </a:solidFill>
+              </a:rPr>
+              <a:t> </a:t>
+            </a:r>
+            <a:r>
+              <a:rPr lang="en-US" sz="2400" dirty="0">
+                <a:solidFill>
+                  <a:prstClr val="black"/>
+                </a:solidFill>
+              </a:rPr>
+              <a:t>as </a:t>
+            </a:r>
+            <a:r>
+              <a:rPr lang="en-US" sz="2400" b="1" dirty="0">
+                <a:solidFill>
+                  <a:prstClr val="black"/>
+                </a:solidFill>
+              </a:rPr>
+              <a:t>Reporter</a:t>
+            </a:r>
+          </a:p>
+          <a:p>
+            <a:pPr marL="228600" lvl="0" indent="-228600">
+              <a:lnSpc>
+                <a:spcPct val="150000"/>
+              </a:lnSpc>
+              <a:buFont typeface="Arial" panose="020B0604020202020204" pitchFamily="34" charset="0"/>
+              <a:buChar char="•"/>
+            </a:pPr>
+            <a:r>
+              <a:rPr lang="en-US" sz="2400" dirty="0">
+                <a:solidFill>
+                  <a:prstClr val="black"/>
+                </a:solidFill>
+              </a:rPr>
+              <a:t>Click </a:t>
+            </a:r>
+            <a:r>
+              <a:rPr lang="en-US" sz="2400" b="1" dirty="0">
+                <a:solidFill>
+                  <a:prstClr val="black"/>
+                </a:solidFill>
+              </a:rPr>
+              <a:t>“Add to project”</a:t>
+            </a:r>
+          </a:p>
+        </p:txBody>
+      </p:sp>
+      <p:sp>
+        <p:nvSpPr>
+          <p:cNvPr id="5" name="Місце для номера слайда 4">
+            <a:extLst>
+              <a:ext uri="{FF2B5EF4-FFF2-40B4-BE49-F238E27FC236}">
+                <a16:creationId xmlns:a16="http://schemas.microsoft.com/office/drawing/2014/main" id="{AB1D61F9-F90F-4ED7-9585-6F791788FCBD}"/>
+              </a:ext>
+            </a:extLst>
+          </p:cNvPr>
+          <p:cNvSpPr>
+            <a:spLocks noGrp="1"/>
+          </p:cNvSpPr>
+          <p:nvPr>
+            <p:ph type="sldNum" sz="quarter" idx="12"/>
+          </p:nvPr>
+        </p:nvSpPr>
+        <p:spPr/>
+        <p:txBody>
+          <a:bodyPr/>
+          <a:lstStyle/>
+          <a:p>
+            <a:fld id="{A90B2C51-5890-490E-B5FE-9637AEB78E72}" type="slidenum">
+              <a:rPr lang="en-US" smtClean="0"/>
+              <a:t>14</a:t>
             </a:fld>
             <a:endParaRPr lang="en-US"/>
           </a:p>
@@ -6153,7 +6335,7 @@
 </p:sld>
 </file>
 
-<file path=ppt/slides/slide12.xml><?xml version="1.0" encoding="utf-8"?>
+<file path=ppt/slides/slide15.xml><?xml version="1.0" encoding="utf-8"?>
 <p:sld xmlns:a="http://schemas.openxmlformats.org/drawingml/2006/main" xmlns:r="http://schemas.openxmlformats.org/officeDocument/2006/relationships" xmlns:p="http://schemas.openxmlformats.org/presentationml/2006/main">
   <p:cSld>
     <p:spTree>
@@ -6346,7 +6528,7 @@
           <a:p>
             <a:fld id="{A90B2C51-5890-490E-B5FE-9637AEB78E72}" type="slidenum">
               <a:rPr lang="en-US" smtClean="0"/>
-              <a:t>12</a:t>
+              <a:t>15</a:t>
             </a:fld>
             <a:endParaRPr lang="en-US"/>
           </a:p>
@@ -6433,7 +6615,7 @@
 </p:sld>
 </file>
 
-<file path=ppt/slides/slide13.xml><?xml version="1.0" encoding="utf-8"?>
+<file path=ppt/slides/slide16.xml><?xml version="1.0" encoding="utf-8"?>
 <p:sld xmlns:a="http://schemas.openxmlformats.org/drawingml/2006/main" xmlns:r="http://schemas.openxmlformats.org/officeDocument/2006/relationships" xmlns:p="http://schemas.openxmlformats.org/presentationml/2006/main">
   <p:cSld>
     <p:spTree>
@@ -6610,7 +6792,7 @@
           <a:p>
             <a:fld id="{A90B2C51-5890-490E-B5FE-9637AEB78E72}" type="slidenum">
               <a:rPr lang="en-US" smtClean="0"/>
-              <a:t>13</a:t>
+              <a:t>16</a:t>
             </a:fld>
             <a:endParaRPr lang="en-US"/>
           </a:p>
@@ -6697,7 +6879,7 @@
 </p:sld>
 </file>
 
-<file path=ppt/slides/slide14.xml><?xml version="1.0" encoding="utf-8"?>
+<file path=ppt/slides/slide17.xml><?xml version="1.0" encoding="utf-8"?>
 <p:sld xmlns:a="http://schemas.openxmlformats.org/drawingml/2006/main" xmlns:r="http://schemas.openxmlformats.org/officeDocument/2006/relationships" xmlns:p="http://schemas.openxmlformats.org/presentationml/2006/main">
   <p:cSld>
     <p:spTree>
@@ -6833,7 +7015,7 @@
           <a:p>
             <a:fld id="{A90B2C51-5890-490E-B5FE-9637AEB78E72}" type="slidenum">
               <a:rPr lang="en-US" smtClean="0"/>
-              <a:t>14</a:t>
+              <a:t>17</a:t>
             </a:fld>
             <a:endParaRPr lang="en-US"/>
           </a:p>
@@ -6920,7 +7102,7 @@
 </p:sld>
 </file>
 
-<file path=ppt/slides/slide15.xml><?xml version="1.0" encoding="utf-8"?>
+<file path=ppt/slides/slide18.xml><?xml version="1.0" encoding="utf-8"?>
 <p:sld xmlns:a="http://schemas.openxmlformats.org/drawingml/2006/main" xmlns:r="http://schemas.openxmlformats.org/officeDocument/2006/relationships" xmlns:p="http://schemas.openxmlformats.org/presentationml/2006/main">
   <p:cSld>
     <p:spTree>
@@ -7047,7 +7229,7 @@
           <a:p>
             <a:fld id="{A90B2C51-5890-490E-B5FE-9637AEB78E72}" type="slidenum">
               <a:rPr lang="en-US" smtClean="0"/>
-              <a:t>15</a:t>
+              <a:t>18</a:t>
             </a:fld>
             <a:endParaRPr lang="en-US"/>
           </a:p>
@@ -7134,7 +7316,7 @@
 </p:sld>
 </file>
 
-<file path=ppt/slides/slide16.xml><?xml version="1.0" encoding="utf-8"?>
+<file path=ppt/slides/slide19.xml><?xml version="1.0" encoding="utf-8"?>
 <p:sld xmlns:a="http://schemas.openxmlformats.org/drawingml/2006/main" xmlns:r="http://schemas.openxmlformats.org/officeDocument/2006/relationships" xmlns:p="http://schemas.openxmlformats.org/presentationml/2006/main">
   <p:cSld>
     <p:spTree>
@@ -7283,7 +7465,7 @@
           <a:p>
             <a:fld id="{A90B2C51-5890-490E-B5FE-9637AEB78E72}" type="slidenum">
               <a:rPr lang="en-US" smtClean="0"/>
-              <a:t>16</a:t>
+              <a:t>19</a:t>
             </a:fld>
             <a:endParaRPr lang="en-US"/>
           </a:p>
@@ -7361,1080 +7543,6 @@
     <p:extLst>
       <p:ext uri="{BB962C8B-B14F-4D97-AF65-F5344CB8AC3E}">
         <p14:creationId xmlns:p14="http://schemas.microsoft.com/office/powerpoint/2010/main" val="2825732473"/>
-      </p:ext>
-    </p:extLst>
-  </p:cSld>
-  <p:clrMapOvr>
-    <a:masterClrMapping/>
-  </p:clrMapOvr>
-</p:sld>
-</file>
-
-<file path=ppt/slides/slide17.xml><?xml version="1.0" encoding="utf-8"?>
-<p:sld xmlns:a="http://schemas.openxmlformats.org/drawingml/2006/main" xmlns:r="http://schemas.openxmlformats.org/officeDocument/2006/relationships" xmlns:p="http://schemas.openxmlformats.org/presentationml/2006/main">
-  <p:cSld>
-    <p:spTree>
-      <p:nvGrpSpPr>
-        <p:cNvPr id="1" name=""/>
-        <p:cNvGrpSpPr/>
-        <p:nvPr/>
-      </p:nvGrpSpPr>
-      <p:grpSpPr>
-        <a:xfrm>
-          <a:off x="0" y="0"/>
-          <a:ext cx="0" cy="0"/>
-          <a:chOff x="0" y="0"/>
-          <a:chExt cx="0" cy="0"/>
-        </a:xfrm>
-      </p:grpSpPr>
-      <p:sp>
-        <p:nvSpPr>
-          <p:cNvPr id="2" name="Заголовок 1">
-            <a:extLst>
-              <a:ext uri="{FF2B5EF4-FFF2-40B4-BE49-F238E27FC236}">
-                <a16:creationId xmlns:a16="http://schemas.microsoft.com/office/drawing/2014/main" id="{A10B1313-9157-4289-B826-8F6121CF404D}"/>
-              </a:ext>
-            </a:extLst>
-          </p:cNvPr>
-          <p:cNvSpPr>
-            <a:spLocks noGrp="1"/>
-          </p:cNvSpPr>
-          <p:nvPr>
-            <p:ph type="title"/>
-          </p:nvPr>
-        </p:nvSpPr>
-        <p:spPr/>
-        <p:txBody>
-          <a:bodyPr>
-            <a:normAutofit/>
-          </a:bodyPr>
-          <a:lstStyle/>
-          <a:p>
-            <a:r>
-              <a:rPr lang="en-US" sz="4000" b="1" dirty="0"/>
-              <a:t>Import project into IDEA</a:t>
-            </a:r>
-          </a:p>
-        </p:txBody>
-      </p:sp>
-      <p:sp>
-        <p:nvSpPr>
-          <p:cNvPr id="4" name="Місце для тексту 3">
-            <a:extLst>
-              <a:ext uri="{FF2B5EF4-FFF2-40B4-BE49-F238E27FC236}">
-                <a16:creationId xmlns:a16="http://schemas.microsoft.com/office/drawing/2014/main" id="{2F877C5C-4D55-4E89-B834-928A615AA5A3}"/>
-              </a:ext>
-            </a:extLst>
-          </p:cNvPr>
-          <p:cNvSpPr>
-            <a:spLocks noGrp="1"/>
-          </p:cNvSpPr>
-          <p:nvPr>
-            <p:ph type="body" sz="half" idx="2"/>
-          </p:nvPr>
-        </p:nvSpPr>
-        <p:spPr/>
-        <p:txBody>
-          <a:bodyPr>
-            <a:normAutofit fontScale="92500"/>
-          </a:bodyPr>
-          <a:lstStyle/>
-          <a:p>
-            <a:pPr marL="228600" lvl="0" indent="-228600">
-              <a:lnSpc>
-                <a:spcPct val="150000"/>
-              </a:lnSpc>
-              <a:buFont typeface="Arial" panose="020B0604020202020204" pitchFamily="34" charset="0"/>
-              <a:buChar char="•"/>
-            </a:pPr>
-            <a:r>
-              <a:rPr lang="en-US" sz="2400" dirty="0">
-                <a:solidFill>
-                  <a:prstClr val="black"/>
-                </a:solidFill>
-              </a:rPr>
-              <a:t>Do not change </a:t>
-            </a:r>
-            <a:r>
-              <a:rPr lang="en-US" sz="2400" b="1" dirty="0">
-                <a:solidFill>
-                  <a:prstClr val="black"/>
-                </a:solidFill>
-              </a:rPr>
-              <a:t>“Project name”</a:t>
-            </a:r>
-          </a:p>
-          <a:p>
-            <a:pPr marL="228600" lvl="0" indent="-228600">
-              <a:lnSpc>
-                <a:spcPct val="150000"/>
-              </a:lnSpc>
-              <a:buFont typeface="Arial" panose="020B0604020202020204" pitchFamily="34" charset="0"/>
-              <a:buChar char="•"/>
-            </a:pPr>
-            <a:r>
-              <a:rPr lang="en-US" sz="2400" dirty="0">
-                <a:solidFill>
-                  <a:prstClr val="black"/>
-                </a:solidFill>
-              </a:rPr>
-              <a:t>Use default </a:t>
-            </a:r>
-            <a:r>
-              <a:rPr lang="en-US" sz="2400" b="1" dirty="0">
-                <a:solidFill>
-                  <a:prstClr val="black"/>
-                </a:solidFill>
-              </a:rPr>
-              <a:t>“Project format”: .idea</a:t>
-            </a:r>
-            <a:endParaRPr lang="en-US" sz="2400" dirty="0">
-              <a:solidFill>
-                <a:prstClr val="black"/>
-              </a:solidFill>
-            </a:endParaRPr>
-          </a:p>
-          <a:p>
-            <a:pPr marL="228600" lvl="0" indent="-228600">
-              <a:lnSpc>
-                <a:spcPct val="150000"/>
-              </a:lnSpc>
-              <a:buFont typeface="Arial" panose="020B0604020202020204" pitchFamily="34" charset="0"/>
-              <a:buChar char="•"/>
-            </a:pPr>
-            <a:r>
-              <a:rPr lang="en-US" sz="2400" dirty="0">
-                <a:solidFill>
-                  <a:prstClr val="black"/>
-                </a:solidFill>
-              </a:rPr>
-              <a:t>Click </a:t>
-            </a:r>
-            <a:r>
-              <a:rPr lang="en-US" sz="2400" b="1" dirty="0">
-                <a:solidFill>
-                  <a:prstClr val="black"/>
-                </a:solidFill>
-              </a:rPr>
-              <a:t>“Next”</a:t>
-            </a:r>
-          </a:p>
-          <a:p>
-            <a:pPr marL="228600" indent="-228600">
-              <a:lnSpc>
-                <a:spcPct val="150000"/>
-              </a:lnSpc>
-              <a:buFont typeface="Arial" panose="020B0604020202020204" pitchFamily="34" charset="0"/>
-              <a:buChar char="•"/>
-            </a:pPr>
-            <a:r>
-              <a:rPr lang="en-US" sz="2400" dirty="0">
-                <a:solidFill>
-                  <a:prstClr val="black"/>
-                </a:solidFill>
-              </a:rPr>
-              <a:t>Click </a:t>
-            </a:r>
-            <a:r>
-              <a:rPr lang="en-US" sz="2400" b="1" dirty="0">
-                <a:solidFill>
-                  <a:prstClr val="black"/>
-                </a:solidFill>
-              </a:rPr>
-              <a:t>“Next”</a:t>
-            </a:r>
-            <a:endParaRPr lang="en-US" sz="2400" dirty="0">
-              <a:solidFill>
-                <a:prstClr val="black"/>
-              </a:solidFill>
-            </a:endParaRPr>
-          </a:p>
-          <a:p>
-            <a:pPr marL="228600" indent="-228600">
-              <a:lnSpc>
-                <a:spcPct val="150000"/>
-              </a:lnSpc>
-              <a:buFont typeface="Arial" panose="020B0604020202020204" pitchFamily="34" charset="0"/>
-              <a:buChar char="•"/>
-            </a:pPr>
-            <a:r>
-              <a:rPr lang="en-US" sz="2400" dirty="0">
-                <a:solidFill>
-                  <a:prstClr val="black"/>
-                </a:solidFill>
-              </a:rPr>
-              <a:t>Click </a:t>
-            </a:r>
-            <a:r>
-              <a:rPr lang="en-US" sz="2400" b="1" dirty="0">
-                <a:solidFill>
-                  <a:prstClr val="black"/>
-                </a:solidFill>
-              </a:rPr>
-              <a:t>“Finish”</a:t>
-            </a:r>
-            <a:endParaRPr lang="en-US" sz="2400" dirty="0">
-              <a:solidFill>
-                <a:prstClr val="black"/>
-              </a:solidFill>
-            </a:endParaRPr>
-          </a:p>
-          <a:p>
-            <a:pPr marL="228600" lvl="0" indent="-228600">
-              <a:lnSpc>
-                <a:spcPct val="150000"/>
-              </a:lnSpc>
-              <a:buFont typeface="Arial" panose="020B0604020202020204" pitchFamily="34" charset="0"/>
-              <a:buChar char="•"/>
-            </a:pPr>
-            <a:endParaRPr lang="en-US" sz="2400" dirty="0">
-              <a:solidFill>
-                <a:prstClr val="black"/>
-              </a:solidFill>
-            </a:endParaRPr>
-          </a:p>
-        </p:txBody>
-      </p:sp>
-      <p:sp>
-        <p:nvSpPr>
-          <p:cNvPr id="5" name="Місце для номера слайда 4">
-            <a:extLst>
-              <a:ext uri="{FF2B5EF4-FFF2-40B4-BE49-F238E27FC236}">
-                <a16:creationId xmlns:a16="http://schemas.microsoft.com/office/drawing/2014/main" id="{AB1D61F9-F90F-4ED7-9585-6F791788FCBD}"/>
-              </a:ext>
-            </a:extLst>
-          </p:cNvPr>
-          <p:cNvSpPr>
-            <a:spLocks noGrp="1"/>
-          </p:cNvSpPr>
-          <p:nvPr>
-            <p:ph type="sldNum" sz="quarter" idx="12"/>
-          </p:nvPr>
-        </p:nvSpPr>
-        <p:spPr/>
-        <p:txBody>
-          <a:bodyPr/>
-          <a:lstStyle/>
-          <a:p>
-            <a:fld id="{A90B2C51-5890-490E-B5FE-9637AEB78E72}" type="slidenum">
-              <a:rPr lang="en-US" smtClean="0"/>
-              <a:t>17</a:t>
-            </a:fld>
-            <a:endParaRPr lang="en-US"/>
-          </a:p>
-        </p:txBody>
-      </p:sp>
-      <p:pic>
-        <p:nvPicPr>
-          <p:cNvPr id="10" name="Місце для вмісту 9">
-            <a:extLst>
-              <a:ext uri="{FF2B5EF4-FFF2-40B4-BE49-F238E27FC236}">
-                <a16:creationId xmlns:a16="http://schemas.microsoft.com/office/drawing/2014/main" id="{8212C961-CD7E-47E8-A488-E272D9B80B04}"/>
-              </a:ext>
-            </a:extLst>
-          </p:cNvPr>
-          <p:cNvPicPr>
-            <a:picLocks noGrp="1" noChangeAspect="1"/>
-          </p:cNvPicPr>
-          <p:nvPr>
-            <p:ph idx="1"/>
-          </p:nvPr>
-        </p:nvPicPr>
-        <p:blipFill>
-          <a:blip r:embed="rId2"/>
-          <a:stretch>
-            <a:fillRect/>
-          </a:stretch>
-        </p:blipFill>
-        <p:spPr>
-          <a:xfrm>
-            <a:off x="5386847" y="987425"/>
-            <a:ext cx="5764882" cy="4873625"/>
-          </a:xfrm>
-          <a:prstGeom prst="rect">
-            <a:avLst/>
-          </a:prstGeom>
-        </p:spPr>
-      </p:pic>
-      <p:pic>
-        <p:nvPicPr>
-          <p:cNvPr id="11" name="Рисунок 10">
-            <a:extLst>
-              <a:ext uri="{FF2B5EF4-FFF2-40B4-BE49-F238E27FC236}">
-                <a16:creationId xmlns:a16="http://schemas.microsoft.com/office/drawing/2014/main" id="{03BDCCE0-CBD2-4CF7-8819-78E88B4AB5DA}"/>
-              </a:ext>
-            </a:extLst>
-          </p:cNvPr>
-          <p:cNvPicPr>
-            <a:picLocks noChangeAspect="1"/>
-          </p:cNvPicPr>
-          <p:nvPr/>
-        </p:nvPicPr>
-        <p:blipFill>
-          <a:blip r:embed="rId3">
-            <a:extLst>
-              <a:ext uri="{28A0092B-C50C-407E-A947-70E740481C1C}">
-                <a14:useLocalDpi xmlns:a14="http://schemas.microsoft.com/office/drawing/2010/main" val="0"/>
-              </a:ext>
-            </a:extLst>
-          </a:blip>
-          <a:stretch>
-            <a:fillRect/>
-          </a:stretch>
-        </p:blipFill>
-        <p:spPr>
-          <a:xfrm>
-            <a:off x="11455532" y="100154"/>
-            <a:ext cx="622038" cy="1157146"/>
-          </a:xfrm>
-          <a:prstGeom prst="rect">
-            <a:avLst/>
-          </a:prstGeom>
-        </p:spPr>
-      </p:pic>
-    </p:spTree>
-    <p:extLst>
-      <p:ext uri="{BB962C8B-B14F-4D97-AF65-F5344CB8AC3E}">
-        <p14:creationId xmlns:p14="http://schemas.microsoft.com/office/powerpoint/2010/main" val="1376516504"/>
-      </p:ext>
-    </p:extLst>
-  </p:cSld>
-  <p:clrMapOvr>
-    <a:masterClrMapping/>
-  </p:clrMapOvr>
-</p:sld>
-</file>
-
-<file path=ppt/slides/slide18.xml><?xml version="1.0" encoding="utf-8"?>
-<p:sld xmlns:a="http://schemas.openxmlformats.org/drawingml/2006/main" xmlns:r="http://schemas.openxmlformats.org/officeDocument/2006/relationships" xmlns:p="http://schemas.openxmlformats.org/presentationml/2006/main">
-  <p:cSld>
-    <p:spTree>
-      <p:nvGrpSpPr>
-        <p:cNvPr id="1" name=""/>
-        <p:cNvGrpSpPr/>
-        <p:nvPr/>
-      </p:nvGrpSpPr>
-      <p:grpSpPr>
-        <a:xfrm>
-          <a:off x="0" y="0"/>
-          <a:ext cx="0" cy="0"/>
-          <a:chOff x="0" y="0"/>
-          <a:chExt cx="0" cy="0"/>
-        </a:xfrm>
-      </p:grpSpPr>
-      <p:sp>
-        <p:nvSpPr>
-          <p:cNvPr id="2" name="Заголовок 1">
-            <a:extLst>
-              <a:ext uri="{FF2B5EF4-FFF2-40B4-BE49-F238E27FC236}">
-                <a16:creationId xmlns:a16="http://schemas.microsoft.com/office/drawing/2014/main" id="{A10B1313-9157-4289-B826-8F6121CF404D}"/>
-              </a:ext>
-            </a:extLst>
-          </p:cNvPr>
-          <p:cNvSpPr>
-            <a:spLocks noGrp="1"/>
-          </p:cNvSpPr>
-          <p:nvPr>
-            <p:ph type="title"/>
-          </p:nvPr>
-        </p:nvSpPr>
-        <p:spPr/>
-        <p:txBody>
-          <a:bodyPr>
-            <a:normAutofit/>
-          </a:bodyPr>
-          <a:lstStyle/>
-          <a:p>
-            <a:r>
-              <a:rPr lang="en-US" sz="4000" b="1" dirty="0"/>
-              <a:t>Import project into IDEA</a:t>
-            </a:r>
-          </a:p>
-        </p:txBody>
-      </p:sp>
-      <p:sp>
-        <p:nvSpPr>
-          <p:cNvPr id="4" name="Місце для тексту 3">
-            <a:extLst>
-              <a:ext uri="{FF2B5EF4-FFF2-40B4-BE49-F238E27FC236}">
-                <a16:creationId xmlns:a16="http://schemas.microsoft.com/office/drawing/2014/main" id="{2F877C5C-4D55-4E89-B834-928A615AA5A3}"/>
-              </a:ext>
-            </a:extLst>
-          </p:cNvPr>
-          <p:cNvSpPr>
-            <a:spLocks noGrp="1"/>
-          </p:cNvSpPr>
-          <p:nvPr>
-            <p:ph type="body" sz="half" idx="2"/>
-          </p:nvPr>
-        </p:nvSpPr>
-        <p:spPr/>
-        <p:txBody>
-          <a:bodyPr>
-            <a:normAutofit fontScale="70000" lnSpcReduction="20000"/>
-          </a:bodyPr>
-          <a:lstStyle/>
-          <a:p>
-            <a:pPr marL="228600" lvl="0" indent="-228600">
-              <a:lnSpc>
-                <a:spcPct val="150000"/>
-              </a:lnSpc>
-              <a:buFont typeface="Arial" panose="020B0604020202020204" pitchFamily="34" charset="0"/>
-              <a:buChar char="•"/>
-            </a:pPr>
-            <a:r>
-              <a:rPr lang="en-US" sz="2400" dirty="0">
-                <a:solidFill>
-                  <a:prstClr val="black"/>
-                </a:solidFill>
-              </a:rPr>
-              <a:t>Choose your project and press </a:t>
-            </a:r>
-            <a:r>
-              <a:rPr lang="en-US" sz="2400" b="1" dirty="0">
-                <a:solidFill>
-                  <a:prstClr val="black"/>
-                </a:solidFill>
-              </a:rPr>
-              <a:t>“</a:t>
-            </a:r>
-            <a:r>
-              <a:rPr lang="en-US" sz="2400" b="1" dirty="0" err="1">
-                <a:solidFill>
-                  <a:prstClr val="black"/>
-                </a:solidFill>
-              </a:rPr>
-              <a:t>Ctrl+Enter</a:t>
-            </a:r>
-            <a:r>
-              <a:rPr lang="en-US" sz="2400" b="1" dirty="0">
-                <a:solidFill>
-                  <a:prstClr val="black"/>
-                </a:solidFill>
-              </a:rPr>
-              <a:t>”</a:t>
-            </a:r>
-          </a:p>
-          <a:p>
-            <a:pPr marL="228600" lvl="0" indent="-228600">
-              <a:lnSpc>
-                <a:spcPct val="150000"/>
-              </a:lnSpc>
-              <a:buFont typeface="Arial" panose="020B0604020202020204" pitchFamily="34" charset="0"/>
-              <a:buChar char="•"/>
-            </a:pPr>
-            <a:r>
-              <a:rPr lang="en-US" sz="2400" dirty="0">
-                <a:solidFill>
-                  <a:prstClr val="black"/>
-                </a:solidFill>
-              </a:rPr>
-              <a:t>Choose </a:t>
-            </a:r>
-            <a:r>
-              <a:rPr lang="en-US" sz="2400" b="1" dirty="0">
-                <a:solidFill>
-                  <a:prstClr val="black"/>
-                </a:solidFill>
-              </a:rPr>
-              <a:t>“Project”</a:t>
-            </a:r>
-            <a:r>
-              <a:rPr lang="en-US" sz="2400" dirty="0">
-                <a:solidFill>
-                  <a:prstClr val="black"/>
-                </a:solidFill>
-              </a:rPr>
-              <a:t> tab</a:t>
-            </a:r>
-          </a:p>
-          <a:p>
-            <a:pPr marL="228600" lvl="0" indent="-228600">
-              <a:lnSpc>
-                <a:spcPct val="150000"/>
-              </a:lnSpc>
-              <a:buFont typeface="Arial" panose="020B0604020202020204" pitchFamily="34" charset="0"/>
-              <a:buChar char="•"/>
-            </a:pPr>
-            <a:r>
-              <a:rPr lang="en-US" sz="2400" dirty="0">
-                <a:solidFill>
-                  <a:prstClr val="black"/>
-                </a:solidFill>
-              </a:rPr>
-              <a:t>Add new JDK for IDEA by clicking </a:t>
-            </a:r>
-            <a:r>
-              <a:rPr lang="en-US" sz="2400" b="1" dirty="0">
-                <a:solidFill>
-                  <a:prstClr val="black"/>
-                </a:solidFill>
-              </a:rPr>
-              <a:t>“New” </a:t>
-            </a:r>
-            <a:r>
-              <a:rPr lang="en-US" sz="2400" dirty="0">
-                <a:solidFill>
-                  <a:prstClr val="black"/>
-                </a:solidFill>
-              </a:rPr>
-              <a:t>button, if required</a:t>
-            </a:r>
-          </a:p>
-          <a:p>
-            <a:pPr marL="228600" lvl="0" indent="-228600">
-              <a:lnSpc>
-                <a:spcPct val="150000"/>
-              </a:lnSpc>
-              <a:buFont typeface="Arial" panose="020B0604020202020204" pitchFamily="34" charset="0"/>
-              <a:buChar char="•"/>
-            </a:pPr>
-            <a:r>
-              <a:rPr lang="en-US" sz="2400" dirty="0">
-                <a:solidFill>
-                  <a:prstClr val="black"/>
-                </a:solidFill>
-              </a:rPr>
-              <a:t>Choose </a:t>
-            </a:r>
-            <a:r>
-              <a:rPr lang="en-US" sz="2400" b="1" dirty="0">
-                <a:solidFill>
-                  <a:prstClr val="black"/>
-                </a:solidFill>
-              </a:rPr>
-              <a:t>JDK 11</a:t>
-            </a:r>
-            <a:r>
-              <a:rPr lang="en-US" sz="2400" dirty="0">
-                <a:solidFill>
-                  <a:prstClr val="black"/>
-                </a:solidFill>
-              </a:rPr>
-              <a:t> for your project</a:t>
-            </a:r>
-          </a:p>
-          <a:p>
-            <a:pPr marL="228600" lvl="0" indent="-228600">
-              <a:lnSpc>
-                <a:spcPct val="150000"/>
-              </a:lnSpc>
-              <a:buFont typeface="Arial" panose="020B0604020202020204" pitchFamily="34" charset="0"/>
-              <a:buChar char="•"/>
-            </a:pPr>
-            <a:r>
-              <a:rPr lang="en-US" sz="2400" dirty="0">
-                <a:solidFill>
-                  <a:prstClr val="black"/>
-                </a:solidFill>
-              </a:rPr>
-              <a:t>Choose </a:t>
-            </a:r>
-            <a:r>
-              <a:rPr lang="en-US" sz="2400" b="1" dirty="0">
-                <a:solidFill>
-                  <a:prstClr val="black"/>
-                </a:solidFill>
-              </a:rPr>
-              <a:t>“Project language level”</a:t>
-            </a:r>
-            <a:r>
-              <a:rPr lang="en-US" sz="2400" dirty="0">
-                <a:solidFill>
-                  <a:prstClr val="black"/>
-                </a:solidFill>
-              </a:rPr>
-              <a:t>: 11 – Local variable…</a:t>
-            </a:r>
-          </a:p>
-          <a:p>
-            <a:pPr marL="228600" lvl="0" indent="-228600">
-              <a:lnSpc>
-                <a:spcPct val="150000"/>
-              </a:lnSpc>
-              <a:buFont typeface="Arial" panose="020B0604020202020204" pitchFamily="34" charset="0"/>
-              <a:buChar char="•"/>
-            </a:pPr>
-            <a:r>
-              <a:rPr lang="en-US" sz="2400" dirty="0">
-                <a:solidFill>
-                  <a:prstClr val="black"/>
-                </a:solidFill>
-              </a:rPr>
-              <a:t>Click </a:t>
-            </a:r>
-            <a:r>
-              <a:rPr lang="en-US" sz="2400" b="1" dirty="0">
-                <a:solidFill>
-                  <a:prstClr val="black"/>
-                </a:solidFill>
-              </a:rPr>
-              <a:t>“OK”</a:t>
-            </a:r>
-          </a:p>
-        </p:txBody>
-      </p:sp>
-      <p:sp>
-        <p:nvSpPr>
-          <p:cNvPr id="5" name="Місце для номера слайда 4">
-            <a:extLst>
-              <a:ext uri="{FF2B5EF4-FFF2-40B4-BE49-F238E27FC236}">
-                <a16:creationId xmlns:a16="http://schemas.microsoft.com/office/drawing/2014/main" id="{AB1D61F9-F90F-4ED7-9585-6F791788FCBD}"/>
-              </a:ext>
-            </a:extLst>
-          </p:cNvPr>
-          <p:cNvSpPr>
-            <a:spLocks noGrp="1"/>
-          </p:cNvSpPr>
-          <p:nvPr>
-            <p:ph type="sldNum" sz="quarter" idx="12"/>
-          </p:nvPr>
-        </p:nvSpPr>
-        <p:spPr/>
-        <p:txBody>
-          <a:bodyPr/>
-          <a:lstStyle/>
-          <a:p>
-            <a:fld id="{A90B2C51-5890-490E-B5FE-9637AEB78E72}" type="slidenum">
-              <a:rPr lang="en-US" smtClean="0"/>
-              <a:t>18</a:t>
-            </a:fld>
-            <a:endParaRPr lang="en-US"/>
-          </a:p>
-        </p:txBody>
-      </p:sp>
-      <p:pic>
-        <p:nvPicPr>
-          <p:cNvPr id="3" name="Місце для вмісту 2">
-            <a:extLst>
-              <a:ext uri="{FF2B5EF4-FFF2-40B4-BE49-F238E27FC236}">
-                <a16:creationId xmlns:a16="http://schemas.microsoft.com/office/drawing/2014/main" id="{2EA36D24-A57B-4B56-BDC2-BE3ADC9FB309}"/>
-              </a:ext>
-            </a:extLst>
-          </p:cNvPr>
-          <p:cNvPicPr>
-            <a:picLocks noGrp="1" noChangeAspect="1"/>
-          </p:cNvPicPr>
-          <p:nvPr>
-            <p:ph idx="1"/>
-          </p:nvPr>
-        </p:nvPicPr>
-        <p:blipFill>
-          <a:blip r:embed="rId2"/>
-          <a:stretch>
-            <a:fillRect/>
-          </a:stretch>
-        </p:blipFill>
-        <p:spPr>
-          <a:xfrm>
-            <a:off x="5317494" y="987425"/>
-            <a:ext cx="5903588" cy="4873625"/>
-          </a:xfrm>
-          <a:prstGeom prst="rect">
-            <a:avLst/>
-          </a:prstGeom>
-        </p:spPr>
-      </p:pic>
-      <p:pic>
-        <p:nvPicPr>
-          <p:cNvPr id="10" name="Рисунок 9">
-            <a:extLst>
-              <a:ext uri="{FF2B5EF4-FFF2-40B4-BE49-F238E27FC236}">
-                <a16:creationId xmlns:a16="http://schemas.microsoft.com/office/drawing/2014/main" id="{DC216B39-5BAE-4701-934A-3965A6FD9785}"/>
-              </a:ext>
-            </a:extLst>
-          </p:cNvPr>
-          <p:cNvPicPr>
-            <a:picLocks noChangeAspect="1"/>
-          </p:cNvPicPr>
-          <p:nvPr/>
-        </p:nvPicPr>
-        <p:blipFill>
-          <a:blip r:embed="rId3">
-            <a:extLst>
-              <a:ext uri="{28A0092B-C50C-407E-A947-70E740481C1C}">
-                <a14:useLocalDpi xmlns:a14="http://schemas.microsoft.com/office/drawing/2010/main" val="0"/>
-              </a:ext>
-            </a:extLst>
-          </a:blip>
-          <a:stretch>
-            <a:fillRect/>
-          </a:stretch>
-        </p:blipFill>
-        <p:spPr>
-          <a:xfrm>
-            <a:off x="11455532" y="100154"/>
-            <a:ext cx="622038" cy="1157146"/>
-          </a:xfrm>
-          <a:prstGeom prst="rect">
-            <a:avLst/>
-          </a:prstGeom>
-        </p:spPr>
-      </p:pic>
-    </p:spTree>
-    <p:extLst>
-      <p:ext uri="{BB962C8B-B14F-4D97-AF65-F5344CB8AC3E}">
-        <p14:creationId xmlns:p14="http://schemas.microsoft.com/office/powerpoint/2010/main" val="3844059737"/>
-      </p:ext>
-    </p:extLst>
-  </p:cSld>
-  <p:clrMapOvr>
-    <a:masterClrMapping/>
-  </p:clrMapOvr>
-</p:sld>
-</file>
-
-<file path=ppt/slides/slide19.xml><?xml version="1.0" encoding="utf-8"?>
-<p:sld xmlns:a="http://schemas.openxmlformats.org/drawingml/2006/main" xmlns:r="http://schemas.openxmlformats.org/officeDocument/2006/relationships" xmlns:p="http://schemas.openxmlformats.org/presentationml/2006/main">
-  <p:cSld>
-    <p:spTree>
-      <p:nvGrpSpPr>
-        <p:cNvPr id="1" name=""/>
-        <p:cNvGrpSpPr/>
-        <p:nvPr/>
-      </p:nvGrpSpPr>
-      <p:grpSpPr>
-        <a:xfrm>
-          <a:off x="0" y="0"/>
-          <a:ext cx="0" cy="0"/>
-          <a:chOff x="0" y="0"/>
-          <a:chExt cx="0" cy="0"/>
-        </a:xfrm>
-      </p:grpSpPr>
-      <p:sp>
-        <p:nvSpPr>
-          <p:cNvPr id="2" name="Заголовок 1">
-            <a:extLst>
-              <a:ext uri="{FF2B5EF4-FFF2-40B4-BE49-F238E27FC236}">
-                <a16:creationId xmlns:a16="http://schemas.microsoft.com/office/drawing/2014/main" id="{A10B1313-9157-4289-B826-8F6121CF404D}"/>
-              </a:ext>
-            </a:extLst>
-          </p:cNvPr>
-          <p:cNvSpPr>
-            <a:spLocks noGrp="1"/>
-          </p:cNvSpPr>
-          <p:nvPr>
-            <p:ph type="title"/>
-          </p:nvPr>
-        </p:nvSpPr>
-        <p:spPr/>
-        <p:txBody>
-          <a:bodyPr>
-            <a:normAutofit/>
-          </a:bodyPr>
-          <a:lstStyle/>
-          <a:p>
-            <a:r>
-              <a:rPr lang="en-US" sz="4000" b="1" dirty="0"/>
-              <a:t>First Commit and Push to Git</a:t>
-            </a:r>
-          </a:p>
-        </p:txBody>
-      </p:sp>
-      <p:sp>
-        <p:nvSpPr>
-          <p:cNvPr id="4" name="Місце для тексту 3">
-            <a:extLst>
-              <a:ext uri="{FF2B5EF4-FFF2-40B4-BE49-F238E27FC236}">
-                <a16:creationId xmlns:a16="http://schemas.microsoft.com/office/drawing/2014/main" id="{2F877C5C-4D55-4E89-B834-928A615AA5A3}"/>
-              </a:ext>
-            </a:extLst>
-          </p:cNvPr>
-          <p:cNvSpPr>
-            <a:spLocks noGrp="1"/>
-          </p:cNvSpPr>
-          <p:nvPr>
-            <p:ph type="body" sz="half" idx="2"/>
-          </p:nvPr>
-        </p:nvSpPr>
-        <p:spPr/>
-        <p:txBody>
-          <a:bodyPr>
-            <a:normAutofit fontScale="70000" lnSpcReduction="20000"/>
-          </a:bodyPr>
-          <a:lstStyle/>
-          <a:p>
-            <a:pPr marL="228600" lvl="0" indent="-228600">
-              <a:lnSpc>
-                <a:spcPct val="150000"/>
-              </a:lnSpc>
-              <a:buFont typeface="Arial" panose="020B0604020202020204" pitchFamily="34" charset="0"/>
-              <a:buChar char="•"/>
-            </a:pPr>
-            <a:r>
-              <a:rPr lang="en-US" sz="2400" dirty="0">
-                <a:solidFill>
-                  <a:prstClr val="black"/>
-                </a:solidFill>
-              </a:rPr>
-              <a:t>You have made some changes, it’s time to commit and push</a:t>
-            </a:r>
-          </a:p>
-          <a:p>
-            <a:pPr marL="228600" lvl="0" indent="-228600">
-              <a:lnSpc>
-                <a:spcPct val="150000"/>
-              </a:lnSpc>
-              <a:buFont typeface="Arial" panose="020B0604020202020204" pitchFamily="34" charset="0"/>
-              <a:buChar char="•"/>
-            </a:pPr>
-            <a:r>
-              <a:rPr lang="en-US" sz="2400" dirty="0">
-                <a:solidFill>
-                  <a:prstClr val="black"/>
-                </a:solidFill>
-              </a:rPr>
-              <a:t>Press </a:t>
-            </a:r>
-            <a:r>
-              <a:rPr lang="en-US" sz="2400" b="1" dirty="0">
-                <a:solidFill>
-                  <a:prstClr val="black"/>
-                </a:solidFill>
-              </a:rPr>
-              <a:t>“</a:t>
-            </a:r>
-            <a:r>
-              <a:rPr lang="en-US" sz="2400" b="1" dirty="0" err="1">
-                <a:solidFill>
-                  <a:prstClr val="black"/>
-                </a:solidFill>
-              </a:rPr>
-              <a:t>Ctrl+K</a:t>
-            </a:r>
-            <a:r>
-              <a:rPr lang="en-US" sz="2400" b="1" dirty="0">
-                <a:solidFill>
-                  <a:prstClr val="black"/>
-                </a:solidFill>
-              </a:rPr>
-              <a:t>”</a:t>
-            </a:r>
-            <a:r>
-              <a:rPr lang="en-US" sz="2400" dirty="0">
-                <a:solidFill>
-                  <a:prstClr val="black"/>
-                </a:solidFill>
-              </a:rPr>
-              <a:t> to make commit</a:t>
-            </a:r>
-          </a:p>
-          <a:p>
-            <a:pPr marL="228600" lvl="0" indent="-228600">
-              <a:lnSpc>
-                <a:spcPct val="150000"/>
-              </a:lnSpc>
-              <a:buFont typeface="Arial" panose="020B0604020202020204" pitchFamily="34" charset="0"/>
-              <a:buChar char="•"/>
-            </a:pPr>
-            <a:r>
-              <a:rPr lang="en-US" sz="2400" dirty="0">
-                <a:solidFill>
-                  <a:prstClr val="black"/>
-                </a:solidFill>
-              </a:rPr>
-              <a:t>Choose files that should be committed</a:t>
-            </a:r>
-          </a:p>
-          <a:p>
-            <a:pPr marL="228600" lvl="0" indent="-228600">
-              <a:lnSpc>
-                <a:spcPct val="150000"/>
-              </a:lnSpc>
-              <a:buFont typeface="Arial" panose="020B0604020202020204" pitchFamily="34" charset="0"/>
-              <a:buChar char="•"/>
-            </a:pPr>
-            <a:r>
-              <a:rPr lang="en-US" sz="2400" dirty="0">
-                <a:solidFill>
-                  <a:prstClr val="black"/>
-                </a:solidFill>
-              </a:rPr>
-              <a:t>Type understandable and informative </a:t>
-            </a:r>
-            <a:r>
-              <a:rPr lang="en-US" sz="2400" b="1" dirty="0">
-                <a:solidFill>
-                  <a:prstClr val="black"/>
-                </a:solidFill>
-              </a:rPr>
-              <a:t>“Commit Message”</a:t>
-            </a:r>
-          </a:p>
-          <a:p>
-            <a:pPr marL="228600" lvl="0" indent="-228600">
-              <a:lnSpc>
-                <a:spcPct val="150000"/>
-              </a:lnSpc>
-              <a:buFont typeface="Arial" panose="020B0604020202020204" pitchFamily="34" charset="0"/>
-              <a:buChar char="•"/>
-            </a:pPr>
-            <a:r>
-              <a:rPr lang="en-US" sz="2400" dirty="0">
-                <a:solidFill>
-                  <a:prstClr val="black"/>
-                </a:solidFill>
-              </a:rPr>
-              <a:t>Check checkboxes: </a:t>
-            </a:r>
-            <a:r>
-              <a:rPr lang="en-US" sz="2400" b="1" dirty="0">
-                <a:solidFill>
-                  <a:prstClr val="black"/>
-                </a:solidFill>
-              </a:rPr>
-              <a:t>“Perform code analysis” </a:t>
-            </a:r>
-            <a:r>
-              <a:rPr lang="en-US" sz="2400" dirty="0">
-                <a:solidFill>
-                  <a:prstClr val="black"/>
-                </a:solidFill>
-              </a:rPr>
-              <a:t>and </a:t>
-            </a:r>
-            <a:r>
-              <a:rPr lang="en-US" sz="2400" b="1" dirty="0">
-                <a:solidFill>
-                  <a:prstClr val="black"/>
-                </a:solidFill>
-              </a:rPr>
-              <a:t>“Check TODO”</a:t>
-            </a:r>
-            <a:endParaRPr lang="en-US" sz="2400" dirty="0">
-              <a:solidFill>
-                <a:prstClr val="black"/>
-              </a:solidFill>
-            </a:endParaRPr>
-          </a:p>
-          <a:p>
-            <a:pPr marL="228600" lvl="0" indent="-228600">
-              <a:lnSpc>
-                <a:spcPct val="150000"/>
-              </a:lnSpc>
-              <a:buFont typeface="Arial" panose="020B0604020202020204" pitchFamily="34" charset="0"/>
-              <a:buChar char="•"/>
-            </a:pPr>
-            <a:r>
-              <a:rPr lang="en-US" sz="2400" dirty="0">
-                <a:solidFill>
-                  <a:prstClr val="black"/>
-                </a:solidFill>
-              </a:rPr>
-              <a:t>Click </a:t>
-            </a:r>
-            <a:r>
-              <a:rPr lang="en-US" sz="2400" b="1" dirty="0">
-                <a:solidFill>
-                  <a:prstClr val="black"/>
-                </a:solidFill>
-              </a:rPr>
-              <a:t>“Commit”</a:t>
-            </a:r>
-          </a:p>
-        </p:txBody>
-      </p:sp>
-      <p:sp>
-        <p:nvSpPr>
-          <p:cNvPr id="5" name="Місце для номера слайда 4">
-            <a:extLst>
-              <a:ext uri="{FF2B5EF4-FFF2-40B4-BE49-F238E27FC236}">
-                <a16:creationId xmlns:a16="http://schemas.microsoft.com/office/drawing/2014/main" id="{AB1D61F9-F90F-4ED7-9585-6F791788FCBD}"/>
-              </a:ext>
-            </a:extLst>
-          </p:cNvPr>
-          <p:cNvSpPr>
-            <a:spLocks noGrp="1"/>
-          </p:cNvSpPr>
-          <p:nvPr>
-            <p:ph type="sldNum" sz="quarter" idx="12"/>
-          </p:nvPr>
-        </p:nvSpPr>
-        <p:spPr/>
-        <p:txBody>
-          <a:bodyPr/>
-          <a:lstStyle/>
-          <a:p>
-            <a:fld id="{A90B2C51-5890-490E-B5FE-9637AEB78E72}" type="slidenum">
-              <a:rPr lang="en-US" smtClean="0"/>
-              <a:t>19</a:t>
-            </a:fld>
-            <a:endParaRPr lang="en-US"/>
-          </a:p>
-        </p:txBody>
-      </p:sp>
-      <p:pic>
-        <p:nvPicPr>
-          <p:cNvPr id="3" name="Місце для вмісту 2">
-            <a:extLst>
-              <a:ext uri="{FF2B5EF4-FFF2-40B4-BE49-F238E27FC236}">
-                <a16:creationId xmlns:a16="http://schemas.microsoft.com/office/drawing/2014/main" id="{398EE79E-FFD2-49CC-BBAA-1C2A4FDD36C4}"/>
-              </a:ext>
-            </a:extLst>
-          </p:cNvPr>
-          <p:cNvPicPr>
-            <a:picLocks noGrp="1" noChangeAspect="1"/>
-          </p:cNvPicPr>
-          <p:nvPr>
-            <p:ph idx="1"/>
-          </p:nvPr>
-        </p:nvPicPr>
-        <p:blipFill>
-          <a:blip r:embed="rId2"/>
-          <a:stretch>
-            <a:fillRect/>
-          </a:stretch>
-        </p:blipFill>
-        <p:spPr>
-          <a:xfrm>
-            <a:off x="6870222" y="987425"/>
-            <a:ext cx="2798132" cy="4873625"/>
-          </a:xfrm>
-          <a:prstGeom prst="rect">
-            <a:avLst/>
-          </a:prstGeom>
-        </p:spPr>
-      </p:pic>
-      <p:pic>
-        <p:nvPicPr>
-          <p:cNvPr id="10" name="Рисунок 9">
-            <a:extLst>
-              <a:ext uri="{FF2B5EF4-FFF2-40B4-BE49-F238E27FC236}">
-                <a16:creationId xmlns:a16="http://schemas.microsoft.com/office/drawing/2014/main" id="{36CD309F-0299-4646-85F9-BD3FE97C6EA3}"/>
-              </a:ext>
-            </a:extLst>
-          </p:cNvPr>
-          <p:cNvPicPr>
-            <a:picLocks noChangeAspect="1"/>
-          </p:cNvPicPr>
-          <p:nvPr/>
-        </p:nvPicPr>
-        <p:blipFill>
-          <a:blip r:embed="rId3">
-            <a:extLst>
-              <a:ext uri="{28A0092B-C50C-407E-A947-70E740481C1C}">
-                <a14:useLocalDpi xmlns:a14="http://schemas.microsoft.com/office/drawing/2010/main" val="0"/>
-              </a:ext>
-            </a:extLst>
-          </a:blip>
-          <a:stretch>
-            <a:fillRect/>
-          </a:stretch>
-        </p:blipFill>
-        <p:spPr>
-          <a:xfrm>
-            <a:off x="11455532" y="100154"/>
-            <a:ext cx="622038" cy="1157146"/>
-          </a:xfrm>
-          <a:prstGeom prst="rect">
-            <a:avLst/>
-          </a:prstGeom>
-        </p:spPr>
-      </p:pic>
-    </p:spTree>
-    <p:extLst>
-      <p:ext uri="{BB962C8B-B14F-4D97-AF65-F5344CB8AC3E}">
-        <p14:creationId xmlns:p14="http://schemas.microsoft.com/office/powerpoint/2010/main" val="3643435818"/>
       </p:ext>
     </p:extLst>
   </p:cSld>
@@ -8776,7 +7884,7 @@
           <a:p>
             <a:r>
               <a:rPr lang="en-US" sz="4000" b="1" dirty="0"/>
-              <a:t>First Commit and Push to Git</a:t>
+              <a:t>Import project into IDEA</a:t>
             </a:r>
           </a:p>
         </p:txBody>
@@ -8800,7 +7908,7 @@
         <p:spPr/>
         <p:txBody>
           <a:bodyPr>
-            <a:normAutofit/>
+            <a:normAutofit fontScale="92500"/>
           </a:bodyPr>
           <a:lstStyle/>
           <a:p>
@@ -8817,8 +7925,145 @@
                   <a:prstClr val="black"/>
                 </a:solidFill>
               </a:rPr>
-              <a:t>Do not commit anything if you got some error or warning message </a:t>
-            </a:r>
+              <a:t>Do not change </a:t>
+            </a:r>
+            <a:r>
+              <a:rPr lang="en-US" sz="2400" b="1" dirty="0">
+                <a:solidFill>
+                  <a:prstClr val="black"/>
+                </a:solidFill>
+              </a:rPr>
+              <a:t>“Project name”</a:t>
+            </a:r>
+          </a:p>
+          <a:p>
+            <a:pPr marL="228600" lvl="0" indent="-228600">
+              <a:lnSpc>
+                <a:spcPct val="150000"/>
+              </a:lnSpc>
+              <a:buFont typeface="Arial" panose="020B0604020202020204" pitchFamily="34" charset="0"/>
+              <a:buChar char="•"/>
+            </a:pPr>
+            <a:r>
+              <a:rPr lang="en-US" sz="2400" dirty="0">
+                <a:solidFill>
+                  <a:prstClr val="black"/>
+                </a:solidFill>
+              </a:rPr>
+              <a:t>Use default </a:t>
+            </a:r>
+            <a:r>
+              <a:rPr lang="en-US" sz="2400" b="1" dirty="0">
+                <a:solidFill>
+                  <a:prstClr val="black"/>
+                </a:solidFill>
+              </a:rPr>
+              <a:t>“Project format”: .idea</a:t>
+            </a:r>
+            <a:endParaRPr lang="en-US" sz="2400" dirty="0">
+              <a:solidFill>
+                <a:prstClr val="black"/>
+              </a:solidFill>
+            </a:endParaRPr>
+          </a:p>
+          <a:p>
+            <a:pPr marL="228600" lvl="0" indent="-228600">
+              <a:lnSpc>
+                <a:spcPct val="150000"/>
+              </a:lnSpc>
+              <a:buFont typeface="Arial" panose="020B0604020202020204" pitchFamily="34" charset="0"/>
+              <a:buChar char="•"/>
+            </a:pPr>
+            <a:r>
+              <a:rPr lang="en-US" sz="2400" dirty="0">
+                <a:solidFill>
+                  <a:prstClr val="black"/>
+                </a:solidFill>
+              </a:rPr>
+              <a:t>Click </a:t>
+            </a:r>
+            <a:r>
+              <a:rPr lang="en-US" sz="2400" b="1" dirty="0">
+                <a:solidFill>
+                  <a:prstClr val="black"/>
+                </a:solidFill>
+              </a:rPr>
+              <a:t>“Next”</a:t>
+            </a:r>
+          </a:p>
+          <a:p>
+            <a:pPr marL="228600" indent="-228600">
+              <a:lnSpc>
+                <a:spcPct val="150000"/>
+              </a:lnSpc>
+              <a:buFont typeface="Arial" panose="020B0604020202020204" pitchFamily="34" charset="0"/>
+              <a:buChar char="•"/>
+            </a:pPr>
+            <a:r>
+              <a:rPr lang="en-US" sz="2400" dirty="0">
+                <a:solidFill>
+                  <a:prstClr val="black"/>
+                </a:solidFill>
+              </a:rPr>
+              <a:t>Click </a:t>
+            </a:r>
+            <a:r>
+              <a:rPr lang="en-US" sz="2400" b="1" dirty="0">
+                <a:solidFill>
+                  <a:prstClr val="black"/>
+                </a:solidFill>
+              </a:rPr>
+              <a:t>“Next”</a:t>
+            </a:r>
+            <a:endParaRPr lang="en-US" sz="2400" dirty="0">
+              <a:solidFill>
+                <a:prstClr val="black"/>
+              </a:solidFill>
+            </a:endParaRPr>
+          </a:p>
+          <a:p>
+            <a:pPr marL="228600" indent="-228600">
+              <a:lnSpc>
+                <a:spcPct val="150000"/>
+              </a:lnSpc>
+              <a:buFont typeface="Arial" panose="020B0604020202020204" pitchFamily="34" charset="0"/>
+              <a:buChar char="•"/>
+            </a:pPr>
+            <a:r>
+              <a:rPr lang="en-US" sz="2400" dirty="0">
+                <a:solidFill>
+                  <a:prstClr val="black"/>
+                </a:solidFill>
+              </a:rPr>
+              <a:t>Click </a:t>
+            </a:r>
+            <a:r>
+              <a:rPr lang="en-US" sz="2400" b="1" dirty="0">
+                <a:solidFill>
+                  <a:prstClr val="black"/>
+                </a:solidFill>
+              </a:rPr>
+              <a:t>“Finish”</a:t>
+            </a:r>
+            <a:endParaRPr lang="en-US" sz="2400" dirty="0">
+              <a:solidFill>
+                <a:prstClr val="black"/>
+              </a:solidFill>
+            </a:endParaRPr>
+          </a:p>
+          <a:p>
+            <a:pPr marL="228600" lvl="0" indent="-228600">
+              <a:lnSpc>
+                <a:spcPct val="150000"/>
+              </a:lnSpc>
+              <a:buFont typeface="Arial" panose="020B0604020202020204" pitchFamily="34" charset="0"/>
+              <a:buChar char="•"/>
+            </a:pPr>
+            <a:endParaRPr lang="en-US" sz="2400" dirty="0">
+              <a:solidFill>
+                <a:prstClr val="black"/>
+              </a:solidFill>
+            </a:endParaRPr>
           </a:p>
         </p:txBody>
       </p:sp>
@@ -8846,6 +8091,943 @@
             <a:fld id="{A90B2C51-5890-490E-B5FE-9637AEB78E72}" type="slidenum">
               <a:rPr lang="en-US" smtClean="0"/>
               <a:t>20</a:t>
+            </a:fld>
+            <a:endParaRPr lang="en-US"/>
+          </a:p>
+        </p:txBody>
+      </p:sp>
+      <p:pic>
+        <p:nvPicPr>
+          <p:cNvPr id="10" name="Місце для вмісту 9">
+            <a:extLst>
+              <a:ext uri="{FF2B5EF4-FFF2-40B4-BE49-F238E27FC236}">
+                <a16:creationId xmlns:a16="http://schemas.microsoft.com/office/drawing/2014/main" id="{8212C961-CD7E-47E8-A488-E272D9B80B04}"/>
+              </a:ext>
+            </a:extLst>
+          </p:cNvPr>
+          <p:cNvPicPr>
+            <a:picLocks noGrp="1" noChangeAspect="1"/>
+          </p:cNvPicPr>
+          <p:nvPr>
+            <p:ph idx="1"/>
+          </p:nvPr>
+        </p:nvPicPr>
+        <p:blipFill>
+          <a:blip r:embed="rId2"/>
+          <a:stretch>
+            <a:fillRect/>
+          </a:stretch>
+        </p:blipFill>
+        <p:spPr>
+          <a:xfrm>
+            <a:off x="5386847" y="987425"/>
+            <a:ext cx="5764882" cy="4873625"/>
+          </a:xfrm>
+          <a:prstGeom prst="rect">
+            <a:avLst/>
+          </a:prstGeom>
+        </p:spPr>
+      </p:pic>
+      <p:pic>
+        <p:nvPicPr>
+          <p:cNvPr id="11" name="Рисунок 10">
+            <a:extLst>
+              <a:ext uri="{FF2B5EF4-FFF2-40B4-BE49-F238E27FC236}">
+                <a16:creationId xmlns:a16="http://schemas.microsoft.com/office/drawing/2014/main" id="{03BDCCE0-CBD2-4CF7-8819-78E88B4AB5DA}"/>
+              </a:ext>
+            </a:extLst>
+          </p:cNvPr>
+          <p:cNvPicPr>
+            <a:picLocks noChangeAspect="1"/>
+          </p:cNvPicPr>
+          <p:nvPr/>
+        </p:nvPicPr>
+        <p:blipFill>
+          <a:blip r:embed="rId3">
+            <a:extLst>
+              <a:ext uri="{28A0092B-C50C-407E-A947-70E740481C1C}">
+                <a14:useLocalDpi xmlns:a14="http://schemas.microsoft.com/office/drawing/2010/main" val="0"/>
+              </a:ext>
+            </a:extLst>
+          </a:blip>
+          <a:stretch>
+            <a:fillRect/>
+          </a:stretch>
+        </p:blipFill>
+        <p:spPr>
+          <a:xfrm>
+            <a:off x="11455532" y="100154"/>
+            <a:ext cx="622038" cy="1157146"/>
+          </a:xfrm>
+          <a:prstGeom prst="rect">
+            <a:avLst/>
+          </a:prstGeom>
+        </p:spPr>
+      </p:pic>
+    </p:spTree>
+    <p:extLst>
+      <p:ext uri="{BB962C8B-B14F-4D97-AF65-F5344CB8AC3E}">
+        <p14:creationId xmlns:p14="http://schemas.microsoft.com/office/powerpoint/2010/main" val="1376516504"/>
+      </p:ext>
+    </p:extLst>
+  </p:cSld>
+  <p:clrMapOvr>
+    <a:masterClrMapping/>
+  </p:clrMapOvr>
+</p:sld>
+</file>
+
+<file path=ppt/slides/slide21.xml><?xml version="1.0" encoding="utf-8"?>
+<p:sld xmlns:a="http://schemas.openxmlformats.org/drawingml/2006/main" xmlns:r="http://schemas.openxmlformats.org/officeDocument/2006/relationships" xmlns:p="http://schemas.openxmlformats.org/presentationml/2006/main">
+  <p:cSld>
+    <p:spTree>
+      <p:nvGrpSpPr>
+        <p:cNvPr id="1" name=""/>
+        <p:cNvGrpSpPr/>
+        <p:nvPr/>
+      </p:nvGrpSpPr>
+      <p:grpSpPr>
+        <a:xfrm>
+          <a:off x="0" y="0"/>
+          <a:ext cx="0" cy="0"/>
+          <a:chOff x="0" y="0"/>
+          <a:chExt cx="0" cy="0"/>
+        </a:xfrm>
+      </p:grpSpPr>
+      <p:sp>
+        <p:nvSpPr>
+          <p:cNvPr id="2" name="Заголовок 1">
+            <a:extLst>
+              <a:ext uri="{FF2B5EF4-FFF2-40B4-BE49-F238E27FC236}">
+                <a16:creationId xmlns:a16="http://schemas.microsoft.com/office/drawing/2014/main" id="{A10B1313-9157-4289-B826-8F6121CF404D}"/>
+              </a:ext>
+            </a:extLst>
+          </p:cNvPr>
+          <p:cNvSpPr>
+            <a:spLocks noGrp="1"/>
+          </p:cNvSpPr>
+          <p:nvPr>
+            <p:ph type="title"/>
+          </p:nvPr>
+        </p:nvSpPr>
+        <p:spPr/>
+        <p:txBody>
+          <a:bodyPr>
+            <a:normAutofit/>
+          </a:bodyPr>
+          <a:lstStyle/>
+          <a:p>
+            <a:r>
+              <a:rPr lang="en-US" sz="4000" b="1" dirty="0"/>
+              <a:t>Import project into IDEA</a:t>
+            </a:r>
+          </a:p>
+        </p:txBody>
+      </p:sp>
+      <p:sp>
+        <p:nvSpPr>
+          <p:cNvPr id="4" name="Місце для тексту 3">
+            <a:extLst>
+              <a:ext uri="{FF2B5EF4-FFF2-40B4-BE49-F238E27FC236}">
+                <a16:creationId xmlns:a16="http://schemas.microsoft.com/office/drawing/2014/main" id="{2F877C5C-4D55-4E89-B834-928A615AA5A3}"/>
+              </a:ext>
+            </a:extLst>
+          </p:cNvPr>
+          <p:cNvSpPr>
+            <a:spLocks noGrp="1"/>
+          </p:cNvSpPr>
+          <p:nvPr>
+            <p:ph type="body" sz="half" idx="2"/>
+          </p:nvPr>
+        </p:nvSpPr>
+        <p:spPr/>
+        <p:txBody>
+          <a:bodyPr>
+            <a:normAutofit fontScale="70000" lnSpcReduction="20000"/>
+          </a:bodyPr>
+          <a:lstStyle/>
+          <a:p>
+            <a:pPr marL="228600" lvl="0" indent="-228600">
+              <a:lnSpc>
+                <a:spcPct val="150000"/>
+              </a:lnSpc>
+              <a:buFont typeface="Arial" panose="020B0604020202020204" pitchFamily="34" charset="0"/>
+              <a:buChar char="•"/>
+            </a:pPr>
+            <a:r>
+              <a:rPr lang="en-US" sz="2400" dirty="0">
+                <a:solidFill>
+                  <a:prstClr val="black"/>
+                </a:solidFill>
+              </a:rPr>
+              <a:t>Choose your project and press </a:t>
+            </a:r>
+            <a:r>
+              <a:rPr lang="en-US" sz="2400" b="1" dirty="0">
+                <a:solidFill>
+                  <a:prstClr val="black"/>
+                </a:solidFill>
+              </a:rPr>
+              <a:t>“</a:t>
+            </a:r>
+            <a:r>
+              <a:rPr lang="en-US" sz="2400" b="1" dirty="0" err="1">
+                <a:solidFill>
+                  <a:prstClr val="black"/>
+                </a:solidFill>
+              </a:rPr>
+              <a:t>Ctrl+Enter</a:t>
+            </a:r>
+            <a:r>
+              <a:rPr lang="en-US" sz="2400" b="1" dirty="0">
+                <a:solidFill>
+                  <a:prstClr val="black"/>
+                </a:solidFill>
+              </a:rPr>
+              <a:t>”</a:t>
+            </a:r>
+          </a:p>
+          <a:p>
+            <a:pPr marL="228600" lvl="0" indent="-228600">
+              <a:lnSpc>
+                <a:spcPct val="150000"/>
+              </a:lnSpc>
+              <a:buFont typeface="Arial" panose="020B0604020202020204" pitchFamily="34" charset="0"/>
+              <a:buChar char="•"/>
+            </a:pPr>
+            <a:r>
+              <a:rPr lang="en-US" sz="2400" dirty="0">
+                <a:solidFill>
+                  <a:prstClr val="black"/>
+                </a:solidFill>
+              </a:rPr>
+              <a:t>Choose </a:t>
+            </a:r>
+            <a:r>
+              <a:rPr lang="en-US" sz="2400" b="1" dirty="0">
+                <a:solidFill>
+                  <a:prstClr val="black"/>
+                </a:solidFill>
+              </a:rPr>
+              <a:t>“Project”</a:t>
+            </a:r>
+            <a:r>
+              <a:rPr lang="en-US" sz="2400" dirty="0">
+                <a:solidFill>
+                  <a:prstClr val="black"/>
+                </a:solidFill>
+              </a:rPr>
+              <a:t> tab</a:t>
+            </a:r>
+          </a:p>
+          <a:p>
+            <a:pPr marL="228600" lvl="0" indent="-228600">
+              <a:lnSpc>
+                <a:spcPct val="150000"/>
+              </a:lnSpc>
+              <a:buFont typeface="Arial" panose="020B0604020202020204" pitchFamily="34" charset="0"/>
+              <a:buChar char="•"/>
+            </a:pPr>
+            <a:r>
+              <a:rPr lang="en-US" sz="2400" dirty="0">
+                <a:solidFill>
+                  <a:prstClr val="black"/>
+                </a:solidFill>
+              </a:rPr>
+              <a:t>Add new JDK for IDEA by clicking </a:t>
+            </a:r>
+            <a:r>
+              <a:rPr lang="en-US" sz="2400" b="1" dirty="0">
+                <a:solidFill>
+                  <a:prstClr val="black"/>
+                </a:solidFill>
+              </a:rPr>
+              <a:t>“New” </a:t>
+            </a:r>
+            <a:r>
+              <a:rPr lang="en-US" sz="2400" dirty="0">
+                <a:solidFill>
+                  <a:prstClr val="black"/>
+                </a:solidFill>
+              </a:rPr>
+              <a:t>button, if required</a:t>
+            </a:r>
+          </a:p>
+          <a:p>
+            <a:pPr marL="228600" lvl="0" indent="-228600">
+              <a:lnSpc>
+                <a:spcPct val="150000"/>
+              </a:lnSpc>
+              <a:buFont typeface="Arial" panose="020B0604020202020204" pitchFamily="34" charset="0"/>
+              <a:buChar char="•"/>
+            </a:pPr>
+            <a:r>
+              <a:rPr lang="en-US" sz="2400" dirty="0">
+                <a:solidFill>
+                  <a:prstClr val="black"/>
+                </a:solidFill>
+              </a:rPr>
+              <a:t>Choose </a:t>
+            </a:r>
+            <a:r>
+              <a:rPr lang="en-US" sz="2400" b="1" dirty="0">
+                <a:solidFill>
+                  <a:prstClr val="black"/>
+                </a:solidFill>
+              </a:rPr>
+              <a:t>JDK 11</a:t>
+            </a:r>
+            <a:r>
+              <a:rPr lang="en-US" sz="2400" dirty="0">
+                <a:solidFill>
+                  <a:prstClr val="black"/>
+                </a:solidFill>
+              </a:rPr>
+              <a:t> for your project</a:t>
+            </a:r>
+          </a:p>
+          <a:p>
+            <a:pPr marL="228600" lvl="0" indent="-228600">
+              <a:lnSpc>
+                <a:spcPct val="150000"/>
+              </a:lnSpc>
+              <a:buFont typeface="Arial" panose="020B0604020202020204" pitchFamily="34" charset="0"/>
+              <a:buChar char="•"/>
+            </a:pPr>
+            <a:r>
+              <a:rPr lang="en-US" sz="2400" dirty="0">
+                <a:solidFill>
+                  <a:prstClr val="black"/>
+                </a:solidFill>
+              </a:rPr>
+              <a:t>Choose </a:t>
+            </a:r>
+            <a:r>
+              <a:rPr lang="en-US" sz="2400" b="1" dirty="0">
+                <a:solidFill>
+                  <a:prstClr val="black"/>
+                </a:solidFill>
+              </a:rPr>
+              <a:t>“Project language level”</a:t>
+            </a:r>
+            <a:r>
+              <a:rPr lang="en-US" sz="2400" dirty="0">
+                <a:solidFill>
+                  <a:prstClr val="black"/>
+                </a:solidFill>
+              </a:rPr>
+              <a:t>: 11 – Local variable…</a:t>
+            </a:r>
+          </a:p>
+          <a:p>
+            <a:pPr marL="228600" lvl="0" indent="-228600">
+              <a:lnSpc>
+                <a:spcPct val="150000"/>
+              </a:lnSpc>
+              <a:buFont typeface="Arial" panose="020B0604020202020204" pitchFamily="34" charset="0"/>
+              <a:buChar char="•"/>
+            </a:pPr>
+            <a:r>
+              <a:rPr lang="en-US" sz="2400" dirty="0">
+                <a:solidFill>
+                  <a:prstClr val="black"/>
+                </a:solidFill>
+              </a:rPr>
+              <a:t>Click </a:t>
+            </a:r>
+            <a:r>
+              <a:rPr lang="en-US" sz="2400" b="1" dirty="0">
+                <a:solidFill>
+                  <a:prstClr val="black"/>
+                </a:solidFill>
+              </a:rPr>
+              <a:t>“OK”</a:t>
+            </a:r>
+          </a:p>
+        </p:txBody>
+      </p:sp>
+      <p:sp>
+        <p:nvSpPr>
+          <p:cNvPr id="5" name="Місце для номера слайда 4">
+            <a:extLst>
+              <a:ext uri="{FF2B5EF4-FFF2-40B4-BE49-F238E27FC236}">
+                <a16:creationId xmlns:a16="http://schemas.microsoft.com/office/drawing/2014/main" id="{AB1D61F9-F90F-4ED7-9585-6F791788FCBD}"/>
+              </a:ext>
+            </a:extLst>
+          </p:cNvPr>
+          <p:cNvSpPr>
+            <a:spLocks noGrp="1"/>
+          </p:cNvSpPr>
+          <p:nvPr>
+            <p:ph type="sldNum" sz="quarter" idx="12"/>
+          </p:nvPr>
+        </p:nvSpPr>
+        <p:spPr/>
+        <p:txBody>
+          <a:bodyPr/>
+          <a:lstStyle/>
+          <a:p>
+            <a:fld id="{A90B2C51-5890-490E-B5FE-9637AEB78E72}" type="slidenum">
+              <a:rPr lang="en-US" smtClean="0"/>
+              <a:t>21</a:t>
+            </a:fld>
+            <a:endParaRPr lang="en-US"/>
+          </a:p>
+        </p:txBody>
+      </p:sp>
+      <p:pic>
+        <p:nvPicPr>
+          <p:cNvPr id="3" name="Місце для вмісту 2">
+            <a:extLst>
+              <a:ext uri="{FF2B5EF4-FFF2-40B4-BE49-F238E27FC236}">
+                <a16:creationId xmlns:a16="http://schemas.microsoft.com/office/drawing/2014/main" id="{2EA36D24-A57B-4B56-BDC2-BE3ADC9FB309}"/>
+              </a:ext>
+            </a:extLst>
+          </p:cNvPr>
+          <p:cNvPicPr>
+            <a:picLocks noGrp="1" noChangeAspect="1"/>
+          </p:cNvPicPr>
+          <p:nvPr>
+            <p:ph idx="1"/>
+          </p:nvPr>
+        </p:nvPicPr>
+        <p:blipFill>
+          <a:blip r:embed="rId2"/>
+          <a:stretch>
+            <a:fillRect/>
+          </a:stretch>
+        </p:blipFill>
+        <p:spPr>
+          <a:xfrm>
+            <a:off x="5317494" y="987425"/>
+            <a:ext cx="5903588" cy="4873625"/>
+          </a:xfrm>
+          <a:prstGeom prst="rect">
+            <a:avLst/>
+          </a:prstGeom>
+        </p:spPr>
+      </p:pic>
+      <p:pic>
+        <p:nvPicPr>
+          <p:cNvPr id="10" name="Рисунок 9">
+            <a:extLst>
+              <a:ext uri="{FF2B5EF4-FFF2-40B4-BE49-F238E27FC236}">
+                <a16:creationId xmlns:a16="http://schemas.microsoft.com/office/drawing/2014/main" id="{DC216B39-5BAE-4701-934A-3965A6FD9785}"/>
+              </a:ext>
+            </a:extLst>
+          </p:cNvPr>
+          <p:cNvPicPr>
+            <a:picLocks noChangeAspect="1"/>
+          </p:cNvPicPr>
+          <p:nvPr/>
+        </p:nvPicPr>
+        <p:blipFill>
+          <a:blip r:embed="rId3">
+            <a:extLst>
+              <a:ext uri="{28A0092B-C50C-407E-A947-70E740481C1C}">
+                <a14:useLocalDpi xmlns:a14="http://schemas.microsoft.com/office/drawing/2010/main" val="0"/>
+              </a:ext>
+            </a:extLst>
+          </a:blip>
+          <a:stretch>
+            <a:fillRect/>
+          </a:stretch>
+        </p:blipFill>
+        <p:spPr>
+          <a:xfrm>
+            <a:off x="11455532" y="100154"/>
+            <a:ext cx="622038" cy="1157146"/>
+          </a:xfrm>
+          <a:prstGeom prst="rect">
+            <a:avLst/>
+          </a:prstGeom>
+        </p:spPr>
+      </p:pic>
+    </p:spTree>
+    <p:extLst>
+      <p:ext uri="{BB962C8B-B14F-4D97-AF65-F5344CB8AC3E}">
+        <p14:creationId xmlns:p14="http://schemas.microsoft.com/office/powerpoint/2010/main" val="3844059737"/>
+      </p:ext>
+    </p:extLst>
+  </p:cSld>
+  <p:clrMapOvr>
+    <a:masterClrMapping/>
+  </p:clrMapOvr>
+</p:sld>
+</file>
+
+<file path=ppt/slides/slide22.xml><?xml version="1.0" encoding="utf-8"?>
+<p:sld xmlns:a="http://schemas.openxmlformats.org/drawingml/2006/main" xmlns:r="http://schemas.openxmlformats.org/officeDocument/2006/relationships" xmlns:p="http://schemas.openxmlformats.org/presentationml/2006/main">
+  <p:cSld>
+    <p:spTree>
+      <p:nvGrpSpPr>
+        <p:cNvPr id="1" name=""/>
+        <p:cNvGrpSpPr/>
+        <p:nvPr/>
+      </p:nvGrpSpPr>
+      <p:grpSpPr>
+        <a:xfrm>
+          <a:off x="0" y="0"/>
+          <a:ext cx="0" cy="0"/>
+          <a:chOff x="0" y="0"/>
+          <a:chExt cx="0" cy="0"/>
+        </a:xfrm>
+      </p:grpSpPr>
+      <p:sp>
+        <p:nvSpPr>
+          <p:cNvPr id="2" name="Заголовок 1">
+            <a:extLst>
+              <a:ext uri="{FF2B5EF4-FFF2-40B4-BE49-F238E27FC236}">
+                <a16:creationId xmlns:a16="http://schemas.microsoft.com/office/drawing/2014/main" id="{A10B1313-9157-4289-B826-8F6121CF404D}"/>
+              </a:ext>
+            </a:extLst>
+          </p:cNvPr>
+          <p:cNvSpPr>
+            <a:spLocks noGrp="1"/>
+          </p:cNvSpPr>
+          <p:nvPr>
+            <p:ph type="title"/>
+          </p:nvPr>
+        </p:nvSpPr>
+        <p:spPr/>
+        <p:txBody>
+          <a:bodyPr>
+            <a:normAutofit/>
+          </a:bodyPr>
+          <a:lstStyle/>
+          <a:p>
+            <a:r>
+              <a:rPr lang="en-US" sz="4000" b="1" dirty="0"/>
+              <a:t>First Commit and Push to Git</a:t>
+            </a:r>
+          </a:p>
+        </p:txBody>
+      </p:sp>
+      <p:sp>
+        <p:nvSpPr>
+          <p:cNvPr id="4" name="Місце для тексту 3">
+            <a:extLst>
+              <a:ext uri="{FF2B5EF4-FFF2-40B4-BE49-F238E27FC236}">
+                <a16:creationId xmlns:a16="http://schemas.microsoft.com/office/drawing/2014/main" id="{2F877C5C-4D55-4E89-B834-928A615AA5A3}"/>
+              </a:ext>
+            </a:extLst>
+          </p:cNvPr>
+          <p:cNvSpPr>
+            <a:spLocks noGrp="1"/>
+          </p:cNvSpPr>
+          <p:nvPr>
+            <p:ph type="body" sz="half" idx="2"/>
+          </p:nvPr>
+        </p:nvSpPr>
+        <p:spPr/>
+        <p:txBody>
+          <a:bodyPr>
+            <a:normAutofit fontScale="70000" lnSpcReduction="20000"/>
+          </a:bodyPr>
+          <a:lstStyle/>
+          <a:p>
+            <a:pPr marL="228600" lvl="0" indent="-228600">
+              <a:lnSpc>
+                <a:spcPct val="150000"/>
+              </a:lnSpc>
+              <a:buFont typeface="Arial" panose="020B0604020202020204" pitchFamily="34" charset="0"/>
+              <a:buChar char="•"/>
+            </a:pPr>
+            <a:r>
+              <a:rPr lang="en-US" sz="2400" dirty="0">
+                <a:solidFill>
+                  <a:prstClr val="black"/>
+                </a:solidFill>
+              </a:rPr>
+              <a:t>You have made some changes, it’s time to commit and push</a:t>
+            </a:r>
+          </a:p>
+          <a:p>
+            <a:pPr marL="228600" lvl="0" indent="-228600">
+              <a:lnSpc>
+                <a:spcPct val="150000"/>
+              </a:lnSpc>
+              <a:buFont typeface="Arial" panose="020B0604020202020204" pitchFamily="34" charset="0"/>
+              <a:buChar char="•"/>
+            </a:pPr>
+            <a:r>
+              <a:rPr lang="en-US" sz="2400" dirty="0">
+                <a:solidFill>
+                  <a:prstClr val="black"/>
+                </a:solidFill>
+              </a:rPr>
+              <a:t>Press </a:t>
+            </a:r>
+            <a:r>
+              <a:rPr lang="en-US" sz="2400" b="1" dirty="0">
+                <a:solidFill>
+                  <a:prstClr val="black"/>
+                </a:solidFill>
+              </a:rPr>
+              <a:t>“</a:t>
+            </a:r>
+            <a:r>
+              <a:rPr lang="en-US" sz="2400" b="1" dirty="0" err="1">
+                <a:solidFill>
+                  <a:prstClr val="black"/>
+                </a:solidFill>
+              </a:rPr>
+              <a:t>Ctrl+K</a:t>
+            </a:r>
+            <a:r>
+              <a:rPr lang="en-US" sz="2400" b="1" dirty="0">
+                <a:solidFill>
+                  <a:prstClr val="black"/>
+                </a:solidFill>
+              </a:rPr>
+              <a:t>”</a:t>
+            </a:r>
+            <a:r>
+              <a:rPr lang="en-US" sz="2400" dirty="0">
+                <a:solidFill>
+                  <a:prstClr val="black"/>
+                </a:solidFill>
+              </a:rPr>
+              <a:t> to make commit</a:t>
+            </a:r>
+          </a:p>
+          <a:p>
+            <a:pPr marL="228600" lvl="0" indent="-228600">
+              <a:lnSpc>
+                <a:spcPct val="150000"/>
+              </a:lnSpc>
+              <a:buFont typeface="Arial" panose="020B0604020202020204" pitchFamily="34" charset="0"/>
+              <a:buChar char="•"/>
+            </a:pPr>
+            <a:r>
+              <a:rPr lang="en-US" sz="2400" dirty="0">
+                <a:solidFill>
+                  <a:prstClr val="black"/>
+                </a:solidFill>
+              </a:rPr>
+              <a:t>Choose files that should be committed</a:t>
+            </a:r>
+          </a:p>
+          <a:p>
+            <a:pPr marL="228600" lvl="0" indent="-228600">
+              <a:lnSpc>
+                <a:spcPct val="150000"/>
+              </a:lnSpc>
+              <a:buFont typeface="Arial" panose="020B0604020202020204" pitchFamily="34" charset="0"/>
+              <a:buChar char="•"/>
+            </a:pPr>
+            <a:r>
+              <a:rPr lang="en-US" sz="2400" dirty="0">
+                <a:solidFill>
+                  <a:prstClr val="black"/>
+                </a:solidFill>
+              </a:rPr>
+              <a:t>Type understandable and informative </a:t>
+            </a:r>
+            <a:r>
+              <a:rPr lang="en-US" sz="2400" b="1" dirty="0">
+                <a:solidFill>
+                  <a:prstClr val="black"/>
+                </a:solidFill>
+              </a:rPr>
+              <a:t>“Commit Message”</a:t>
+            </a:r>
+          </a:p>
+          <a:p>
+            <a:pPr marL="228600" lvl="0" indent="-228600">
+              <a:lnSpc>
+                <a:spcPct val="150000"/>
+              </a:lnSpc>
+              <a:buFont typeface="Arial" panose="020B0604020202020204" pitchFamily="34" charset="0"/>
+              <a:buChar char="•"/>
+            </a:pPr>
+            <a:r>
+              <a:rPr lang="en-US" sz="2400" dirty="0">
+                <a:solidFill>
+                  <a:prstClr val="black"/>
+                </a:solidFill>
+              </a:rPr>
+              <a:t>Check checkboxes: </a:t>
+            </a:r>
+            <a:r>
+              <a:rPr lang="en-US" sz="2400" b="1" dirty="0">
+                <a:solidFill>
+                  <a:prstClr val="black"/>
+                </a:solidFill>
+              </a:rPr>
+              <a:t>“Perform code analysis” </a:t>
+            </a:r>
+            <a:r>
+              <a:rPr lang="en-US" sz="2400" dirty="0">
+                <a:solidFill>
+                  <a:prstClr val="black"/>
+                </a:solidFill>
+              </a:rPr>
+              <a:t>and </a:t>
+            </a:r>
+            <a:r>
+              <a:rPr lang="en-US" sz="2400" b="1" dirty="0">
+                <a:solidFill>
+                  <a:prstClr val="black"/>
+                </a:solidFill>
+              </a:rPr>
+              <a:t>“Check TODO”</a:t>
+            </a:r>
+            <a:endParaRPr lang="en-US" sz="2400" dirty="0">
+              <a:solidFill>
+                <a:prstClr val="black"/>
+              </a:solidFill>
+            </a:endParaRPr>
+          </a:p>
+          <a:p>
+            <a:pPr marL="228600" lvl="0" indent="-228600">
+              <a:lnSpc>
+                <a:spcPct val="150000"/>
+              </a:lnSpc>
+              <a:buFont typeface="Arial" panose="020B0604020202020204" pitchFamily="34" charset="0"/>
+              <a:buChar char="•"/>
+            </a:pPr>
+            <a:r>
+              <a:rPr lang="en-US" sz="2400" dirty="0">
+                <a:solidFill>
+                  <a:prstClr val="black"/>
+                </a:solidFill>
+              </a:rPr>
+              <a:t>Click </a:t>
+            </a:r>
+            <a:r>
+              <a:rPr lang="en-US" sz="2400" b="1" dirty="0">
+                <a:solidFill>
+                  <a:prstClr val="black"/>
+                </a:solidFill>
+              </a:rPr>
+              <a:t>“Commit”</a:t>
+            </a:r>
+          </a:p>
+        </p:txBody>
+      </p:sp>
+      <p:sp>
+        <p:nvSpPr>
+          <p:cNvPr id="5" name="Місце для номера слайда 4">
+            <a:extLst>
+              <a:ext uri="{FF2B5EF4-FFF2-40B4-BE49-F238E27FC236}">
+                <a16:creationId xmlns:a16="http://schemas.microsoft.com/office/drawing/2014/main" id="{AB1D61F9-F90F-4ED7-9585-6F791788FCBD}"/>
+              </a:ext>
+            </a:extLst>
+          </p:cNvPr>
+          <p:cNvSpPr>
+            <a:spLocks noGrp="1"/>
+          </p:cNvSpPr>
+          <p:nvPr>
+            <p:ph type="sldNum" sz="quarter" idx="12"/>
+          </p:nvPr>
+        </p:nvSpPr>
+        <p:spPr/>
+        <p:txBody>
+          <a:bodyPr/>
+          <a:lstStyle/>
+          <a:p>
+            <a:fld id="{A90B2C51-5890-490E-B5FE-9637AEB78E72}" type="slidenum">
+              <a:rPr lang="en-US" smtClean="0"/>
+              <a:t>22</a:t>
+            </a:fld>
+            <a:endParaRPr lang="en-US"/>
+          </a:p>
+        </p:txBody>
+      </p:sp>
+      <p:pic>
+        <p:nvPicPr>
+          <p:cNvPr id="3" name="Місце для вмісту 2">
+            <a:extLst>
+              <a:ext uri="{FF2B5EF4-FFF2-40B4-BE49-F238E27FC236}">
+                <a16:creationId xmlns:a16="http://schemas.microsoft.com/office/drawing/2014/main" id="{398EE79E-FFD2-49CC-BBAA-1C2A4FDD36C4}"/>
+              </a:ext>
+            </a:extLst>
+          </p:cNvPr>
+          <p:cNvPicPr>
+            <a:picLocks noGrp="1" noChangeAspect="1"/>
+          </p:cNvPicPr>
+          <p:nvPr>
+            <p:ph idx="1"/>
+          </p:nvPr>
+        </p:nvPicPr>
+        <p:blipFill>
+          <a:blip r:embed="rId2"/>
+          <a:stretch>
+            <a:fillRect/>
+          </a:stretch>
+        </p:blipFill>
+        <p:spPr>
+          <a:xfrm>
+            <a:off x="6870222" y="987425"/>
+            <a:ext cx="2798132" cy="4873625"/>
+          </a:xfrm>
+          <a:prstGeom prst="rect">
+            <a:avLst/>
+          </a:prstGeom>
+        </p:spPr>
+      </p:pic>
+      <p:pic>
+        <p:nvPicPr>
+          <p:cNvPr id="10" name="Рисунок 9">
+            <a:extLst>
+              <a:ext uri="{FF2B5EF4-FFF2-40B4-BE49-F238E27FC236}">
+                <a16:creationId xmlns:a16="http://schemas.microsoft.com/office/drawing/2014/main" id="{36CD309F-0299-4646-85F9-BD3FE97C6EA3}"/>
+              </a:ext>
+            </a:extLst>
+          </p:cNvPr>
+          <p:cNvPicPr>
+            <a:picLocks noChangeAspect="1"/>
+          </p:cNvPicPr>
+          <p:nvPr/>
+        </p:nvPicPr>
+        <p:blipFill>
+          <a:blip r:embed="rId3">
+            <a:extLst>
+              <a:ext uri="{28A0092B-C50C-407E-A947-70E740481C1C}">
+                <a14:useLocalDpi xmlns:a14="http://schemas.microsoft.com/office/drawing/2010/main" val="0"/>
+              </a:ext>
+            </a:extLst>
+          </a:blip>
+          <a:stretch>
+            <a:fillRect/>
+          </a:stretch>
+        </p:blipFill>
+        <p:spPr>
+          <a:xfrm>
+            <a:off x="11455532" y="100154"/>
+            <a:ext cx="622038" cy="1157146"/>
+          </a:xfrm>
+          <a:prstGeom prst="rect">
+            <a:avLst/>
+          </a:prstGeom>
+        </p:spPr>
+      </p:pic>
+    </p:spTree>
+    <p:extLst>
+      <p:ext uri="{BB962C8B-B14F-4D97-AF65-F5344CB8AC3E}">
+        <p14:creationId xmlns:p14="http://schemas.microsoft.com/office/powerpoint/2010/main" val="3643435818"/>
+      </p:ext>
+    </p:extLst>
+  </p:cSld>
+  <p:clrMapOvr>
+    <a:masterClrMapping/>
+  </p:clrMapOvr>
+</p:sld>
+</file>
+
+<file path=ppt/slides/slide23.xml><?xml version="1.0" encoding="utf-8"?>
+<p:sld xmlns:a="http://schemas.openxmlformats.org/drawingml/2006/main" xmlns:r="http://schemas.openxmlformats.org/officeDocument/2006/relationships" xmlns:p="http://schemas.openxmlformats.org/presentationml/2006/main">
+  <p:cSld>
+    <p:spTree>
+      <p:nvGrpSpPr>
+        <p:cNvPr id="1" name=""/>
+        <p:cNvGrpSpPr/>
+        <p:nvPr/>
+      </p:nvGrpSpPr>
+      <p:grpSpPr>
+        <a:xfrm>
+          <a:off x="0" y="0"/>
+          <a:ext cx="0" cy="0"/>
+          <a:chOff x="0" y="0"/>
+          <a:chExt cx="0" cy="0"/>
+        </a:xfrm>
+      </p:grpSpPr>
+      <p:sp>
+        <p:nvSpPr>
+          <p:cNvPr id="2" name="Заголовок 1">
+            <a:extLst>
+              <a:ext uri="{FF2B5EF4-FFF2-40B4-BE49-F238E27FC236}">
+                <a16:creationId xmlns:a16="http://schemas.microsoft.com/office/drawing/2014/main" id="{A10B1313-9157-4289-B826-8F6121CF404D}"/>
+              </a:ext>
+            </a:extLst>
+          </p:cNvPr>
+          <p:cNvSpPr>
+            <a:spLocks noGrp="1"/>
+          </p:cNvSpPr>
+          <p:nvPr>
+            <p:ph type="title"/>
+          </p:nvPr>
+        </p:nvSpPr>
+        <p:spPr/>
+        <p:txBody>
+          <a:bodyPr>
+            <a:normAutofit/>
+          </a:bodyPr>
+          <a:lstStyle/>
+          <a:p>
+            <a:r>
+              <a:rPr lang="en-US" sz="4000" b="1" dirty="0"/>
+              <a:t>First Commit and Push to Git</a:t>
+            </a:r>
+          </a:p>
+        </p:txBody>
+      </p:sp>
+      <p:sp>
+        <p:nvSpPr>
+          <p:cNvPr id="4" name="Місце для тексту 3">
+            <a:extLst>
+              <a:ext uri="{FF2B5EF4-FFF2-40B4-BE49-F238E27FC236}">
+                <a16:creationId xmlns:a16="http://schemas.microsoft.com/office/drawing/2014/main" id="{2F877C5C-4D55-4E89-B834-928A615AA5A3}"/>
+              </a:ext>
+            </a:extLst>
+          </p:cNvPr>
+          <p:cNvSpPr>
+            <a:spLocks noGrp="1"/>
+          </p:cNvSpPr>
+          <p:nvPr>
+            <p:ph type="body" sz="half" idx="2"/>
+          </p:nvPr>
+        </p:nvSpPr>
+        <p:spPr/>
+        <p:txBody>
+          <a:bodyPr>
+            <a:normAutofit/>
+          </a:bodyPr>
+          <a:lstStyle/>
+          <a:p>
+            <a:pPr marL="228600" lvl="0" indent="-228600">
+              <a:lnSpc>
+                <a:spcPct val="150000"/>
+              </a:lnSpc>
+              <a:buFont typeface="Arial" panose="020B0604020202020204" pitchFamily="34" charset="0"/>
+              <a:buChar char="•"/>
+            </a:pPr>
+            <a:r>
+              <a:rPr lang="en-US" sz="2400" dirty="0">
+                <a:solidFill>
+                  <a:prstClr val="black"/>
+                </a:solidFill>
+              </a:rPr>
+              <a:t>Do not commit anything if you got some error or warning message </a:t>
+            </a:r>
+          </a:p>
+        </p:txBody>
+      </p:sp>
+      <p:sp>
+        <p:nvSpPr>
+          <p:cNvPr id="5" name="Місце для номера слайда 4">
+            <a:extLst>
+              <a:ext uri="{FF2B5EF4-FFF2-40B4-BE49-F238E27FC236}">
+                <a16:creationId xmlns:a16="http://schemas.microsoft.com/office/drawing/2014/main" id="{AB1D61F9-F90F-4ED7-9585-6F791788FCBD}"/>
+              </a:ext>
+            </a:extLst>
+          </p:cNvPr>
+          <p:cNvSpPr>
+            <a:spLocks noGrp="1"/>
+          </p:cNvSpPr>
+          <p:nvPr>
+            <p:ph type="sldNum" sz="quarter" idx="12"/>
+          </p:nvPr>
+        </p:nvSpPr>
+        <p:spPr/>
+        <p:txBody>
+          <a:bodyPr/>
+          <a:lstStyle/>
+          <a:p>
+            <a:fld id="{A90B2C51-5890-490E-B5FE-9637AEB78E72}" type="slidenum">
+              <a:rPr lang="en-US" smtClean="0"/>
+              <a:t>23</a:t>
             </a:fld>
             <a:endParaRPr lang="en-US"/>
           </a:p>
@@ -8932,7 +9114,7 @@
 </p:sld>
 </file>
 
-<file path=ppt/slides/slide21.xml><?xml version="1.0" encoding="utf-8"?>
+<file path=ppt/slides/slide24.xml><?xml version="1.0" encoding="utf-8"?>
 <p:sld xmlns:a="http://schemas.openxmlformats.org/drawingml/2006/main" xmlns:r="http://schemas.openxmlformats.org/officeDocument/2006/relationships" xmlns:p="http://schemas.openxmlformats.org/presentationml/2006/main">
   <p:cSld>
     <p:spTree>
@@ -9105,7 +9287,7 @@
           <a:p>
             <a:fld id="{A90B2C51-5890-490E-B5FE-9637AEB78E72}" type="slidenum">
               <a:rPr lang="en-US" smtClean="0"/>
-              <a:t>21</a:t>
+              <a:t>24</a:t>
             </a:fld>
             <a:endParaRPr lang="en-US"/>
           </a:p>
@@ -9192,7 +9374,7 @@
 </p:sld>
 </file>
 
-<file path=ppt/slides/slide22.xml><?xml version="1.0" encoding="utf-8"?>
+<file path=ppt/slides/slide25.xml><?xml version="1.0" encoding="utf-8"?>
 <p:sld xmlns:a="http://schemas.openxmlformats.org/drawingml/2006/main" xmlns:r="http://schemas.openxmlformats.org/officeDocument/2006/relationships" xmlns:p="http://schemas.openxmlformats.org/presentationml/2006/main">
   <p:cSld>
     <p:spTree>
@@ -9389,7 +9571,7 @@
             <a:fld id="{00000000-1234-1234-1234-123412341234}" type="slidenum">
               <a:rPr lang="en" smtClean="0"/>
               <a:pPr/>
-              <a:t>22</a:t>
+              <a:t>25</a:t>
             </a:fld>
             <a:endParaRPr lang="en"/>
           </a:p>
@@ -10693,9 +10875,42 @@
         <p:spPr/>
         <p:txBody>
           <a:bodyPr>
-            <a:normAutofit fontScale="92500" lnSpcReduction="20000"/>
+            <a:normAutofit fontScale="85000" lnSpcReduction="20000"/>
           </a:bodyPr>
           <a:lstStyle/>
+          <a:p>
+            <a:pPr marL="228600" indent="-228600">
+              <a:lnSpc>
+                <a:spcPct val="150000"/>
+              </a:lnSpc>
+              <a:buFont typeface="Arial" panose="020B0604020202020204" pitchFamily="34" charset="0"/>
+              <a:buChar char="•"/>
+            </a:pPr>
+            <a:r>
+              <a:rPr lang="en-US" sz="2400" dirty="0">
+                <a:solidFill>
+                  <a:prstClr val="black"/>
+                </a:solidFill>
+              </a:rPr>
+              <a:t>Expand </a:t>
+            </a:r>
+            <a:r>
+              <a:rPr lang="en-US" sz="2400" b="1" dirty="0">
+                <a:solidFill>
+                  <a:prstClr val="black"/>
+                </a:solidFill>
+              </a:rPr>
+              <a:t>“Protected Branches” </a:t>
+            </a:r>
+            <a:r>
+              <a:rPr lang="en-US" sz="2400" dirty="0">
+                <a:solidFill>
+                  <a:prstClr val="black"/>
+                </a:solidFill>
+              </a:rPr>
+              <a:t>section</a:t>
+            </a:r>
+          </a:p>
           <a:p>
             <a:pPr marL="228600" lvl="0" indent="-228600">
               <a:lnSpc>
@@ -10710,7 +10925,7 @@
                   <a:prstClr val="black"/>
                 </a:solidFill>
               </a:rPr>
-              <a:t>Expand </a:t>
+              <a:t>Choose branch </a:t>
             </a:r>
             <a:r>
               <a:rPr lang="en-US" sz="2400" b="1" dirty="0">
@@ -10718,7 +10933,7 @@
                   <a:prstClr val="black"/>
                 </a:solidFill>
               </a:rPr>
-              <a:t>“Mirroring repositories” </a:t>
+              <a:t>prod </a:t>
             </a:r>
             <a:r>
               <a:rPr lang="en-US" sz="2400" dirty="0">
@@ -10726,7 +10941,7 @@
                   <a:prstClr val="black"/>
                 </a:solidFill>
               </a:rPr>
-              <a:t>section</a:t>
+              <a:t>(if prod branch is missing – create and push it into repository)</a:t>
             </a:r>
             <a:endParaRPr lang="en-US" sz="2400" b="1" dirty="0">
               <a:solidFill>
@@ -10748,45 +10963,61 @@
                   <a:prstClr val="black"/>
                 </a:solidFill>
               </a:rPr>
-              <a:t>Paste or type </a:t>
-            </a:r>
-            <a:r>
-              <a:rPr lang="en-US" b="1" i="1" dirty="0">
-                <a:hlinkClick r:id="rId2">
-                  <a:extLst>
-                    <a:ext uri="{A12FA001-AC4F-418D-AE19-62706E023703}">
-                      <ahyp:hlinkClr xmlns:ahyp="http://schemas.microsoft.com/office/drawing/2018/hyperlinkcolor" val="tx"/>
-                    </a:ext>
-                  </a:extLst>
-                </a:hlinkClick>
-              </a:rPr>
-              <a:t>https://gitlab.com/olexandr.kucher/geekhub8</a:t>
-            </a:r>
-            <a:r>
-              <a:rPr lang="en-US" b="1" i="1" dirty="0"/>
-              <a:t> </a:t>
-            </a:r>
-            <a:r>
-              <a:rPr lang="en-US" sz="2400" dirty="0"/>
-              <a:t>into</a:t>
-            </a:r>
-            <a:r>
-              <a:rPr lang="en-US" dirty="0"/>
-              <a:t> </a:t>
-            </a:r>
-            <a:r>
-              <a:rPr lang="en-US" sz="2400" b="1" dirty="0"/>
-              <a:t>“Git repository URL”</a:t>
-            </a:r>
-            <a:r>
-              <a:rPr lang="en-US" sz="2400" i="1" dirty="0"/>
-              <a:t> </a:t>
-            </a:r>
-            <a:r>
-              <a:rPr lang="en-US" sz="2400" dirty="0"/>
-              <a:t>field</a:t>
-            </a:r>
-            <a:endParaRPr lang="en-US" b="1" dirty="0"/>
+              <a:t>Choose </a:t>
+            </a:r>
+            <a:r>
+              <a:rPr lang="en-US" sz="2400" b="1" dirty="0">
+                <a:solidFill>
+                  <a:prstClr val="black"/>
+                </a:solidFill>
+              </a:rPr>
+              <a:t>Maintainers </a:t>
+            </a:r>
+            <a:r>
+              <a:rPr lang="en-US" sz="2400" dirty="0">
+                <a:solidFill>
+                  <a:prstClr val="black"/>
+                </a:solidFill>
+              </a:rPr>
+              <a:t>as </a:t>
+            </a:r>
+            <a:r>
+              <a:rPr lang="en-US" sz="2400" i="1" dirty="0">
+                <a:solidFill>
+                  <a:prstClr val="black"/>
+                </a:solidFill>
+              </a:rPr>
+              <a:t>Allowed to merge</a:t>
+            </a:r>
+            <a:r>
+              <a:rPr lang="en-US" sz="2400" dirty="0">
+                <a:solidFill>
+                  <a:prstClr val="black"/>
+                </a:solidFill>
+              </a:rPr>
+              <a:t> and </a:t>
+            </a:r>
+            <a:r>
+              <a:rPr lang="en-US" sz="2400" i="1" dirty="0">
+                <a:solidFill>
+                  <a:prstClr val="black"/>
+                </a:solidFill>
+              </a:rPr>
+              <a:t>Allowed to push</a:t>
+            </a:r>
+            <a:r>
+              <a:rPr lang="en-US" sz="2400" dirty="0">
+                <a:solidFill>
+                  <a:prstClr val="black"/>
+                </a:solidFill>
+              </a:rPr>
+              <a:t>  </a:t>
+            </a:r>
+            <a:endParaRPr lang="en-US" sz="2400" b="1" dirty="0">
+              <a:solidFill>
+                <a:prstClr val="black"/>
+              </a:solidFill>
+            </a:endParaRPr>
           </a:p>
           <a:p>
             <a:pPr marL="228600" lvl="0" indent="-228600">
@@ -10802,7 +11033,7 @@
                   <a:prstClr val="black"/>
                 </a:solidFill>
               </a:rPr>
-              <a:t>Choose </a:t>
+              <a:t>Click </a:t>
             </a:r>
             <a:r>
               <a:rPr lang="en-US" sz="2400" b="1" dirty="0">
@@ -10810,7 +11041,7 @@
                   <a:prstClr val="black"/>
                 </a:solidFill>
               </a:rPr>
-              <a:t>“Pull”</a:t>
+              <a:t>“Protect”</a:t>
             </a:r>
             <a:r>
               <a:rPr lang="en-US" sz="2400" dirty="0">
@@ -10818,15 +11049,7 @@
                   <a:prstClr val="black"/>
                 </a:solidFill>
               </a:rPr>
-              <a:t> as </a:t>
-            </a:r>
-            <a:r>
-              <a:rPr lang="en-US" sz="2400" b="1" dirty="0">
-                <a:solidFill>
-                  <a:prstClr val="black"/>
-                </a:solidFill>
-              </a:rPr>
-              <a:t>“Mirror direction”</a:t>
+              <a:t> button </a:t>
             </a:r>
           </a:p>
         </p:txBody>
@@ -10862,42 +11085,10 @@
       </p:sp>
       <p:pic>
         <p:nvPicPr>
-          <p:cNvPr id="8" name="Місце для вмісту 7">
-            <a:extLst>
-              <a:ext uri="{FF2B5EF4-FFF2-40B4-BE49-F238E27FC236}">
-                <a16:creationId xmlns:a16="http://schemas.microsoft.com/office/drawing/2014/main" id="{C0AE3FCD-8CA3-483F-BD4F-6975C0E315E4}"/>
-              </a:ext>
-            </a:extLst>
-          </p:cNvPr>
-          <p:cNvPicPr>
-            <a:picLocks noGrp="1" noChangeAspect="1"/>
-          </p:cNvPicPr>
-          <p:nvPr>
-            <p:ph idx="1"/>
-          </p:nvPr>
-        </p:nvPicPr>
-        <p:blipFill>
-          <a:blip r:embed="rId3"/>
-          <a:stretch>
-            <a:fillRect/>
-          </a:stretch>
-        </p:blipFill>
-        <p:spPr>
-          <a:xfrm>
-            <a:off x="5245664" y="987425"/>
-            <a:ext cx="6047248" cy="4873625"/>
-          </a:xfrm>
-          <a:prstGeom prst="rect">
-            <a:avLst/>
-          </a:prstGeom>
-        </p:spPr>
-      </p:pic>
-      <p:pic>
-        <p:nvPicPr>
-          <p:cNvPr id="10" name="Рисунок 9">
-            <a:extLst>
-              <a:ext uri="{FF2B5EF4-FFF2-40B4-BE49-F238E27FC236}">
-                <a16:creationId xmlns:a16="http://schemas.microsoft.com/office/drawing/2014/main" id="{33271DFD-D29B-4E74-8B8F-7F1D2E18F0B8}"/>
+          <p:cNvPr id="8" name="Рисунок 7">
+            <a:extLst>
+              <a:ext uri="{FF2B5EF4-FFF2-40B4-BE49-F238E27FC236}">
+                <a16:creationId xmlns:a16="http://schemas.microsoft.com/office/drawing/2014/main" id="{F6B9AD58-FF4B-4866-959D-A96867D4E7E7}"/>
               </a:ext>
             </a:extLst>
           </p:cNvPr>
@@ -10907,7 +11098,7 @@
           <p:nvPr/>
         </p:nvPicPr>
         <p:blipFill>
-          <a:blip r:embed="rId4">
+          <a:blip r:embed="rId2">
             <a:extLst>
               <a:ext uri="{28A0092B-C50C-407E-A947-70E740481C1C}">
                 <a14:useLocalDpi xmlns:a14="http://schemas.microsoft.com/office/drawing/2010/main" val="0"/>
@@ -10928,10 +11119,42 @@
           </a:prstGeom>
         </p:spPr>
       </p:pic>
+      <p:pic>
+        <p:nvPicPr>
+          <p:cNvPr id="7" name="Місце для вмісту 6">
+            <a:extLst>
+              <a:ext uri="{FF2B5EF4-FFF2-40B4-BE49-F238E27FC236}">
+                <a16:creationId xmlns:a16="http://schemas.microsoft.com/office/drawing/2014/main" id="{8F45D068-77E5-4DB0-8F79-3F7E081D54B6}"/>
+              </a:ext>
+            </a:extLst>
+          </p:cNvPr>
+          <p:cNvPicPr>
+            <a:picLocks noGrp="1" noChangeAspect="1"/>
+          </p:cNvPicPr>
+          <p:nvPr>
+            <p:ph idx="1"/>
+          </p:nvPr>
+        </p:nvPicPr>
+        <p:blipFill>
+          <a:blip r:embed="rId3"/>
+          <a:stretch>
+            <a:fillRect/>
+          </a:stretch>
+        </p:blipFill>
+        <p:spPr>
+          <a:xfrm>
+            <a:off x="5183188" y="1452129"/>
+            <a:ext cx="6172200" cy="3944217"/>
+          </a:xfrm>
+          <a:prstGeom prst="rect">
+            <a:avLst/>
+          </a:prstGeom>
+        </p:spPr>
+      </p:pic>
     </p:spTree>
     <p:extLst>
       <p:ext uri="{BB962C8B-B14F-4D97-AF65-F5344CB8AC3E}">
-        <p14:creationId xmlns:p14="http://schemas.microsoft.com/office/powerpoint/2010/main" val="1096784730"/>
+        <p14:creationId xmlns:p14="http://schemas.microsoft.com/office/powerpoint/2010/main" val="3782669588"/>
       </p:ext>
     </p:extLst>
   </p:cSld>
@@ -11011,6 +11234,39 @@
           </a:bodyPr>
           <a:lstStyle/>
           <a:p>
+            <a:pPr marL="228600" indent="-228600">
+              <a:lnSpc>
+                <a:spcPct val="150000"/>
+              </a:lnSpc>
+              <a:buFont typeface="Arial" panose="020B0604020202020204" pitchFamily="34" charset="0"/>
+              <a:buChar char="•"/>
+            </a:pPr>
+            <a:r>
+              <a:rPr lang="en-US" sz="2400" dirty="0">
+                <a:solidFill>
+                  <a:prstClr val="black"/>
+                </a:solidFill>
+              </a:rPr>
+              <a:t>Expand </a:t>
+            </a:r>
+            <a:r>
+              <a:rPr lang="en-US" sz="2400" b="1" dirty="0">
+                <a:solidFill>
+                  <a:prstClr val="black"/>
+                </a:solidFill>
+              </a:rPr>
+              <a:t>“Protected Branches” </a:t>
+            </a:r>
+            <a:r>
+              <a:rPr lang="en-US" sz="2400" dirty="0">
+                <a:solidFill>
+                  <a:prstClr val="black"/>
+                </a:solidFill>
+              </a:rPr>
+              <a:t>section</a:t>
+            </a:r>
+          </a:p>
+          <a:p>
             <a:pPr marL="228600" lvl="0" indent="-228600">
               <a:lnSpc>
                 <a:spcPct val="150000"/>
@@ -11024,40 +11280,7 @@
                   <a:prstClr val="black"/>
                 </a:solidFill>
               </a:rPr>
-              <a:t>Type your password to approve the action</a:t>
-            </a:r>
-          </a:p>
-          <a:p>
-            <a:pPr marL="228600" lvl="0" indent="-228600">
-              <a:lnSpc>
-                <a:spcPct val="150000"/>
-              </a:lnSpc>
-              <a:buFont typeface="Arial" panose="020B0604020202020204" pitchFamily="34" charset="0"/>
-              <a:buChar char="•"/>
-            </a:pPr>
-            <a:r>
-              <a:rPr lang="en-US" sz="2400" dirty="0">
-                <a:solidFill>
-                  <a:prstClr val="black"/>
-                </a:solidFill>
-              </a:rPr>
-              <a:t>Click </a:t>
-            </a:r>
-            <a:r>
-              <a:rPr lang="en-US" sz="2400" b="1" dirty="0">
-                <a:solidFill>
-                  <a:prstClr val="black"/>
-                </a:solidFill>
-              </a:rPr>
-              <a:t>“Save changes”</a:t>
-            </a:r>
-            <a:r>
-              <a:rPr lang="en-US" sz="2400" dirty="0">
-                <a:solidFill>
-                  <a:prstClr val="black"/>
-                </a:solidFill>
-              </a:rPr>
-              <a:t> button </a:t>
+              <a:t>Verify that only one protected branch exists in your repository</a:t>
             </a:r>
           </a:p>
         </p:txBody>
@@ -11091,38 +11314,6 @@
           </a:p>
         </p:txBody>
       </p:sp>
-      <p:pic>
-        <p:nvPicPr>
-          <p:cNvPr id="3" name="Місце для вмісту 2">
-            <a:extLst>
-              <a:ext uri="{FF2B5EF4-FFF2-40B4-BE49-F238E27FC236}">
-                <a16:creationId xmlns:a16="http://schemas.microsoft.com/office/drawing/2014/main" id="{8491C36F-F685-4D3A-9D7D-CFB120CC8439}"/>
-              </a:ext>
-            </a:extLst>
-          </p:cNvPr>
-          <p:cNvPicPr>
-            <a:picLocks noGrp="1" noChangeAspect="1"/>
-          </p:cNvPicPr>
-          <p:nvPr>
-            <p:ph idx="1"/>
-          </p:nvPr>
-        </p:nvPicPr>
-        <p:blipFill>
-          <a:blip r:embed="rId2"/>
-          <a:stretch>
-            <a:fillRect/>
-          </a:stretch>
-        </p:blipFill>
-        <p:spPr>
-          <a:xfrm>
-            <a:off x="5183188" y="1115083"/>
-            <a:ext cx="6172200" cy="4618308"/>
-          </a:xfrm>
-          <a:prstGeom prst="rect">
-            <a:avLst/>
-          </a:prstGeom>
-        </p:spPr>
-      </p:pic>
       <p:pic>
         <p:nvPicPr>
           <p:cNvPr id="8" name="Рисунок 7">
@@ -11138,7 +11329,7 @@
           <p:nvPr/>
         </p:nvPicPr>
         <p:blipFill>
-          <a:blip r:embed="rId3">
+          <a:blip r:embed="rId2">
             <a:extLst>
               <a:ext uri="{28A0092B-C50C-407E-A947-70E740481C1C}">
                 <a14:useLocalDpi xmlns:a14="http://schemas.microsoft.com/office/drawing/2010/main" val="0"/>
@@ -11159,10 +11350,42 @@
           </a:prstGeom>
         </p:spPr>
       </p:pic>
+      <p:pic>
+        <p:nvPicPr>
+          <p:cNvPr id="9" name="Місце для вмісту 8">
+            <a:extLst>
+              <a:ext uri="{FF2B5EF4-FFF2-40B4-BE49-F238E27FC236}">
+                <a16:creationId xmlns:a16="http://schemas.microsoft.com/office/drawing/2014/main" id="{649DC19C-F139-4D16-9B21-F6E356192185}"/>
+              </a:ext>
+            </a:extLst>
+          </p:cNvPr>
+          <p:cNvPicPr>
+            <a:picLocks noGrp="1" noChangeAspect="1"/>
+          </p:cNvPicPr>
+          <p:nvPr>
+            <p:ph idx="1"/>
+          </p:nvPr>
+        </p:nvPicPr>
+        <p:blipFill>
+          <a:blip r:embed="rId3"/>
+          <a:stretch>
+            <a:fillRect/>
+          </a:stretch>
+        </p:blipFill>
+        <p:spPr>
+          <a:xfrm>
+            <a:off x="5245030" y="987425"/>
+            <a:ext cx="6048516" cy="4873625"/>
+          </a:xfrm>
+          <a:prstGeom prst="rect">
+            <a:avLst/>
+          </a:prstGeom>
+        </p:spPr>
+      </p:pic>
     </p:spTree>
     <p:extLst>
       <p:ext uri="{BB962C8B-B14F-4D97-AF65-F5344CB8AC3E}">
-        <p14:creationId xmlns:p14="http://schemas.microsoft.com/office/powerpoint/2010/main" val="1846360351"/>
+        <p14:creationId xmlns:p14="http://schemas.microsoft.com/office/powerpoint/2010/main" val="2506972140"/>
       </p:ext>
     </p:extLst>
   </p:cSld>
